--- a/Chapter24/Lazy Propagation and LCA.pptx
+++ b/Chapter24/Lazy Propagation and LCA.pptx
@@ -10,12 +10,26 @@
     <p:sldId id="260" r:id="rId4"/>
     <p:sldId id="259" r:id="rId5"/>
     <p:sldId id="261" r:id="rId6"/>
-    <p:sldId id="262" r:id="rId7"/>
-    <p:sldId id="263" r:id="rId8"/>
-    <p:sldId id="264" r:id="rId9"/>
-    <p:sldId id="265" r:id="rId10"/>
-    <p:sldId id="266" r:id="rId11"/>
-    <p:sldId id="257" r:id="rId12"/>
+    <p:sldId id="267" r:id="rId7"/>
+    <p:sldId id="268" r:id="rId8"/>
+    <p:sldId id="269" r:id="rId9"/>
+    <p:sldId id="270" r:id="rId10"/>
+    <p:sldId id="271" r:id="rId11"/>
+    <p:sldId id="262" r:id="rId12"/>
+    <p:sldId id="272" r:id="rId13"/>
+    <p:sldId id="273" r:id="rId14"/>
+    <p:sldId id="274" r:id="rId15"/>
+    <p:sldId id="275" r:id="rId16"/>
+    <p:sldId id="280" r:id="rId17"/>
+    <p:sldId id="276" r:id="rId18"/>
+    <p:sldId id="277" r:id="rId19"/>
+    <p:sldId id="278" r:id="rId20"/>
+    <p:sldId id="279" r:id="rId21"/>
+    <p:sldId id="263" r:id="rId22"/>
+    <p:sldId id="264" r:id="rId23"/>
+    <p:sldId id="265" r:id="rId24"/>
+    <p:sldId id="266" r:id="rId25"/>
+    <p:sldId id="257" r:id="rId26"/>
   </p:sldIdLst>
   <p:sldSz cx="12192000" cy="6858000"/>
   <p:notesSz cx="6858000" cy="9144000"/>
@@ -114,6 +128,11 @@
       </a:defRPr>
     </a:lvl9pPr>
   </p:defaultTextStyle>
+  <p:extLst>
+    <p:ext uri="{EFAFB233-063F-42B5-8137-9DF3F51BA10A}">
+      <p15:sldGuideLst xmlns:p15="http://schemas.microsoft.com/office/powerpoint/2012/main"/>
+    </p:ext>
+  </p:extLst>
 </p:presentation>
 </file>
 
@@ -248,7 +267,7 @@
           <a:p>
             <a:fld id="{6BB49669-2DAB-4529-AA9D-1455EDFA129E}" type="datetimeFigureOut">
               <a:rPr lang="ko-KR" altLang="en-US" smtClean="0"/>
-              <a:t>2017-12-11</a:t>
+              <a:t>2017-12-14</a:t>
             </a:fld>
             <a:endParaRPr lang="ko-KR" altLang="en-US"/>
           </a:p>
@@ -418,7 +437,7 @@
           <a:p>
             <a:fld id="{6BB49669-2DAB-4529-AA9D-1455EDFA129E}" type="datetimeFigureOut">
               <a:rPr lang="ko-KR" altLang="en-US" smtClean="0"/>
-              <a:t>2017-12-11</a:t>
+              <a:t>2017-12-14</a:t>
             </a:fld>
             <a:endParaRPr lang="ko-KR" altLang="en-US"/>
           </a:p>
@@ -598,7 +617,7 @@
           <a:p>
             <a:fld id="{6BB49669-2DAB-4529-AA9D-1455EDFA129E}" type="datetimeFigureOut">
               <a:rPr lang="ko-KR" altLang="en-US" smtClean="0"/>
-              <a:t>2017-12-11</a:t>
+              <a:t>2017-12-14</a:t>
             </a:fld>
             <a:endParaRPr lang="ko-KR" altLang="en-US"/>
           </a:p>
@@ -768,7 +787,7 @@
           <a:p>
             <a:fld id="{6BB49669-2DAB-4529-AA9D-1455EDFA129E}" type="datetimeFigureOut">
               <a:rPr lang="ko-KR" altLang="en-US" smtClean="0"/>
-              <a:t>2017-12-11</a:t>
+              <a:t>2017-12-14</a:t>
             </a:fld>
             <a:endParaRPr lang="ko-KR" altLang="en-US"/>
           </a:p>
@@ -1014,7 +1033,7 @@
           <a:p>
             <a:fld id="{6BB49669-2DAB-4529-AA9D-1455EDFA129E}" type="datetimeFigureOut">
               <a:rPr lang="ko-KR" altLang="en-US" smtClean="0"/>
-              <a:t>2017-12-11</a:t>
+              <a:t>2017-12-14</a:t>
             </a:fld>
             <a:endParaRPr lang="ko-KR" altLang="en-US"/>
           </a:p>
@@ -1246,7 +1265,7 @@
           <a:p>
             <a:fld id="{6BB49669-2DAB-4529-AA9D-1455EDFA129E}" type="datetimeFigureOut">
               <a:rPr lang="ko-KR" altLang="en-US" smtClean="0"/>
-              <a:t>2017-12-11</a:t>
+              <a:t>2017-12-14</a:t>
             </a:fld>
             <a:endParaRPr lang="ko-KR" altLang="en-US"/>
           </a:p>
@@ -1613,7 +1632,7 @@
           <a:p>
             <a:fld id="{6BB49669-2DAB-4529-AA9D-1455EDFA129E}" type="datetimeFigureOut">
               <a:rPr lang="ko-KR" altLang="en-US" smtClean="0"/>
-              <a:t>2017-12-11</a:t>
+              <a:t>2017-12-14</a:t>
             </a:fld>
             <a:endParaRPr lang="ko-KR" altLang="en-US"/>
           </a:p>
@@ -1731,7 +1750,7 @@
           <a:p>
             <a:fld id="{6BB49669-2DAB-4529-AA9D-1455EDFA129E}" type="datetimeFigureOut">
               <a:rPr lang="ko-KR" altLang="en-US" smtClean="0"/>
-              <a:t>2017-12-11</a:t>
+              <a:t>2017-12-14</a:t>
             </a:fld>
             <a:endParaRPr lang="ko-KR" altLang="en-US"/>
           </a:p>
@@ -1826,7 +1845,7 @@
           <a:p>
             <a:fld id="{6BB49669-2DAB-4529-AA9D-1455EDFA129E}" type="datetimeFigureOut">
               <a:rPr lang="ko-KR" altLang="en-US" smtClean="0"/>
-              <a:t>2017-12-11</a:t>
+              <a:t>2017-12-14</a:t>
             </a:fld>
             <a:endParaRPr lang="ko-KR" altLang="en-US"/>
           </a:p>
@@ -2103,7 +2122,7 @@
           <a:p>
             <a:fld id="{6BB49669-2DAB-4529-AA9D-1455EDFA129E}" type="datetimeFigureOut">
               <a:rPr lang="ko-KR" altLang="en-US" smtClean="0"/>
-              <a:t>2017-12-11</a:t>
+              <a:t>2017-12-14</a:t>
             </a:fld>
             <a:endParaRPr lang="ko-KR" altLang="en-US"/>
           </a:p>
@@ -2356,7 +2375,7 @@
           <a:p>
             <a:fld id="{6BB49669-2DAB-4529-AA9D-1455EDFA129E}" type="datetimeFigureOut">
               <a:rPr lang="ko-KR" altLang="en-US" smtClean="0"/>
-              <a:t>2017-12-11</a:t>
+              <a:t>2017-12-14</a:t>
             </a:fld>
             <a:endParaRPr lang="ko-KR" altLang="en-US"/>
           </a:p>
@@ -2569,7 +2588,7 @@
           <a:p>
             <a:fld id="{6BB49669-2DAB-4529-AA9D-1455EDFA129E}" type="datetimeFigureOut">
               <a:rPr lang="ko-KR" altLang="en-US" smtClean="0"/>
-              <a:t>2017-12-11</a:t>
+              <a:t>2017-12-14</a:t>
             </a:fld>
             <a:endParaRPr lang="ko-KR" altLang="en-US"/>
           </a:p>
@@ -3075,7 +3094,23 @@
           <a:bodyPr/>
           <a:lstStyle/>
           <a:p>
-            <a:endParaRPr lang="ko-KR" altLang="en-US"/>
+            <a:r>
+              <a:rPr lang="en-US" altLang="ko-KR" dirty="0" smtClean="0"/>
+              <a:t>LCA(L</a:t>
+            </a:r>
+            <a:r>
+              <a:rPr lang="en-US" altLang="ko-KR" dirty="0" smtClean="0"/>
+              <a:t>owe</a:t>
+            </a:r>
+            <a:r>
+              <a:rPr lang="en-US" altLang="ko-KR" dirty="0" smtClean="0"/>
+              <a:t>st </a:t>
+            </a:r>
+            <a:r>
+              <a:rPr lang="en-US" altLang="ko-KR" dirty="0" smtClean="0"/>
+              <a:t>Common Ancestor)</a:t>
+            </a:r>
+            <a:endParaRPr lang="ko-KR" altLang="en-US" dirty="0"/>
           </a:p>
         </p:txBody>
       </p:sp>
@@ -3094,14 +3129,92 @@
           <a:bodyPr/>
           <a:lstStyle/>
           <a:p>
-            <a:endParaRPr lang="ko-KR" altLang="en-US"/>
+            <a:pPr marL="0" indent="0">
+              <a:buNone/>
+            </a:pPr>
+            <a:endParaRPr lang="en-US" altLang="ko-KR" dirty="0" smtClean="0"/>
+          </a:p>
+          <a:p>
+            <a:pPr marL="0" indent="0">
+              <a:buNone/>
+            </a:pPr>
+            <a:r>
+              <a:rPr lang="en-US" altLang="ko-KR" dirty="0" smtClean="0"/>
+              <a:t>LCA</a:t>
+            </a:r>
+            <a:r>
+              <a:rPr lang="ko-KR" altLang="en-US" dirty="0" smtClean="0"/>
+              <a:t>를 가장 단순하고 쉽게 찾는 방법은</a:t>
+            </a:r>
+            <a:endParaRPr lang="en-US" altLang="ko-KR" dirty="0" smtClean="0"/>
+          </a:p>
+          <a:p>
+            <a:pPr marL="0" indent="0">
+              <a:buNone/>
+            </a:pPr>
+            <a:endParaRPr lang="en-US" altLang="ko-KR" dirty="0"/>
+          </a:p>
+          <a:p>
+            <a:pPr marL="0" indent="0">
+              <a:buNone/>
+            </a:pPr>
+            <a:r>
+              <a:rPr lang="ko-KR" altLang="en-US" dirty="0" smtClean="0"/>
+              <a:t>두 정점 중 깊이가 더 깊은 정점에서 계속 부모로 이동</a:t>
+            </a:r>
+            <a:r>
+              <a:rPr lang="en-US" altLang="ko-KR" dirty="0" smtClean="0"/>
+              <a:t>.</a:t>
+            </a:r>
+            <a:endParaRPr lang="en-US" altLang="ko-KR" dirty="0"/>
+          </a:p>
+          <a:p>
+            <a:pPr marL="0" indent="0">
+              <a:buNone/>
+            </a:pPr>
+            <a:r>
+              <a:rPr lang="ko-KR" altLang="en-US" dirty="0" smtClean="0"/>
+              <a:t>둘의 깊이가 같아질 때까지</a:t>
+            </a:r>
+            <a:r>
+              <a:rPr lang="en-US" altLang="ko-KR" dirty="0" smtClean="0"/>
+              <a:t>.</a:t>
+            </a:r>
+          </a:p>
+          <a:p>
+            <a:pPr marL="0" indent="0">
+              <a:buNone/>
+            </a:pPr>
+            <a:endParaRPr lang="en-US" altLang="ko-KR" dirty="0"/>
+          </a:p>
+          <a:p>
+            <a:pPr marL="0" indent="0">
+              <a:buNone/>
+            </a:pPr>
+            <a:r>
+              <a:rPr lang="ko-KR" altLang="en-US" dirty="0" smtClean="0"/>
+              <a:t>그리고 두 정점이 만날 때까지 두 정점을 동시에 부모로 이동시키면</a:t>
+            </a:r>
+            <a:r>
+              <a:rPr lang="en-US" altLang="ko-KR" dirty="0" smtClean="0"/>
+              <a:t>, </a:t>
+            </a:r>
+            <a:r>
+              <a:rPr lang="ko-KR" altLang="en-US" dirty="0" smtClean="0"/>
+              <a:t>두 정점이 만나는 지점이 </a:t>
+            </a:r>
+            <a:r>
+              <a:rPr lang="en-US" altLang="ko-KR" dirty="0" smtClean="0"/>
+              <a:t>LCA.</a:t>
+            </a:r>
+            <a:endParaRPr lang="ko-KR" altLang="en-US" dirty="0"/>
           </a:p>
         </p:txBody>
       </p:sp>
     </p:spTree>
     <p:extLst>
       <p:ext uri="{BB962C8B-B14F-4D97-AF65-F5344CB8AC3E}">
-        <p14:creationId xmlns:p14="http://schemas.microsoft.com/office/powerpoint/2010/main" val="1234844091"/>
+        <p14:creationId xmlns:p14="http://schemas.microsoft.com/office/powerpoint/2010/main" val="724317765"/>
       </p:ext>
     </p:extLst>
   </p:cSld>
@@ -3151,34 +3264,97 @@
           <a:lstStyle/>
           <a:p>
             <a:r>
+              <a:rPr lang="en-US" altLang="ko-KR" dirty="0"/>
+              <a:t>LCA(Lowest Common Ancestor)</a:t>
+            </a:r>
+            <a:endParaRPr lang="ko-KR" altLang="en-US" dirty="0"/>
+          </a:p>
+        </p:txBody>
+      </p:sp>
+      <p:sp>
+        <p:nvSpPr>
+          <p:cNvPr id="3" name="내용 개체 틀 2"/>
+          <p:cNvSpPr>
+            <a:spLocks noGrp="1"/>
+          </p:cNvSpPr>
+          <p:nvPr>
+            <p:ph idx="1"/>
+          </p:nvPr>
+        </p:nvSpPr>
+        <p:spPr/>
+        <p:txBody>
+          <a:bodyPr/>
+          <a:lstStyle/>
+          <a:p>
+            <a:pPr marL="0" indent="0">
+              <a:buNone/>
+            </a:pPr>
+            <a:endParaRPr lang="en-US" altLang="ko-KR" dirty="0" smtClean="0"/>
+          </a:p>
+          <a:p>
+            <a:pPr marL="0" indent="0">
+              <a:buNone/>
+            </a:pPr>
+            <a:r>
               <a:rPr lang="ko-KR" altLang="en-US" dirty="0" smtClean="0"/>
-              <a:t>숙제</a:t>
-            </a:r>
-            <a:endParaRPr lang="ko-KR" altLang="en-US" dirty="0"/>
-          </a:p>
-        </p:txBody>
-      </p:sp>
-      <p:sp>
-        <p:nvSpPr>
-          <p:cNvPr id="3" name="내용 개체 틀 2"/>
-          <p:cNvSpPr>
-            <a:spLocks noGrp="1"/>
-          </p:cNvSpPr>
-          <p:nvPr>
-            <p:ph idx="1"/>
-          </p:nvPr>
-        </p:nvSpPr>
-        <p:spPr/>
-        <p:txBody>
-          <a:bodyPr/>
-          <a:lstStyle/>
-          <a:p>
-            <a:r>
-              <a:rPr lang="en-US" altLang="ko-KR" dirty="0" smtClean="0">
-                <a:hlinkClick r:id="rId2"/>
-              </a:rPr>
-              <a:t>https://www.acmicpc.net/problem/1395</a:t>
-            </a:r>
+              <a:t>하지만 이 방법은 최악의 경우 </a:t>
+            </a:r>
+            <a:r>
+              <a:rPr lang="en-US" altLang="ko-KR" dirty="0" smtClean="0"/>
+              <a:t>O(N)</a:t>
+            </a:r>
+          </a:p>
+          <a:p>
+            <a:pPr marL="0" indent="0">
+              <a:buNone/>
+            </a:pPr>
+            <a:endParaRPr lang="en-US" altLang="ko-KR" dirty="0"/>
+          </a:p>
+          <a:p>
+            <a:pPr marL="0" indent="0">
+              <a:buNone/>
+            </a:pPr>
+            <a:endParaRPr lang="en-US" altLang="ko-KR" dirty="0" smtClean="0"/>
+          </a:p>
+          <a:p>
+            <a:pPr marL="0" indent="0">
+              <a:buNone/>
+            </a:pPr>
+            <a:r>
+              <a:rPr lang="ko-KR" altLang="en-US" dirty="0" smtClean="0"/>
+              <a:t>그러나 </a:t>
+            </a:r>
+            <a:r>
+              <a:rPr lang="en-US" altLang="ko-KR" dirty="0" smtClean="0"/>
+              <a:t>O(</a:t>
+            </a:r>
+            <a:r>
+              <a:rPr lang="en-US" altLang="ko-KR" dirty="0" err="1" smtClean="0"/>
+              <a:t>logN</a:t>
+            </a:r>
+            <a:r>
+              <a:rPr lang="en-US" altLang="ko-KR" dirty="0" smtClean="0"/>
+              <a:t>)</a:t>
+            </a:r>
+            <a:r>
+              <a:rPr lang="ko-KR" altLang="en-US" dirty="0" smtClean="0"/>
+              <a:t>만에 찾을 수 있는 방법이 있다</a:t>
+            </a:r>
+            <a:r>
+              <a:rPr lang="en-US" altLang="ko-KR" dirty="0" smtClean="0"/>
+              <a:t>.!</a:t>
+            </a:r>
+          </a:p>
+          <a:p>
+            <a:pPr marL="0" indent="0">
+              <a:buNone/>
+            </a:pPr>
+            <a:endParaRPr lang="en-US" altLang="ko-KR" dirty="0"/>
+          </a:p>
+          <a:p>
+            <a:pPr marL="0" indent="0">
+              <a:buNone/>
+            </a:pPr>
             <a:endParaRPr lang="ko-KR" altLang="en-US" dirty="0"/>
           </a:p>
         </p:txBody>
@@ -3186,7 +3362,1564 @@
     </p:spTree>
     <p:extLst>
       <p:ext uri="{BB962C8B-B14F-4D97-AF65-F5344CB8AC3E}">
-        <p14:creationId xmlns:p14="http://schemas.microsoft.com/office/powerpoint/2010/main" val="2095177941"/>
+        <p14:creationId xmlns:p14="http://schemas.microsoft.com/office/powerpoint/2010/main" val="59385642"/>
+      </p:ext>
+    </p:extLst>
+  </p:cSld>
+  <p:clrMapOvr>
+    <a:masterClrMapping/>
+  </p:clrMapOvr>
+  <p:timing>
+    <p:tnLst>
+      <p:par>
+        <p:cTn id="1" dur="indefinite" restart="never" nodeType="tmRoot"/>
+      </p:par>
+    </p:tnLst>
+  </p:timing>
+</p:sld>
+</file>
+
+<file path=ppt/slides/slide12.xml><?xml version="1.0" encoding="utf-8"?>
+<p:sld xmlns:a="http://schemas.openxmlformats.org/drawingml/2006/main" xmlns:r="http://schemas.openxmlformats.org/officeDocument/2006/relationships" xmlns:p="http://schemas.openxmlformats.org/presentationml/2006/main">
+  <p:cSld>
+    <p:spTree>
+      <p:nvGrpSpPr>
+        <p:cNvPr id="1" name=""/>
+        <p:cNvGrpSpPr/>
+        <p:nvPr/>
+      </p:nvGrpSpPr>
+      <p:grpSpPr>
+        <a:xfrm>
+          <a:off x="0" y="0"/>
+          <a:ext cx="0" cy="0"/>
+          <a:chOff x="0" y="0"/>
+          <a:chExt cx="0" cy="0"/>
+        </a:xfrm>
+      </p:grpSpPr>
+      <p:sp>
+        <p:nvSpPr>
+          <p:cNvPr id="2" name="제목 1"/>
+          <p:cNvSpPr>
+            <a:spLocks noGrp="1"/>
+          </p:cNvSpPr>
+          <p:nvPr>
+            <p:ph type="title"/>
+          </p:nvPr>
+        </p:nvSpPr>
+        <p:spPr/>
+        <p:txBody>
+          <a:bodyPr/>
+          <a:lstStyle/>
+          <a:p>
+            <a:r>
+              <a:rPr lang="en-US" altLang="ko-KR" dirty="0"/>
+              <a:t>LCA(Lowest Common Ancestor)</a:t>
+            </a:r>
+            <a:endParaRPr lang="ko-KR" altLang="en-US" dirty="0"/>
+          </a:p>
+        </p:txBody>
+      </p:sp>
+      <p:sp>
+        <p:nvSpPr>
+          <p:cNvPr id="3" name="내용 개체 틀 2"/>
+          <p:cNvSpPr>
+            <a:spLocks noGrp="1"/>
+          </p:cNvSpPr>
+          <p:nvPr>
+            <p:ph idx="1"/>
+          </p:nvPr>
+        </p:nvSpPr>
+        <p:spPr/>
+        <p:txBody>
+          <a:bodyPr/>
+          <a:lstStyle/>
+          <a:p>
+            <a:pPr marL="0" indent="0">
+              <a:buNone/>
+            </a:pPr>
+            <a:r>
+              <a:rPr lang="ko-KR" altLang="en-US" dirty="0" smtClean="0"/>
+              <a:t>시간적인 최적화를 하기 위해선 </a:t>
+            </a:r>
+            <a:endParaRPr lang="en-US" altLang="ko-KR" dirty="0" smtClean="0"/>
+          </a:p>
+          <a:p>
+            <a:endParaRPr lang="en-US" altLang="ko-KR" dirty="0"/>
+          </a:p>
+          <a:p>
+            <a:pPr marL="0" indent="0">
+              <a:buNone/>
+            </a:pPr>
+            <a:r>
+              <a:rPr lang="ko-KR" altLang="en-US" dirty="0" smtClean="0"/>
+              <a:t>필요한 것은 역시 무엇이다</a:t>
+            </a:r>
+            <a:r>
+              <a:rPr lang="en-US" altLang="ko-KR" dirty="0" smtClean="0"/>
+              <a:t>?????    </a:t>
+            </a:r>
+            <a:r>
+              <a:rPr lang="en-US" altLang="ko-KR" sz="3200" dirty="0" smtClean="0">
+                <a:solidFill>
+                  <a:srgbClr val="FF0000"/>
+                </a:solidFill>
+              </a:rPr>
+              <a:t>=&gt; </a:t>
+            </a:r>
+            <a:r>
+              <a:rPr lang="ko-KR" altLang="en-US" sz="3200" dirty="0" smtClean="0">
+                <a:solidFill>
+                  <a:srgbClr val="FF0000"/>
+                </a:solidFill>
+              </a:rPr>
+              <a:t>전처리</a:t>
+            </a:r>
+            <a:endParaRPr lang="en-US" altLang="ko-KR" sz="3200" dirty="0" smtClean="0">
+              <a:solidFill>
+                <a:srgbClr val="FF0000"/>
+              </a:solidFill>
+            </a:endParaRPr>
+          </a:p>
+          <a:p>
+            <a:pPr marL="0" indent="0">
+              <a:buNone/>
+            </a:pPr>
+            <a:endParaRPr lang="en-US" altLang="ko-KR" sz="3200" dirty="0">
+              <a:solidFill>
+                <a:srgbClr val="FF0000"/>
+              </a:solidFill>
+            </a:endParaRPr>
+          </a:p>
+          <a:p>
+            <a:pPr marL="0" indent="0">
+              <a:buNone/>
+            </a:pPr>
+            <a:endParaRPr lang="en-US" altLang="ko-KR" sz="3200" dirty="0" smtClean="0">
+              <a:solidFill>
+                <a:srgbClr val="FF0000"/>
+              </a:solidFill>
+            </a:endParaRPr>
+          </a:p>
+          <a:p>
+            <a:pPr marL="0" indent="0">
+              <a:buNone/>
+            </a:pPr>
+            <a:r>
+              <a:rPr lang="ko-KR" altLang="en-US" sz="3200" dirty="0" smtClean="0">
+                <a:solidFill>
+                  <a:srgbClr val="FF0000"/>
+                </a:solidFill>
+              </a:rPr>
+              <a:t>사실 저는 이거 중요하다고 봐요</a:t>
+            </a:r>
+            <a:r>
+              <a:rPr lang="en-US" altLang="ko-KR" sz="3200" dirty="0" smtClean="0">
+                <a:solidFill>
+                  <a:srgbClr val="FF0000"/>
+                </a:solidFill>
+              </a:rPr>
+              <a:t>. </a:t>
+            </a:r>
+            <a:r>
+              <a:rPr lang="ko-KR" altLang="en-US" sz="3200" dirty="0" smtClean="0">
+                <a:solidFill>
+                  <a:srgbClr val="FF0000"/>
+                </a:solidFill>
+              </a:rPr>
+              <a:t>하드웨어 최적화를 할 때에도 </a:t>
+            </a:r>
+            <a:r>
+              <a:rPr lang="ko-KR" altLang="en-US" sz="3200" dirty="0" err="1" smtClean="0">
+                <a:solidFill>
+                  <a:srgbClr val="FF0000"/>
+                </a:solidFill>
+              </a:rPr>
+              <a:t>전처리를</a:t>
+            </a:r>
+            <a:r>
+              <a:rPr lang="ko-KR" altLang="en-US" sz="3200" dirty="0" smtClean="0">
+                <a:solidFill>
+                  <a:srgbClr val="FF0000"/>
+                </a:solidFill>
+              </a:rPr>
+              <a:t> 하더라고요</a:t>
+            </a:r>
+            <a:endParaRPr lang="ko-KR" altLang="en-US" dirty="0"/>
+          </a:p>
+        </p:txBody>
+      </p:sp>
+    </p:spTree>
+    <p:extLst>
+      <p:ext uri="{BB962C8B-B14F-4D97-AF65-F5344CB8AC3E}">
+        <p14:creationId xmlns:p14="http://schemas.microsoft.com/office/powerpoint/2010/main" val="1525360285"/>
+      </p:ext>
+    </p:extLst>
+  </p:cSld>
+  <p:clrMapOvr>
+    <a:masterClrMapping/>
+  </p:clrMapOvr>
+  <p:timing>
+    <p:tnLst>
+      <p:par>
+        <p:cTn id="1" dur="indefinite" restart="never" nodeType="tmRoot">
+          <p:childTnLst>
+            <p:seq concurrent="1" nextAc="seek">
+              <p:cTn id="2" dur="indefinite" nodeType="mainSeq">
+                <p:childTnLst>
+                  <p:par>
+                    <p:cTn id="3" fill="hold">
+                      <p:stCondLst>
+                        <p:cond delay="indefinite"/>
+                      </p:stCondLst>
+                      <p:childTnLst>
+                        <p:par>
+                          <p:cTn id="4" fill="hold">
+                            <p:stCondLst>
+                              <p:cond delay="0"/>
+                            </p:stCondLst>
+                            <p:childTnLst>
+                              <p:par>
+                                <p:cTn id="5" presetID="1" presetClass="entr" presetSubtype="0" fill="hold" nodeType="clickEffect">
+                                  <p:stCondLst>
+                                    <p:cond delay="0"/>
+                                  </p:stCondLst>
+                                  <p:childTnLst>
+                                    <p:set>
+                                      <p:cBhvr>
+                                        <p:cTn id="6" dur="1" fill="hold">
+                                          <p:stCondLst>
+                                            <p:cond delay="0"/>
+                                          </p:stCondLst>
+                                        </p:cTn>
+                                        <p:tgtEl>
+                                          <p:spTgt spid="3">
+                                            <p:txEl>
+                                              <p:pRg st="2" end="2"/>
+                                            </p:txEl>
+                                          </p:spTgt>
+                                        </p:tgtEl>
+                                        <p:attrNameLst>
+                                          <p:attrName>style.visibility</p:attrName>
+                                        </p:attrNameLst>
+                                      </p:cBhvr>
+                                      <p:to>
+                                        <p:strVal val="visible"/>
+                                      </p:to>
+                                    </p:set>
+                                  </p:childTnLst>
+                                </p:cTn>
+                              </p:par>
+                            </p:childTnLst>
+                          </p:cTn>
+                        </p:par>
+                      </p:childTnLst>
+                    </p:cTn>
+                  </p:par>
+                  <p:par>
+                    <p:cTn id="7" fill="hold">
+                      <p:stCondLst>
+                        <p:cond delay="indefinite"/>
+                      </p:stCondLst>
+                      <p:childTnLst>
+                        <p:par>
+                          <p:cTn id="8" fill="hold">
+                            <p:stCondLst>
+                              <p:cond delay="0"/>
+                            </p:stCondLst>
+                            <p:childTnLst>
+                              <p:par>
+                                <p:cTn id="9" presetID="1" presetClass="entr" presetSubtype="0" fill="hold" nodeType="clickEffect">
+                                  <p:stCondLst>
+                                    <p:cond delay="0"/>
+                                  </p:stCondLst>
+                                  <p:childTnLst>
+                                    <p:set>
+                                      <p:cBhvr>
+                                        <p:cTn id="10" dur="1" fill="hold">
+                                          <p:stCondLst>
+                                            <p:cond delay="0"/>
+                                          </p:stCondLst>
+                                        </p:cTn>
+                                        <p:tgtEl>
+                                          <p:spTgt spid="3">
+                                            <p:txEl>
+                                              <p:pRg st="5" end="5"/>
+                                            </p:txEl>
+                                          </p:spTgt>
+                                        </p:tgtEl>
+                                        <p:attrNameLst>
+                                          <p:attrName>style.visibility</p:attrName>
+                                        </p:attrNameLst>
+                                      </p:cBhvr>
+                                      <p:to>
+                                        <p:strVal val="visible"/>
+                                      </p:to>
+                                    </p:set>
+                                  </p:childTnLst>
+                                </p:cTn>
+                              </p:par>
+                            </p:childTnLst>
+                          </p:cTn>
+                        </p:par>
+                      </p:childTnLst>
+                    </p:cTn>
+                  </p:par>
+                  <p:par>
+                    <p:cTn id="11" fill="hold">
+                      <p:stCondLst>
+                        <p:cond delay="indefinite"/>
+                      </p:stCondLst>
+                      <p:childTnLst>
+                        <p:par>
+                          <p:cTn id="12" fill="hold">
+                            <p:stCondLst>
+                              <p:cond delay="0"/>
+                            </p:stCondLst>
+                            <p:childTnLst>
+                              <p:par>
+                                <p:cTn id="13" presetID="10" presetClass="entr" presetSubtype="0" fill="hold" nodeType="clickEffect">
+                                  <p:stCondLst>
+                                    <p:cond delay="0"/>
+                                  </p:stCondLst>
+                                  <p:childTnLst>
+                                    <p:set>
+                                      <p:cBhvr>
+                                        <p:cTn id="14" dur="1" fill="hold">
+                                          <p:stCondLst>
+                                            <p:cond delay="0"/>
+                                          </p:stCondLst>
+                                        </p:cTn>
+                                        <p:tgtEl>
+                                          <p:spTgt spid="3">
+                                            <p:txEl>
+                                              <p:pRg st="5" end="5"/>
+                                            </p:txEl>
+                                          </p:spTgt>
+                                        </p:tgtEl>
+                                        <p:attrNameLst>
+                                          <p:attrName>style.visibility</p:attrName>
+                                        </p:attrNameLst>
+                                      </p:cBhvr>
+                                      <p:to>
+                                        <p:strVal val="visible"/>
+                                      </p:to>
+                                    </p:set>
+                                    <p:animEffect transition="in" filter="fade">
+                                      <p:cBhvr>
+                                        <p:cTn id="15" dur="500"/>
+                                        <p:tgtEl>
+                                          <p:spTgt spid="3">
+                                            <p:txEl>
+                                              <p:pRg st="5" end="5"/>
+                                            </p:txEl>
+                                          </p:spTgt>
+                                        </p:tgtEl>
+                                      </p:cBhvr>
+                                    </p:animEffect>
+                                  </p:childTnLst>
+                                </p:cTn>
+                              </p:par>
+                            </p:childTnLst>
+                          </p:cTn>
+                        </p:par>
+                      </p:childTnLst>
+                    </p:cTn>
+                  </p:par>
+                </p:childTnLst>
+              </p:cTn>
+              <p:prevCondLst>
+                <p:cond evt="onPrev" delay="0">
+                  <p:tgtEl>
+                    <p:sldTgt/>
+                  </p:tgtEl>
+                </p:cond>
+              </p:prevCondLst>
+              <p:nextCondLst>
+                <p:cond evt="onNext" delay="0">
+                  <p:tgtEl>
+                    <p:sldTgt/>
+                  </p:tgtEl>
+                </p:cond>
+              </p:nextCondLst>
+            </p:seq>
+          </p:childTnLst>
+        </p:cTn>
+      </p:par>
+    </p:tnLst>
+  </p:timing>
+</p:sld>
+</file>
+
+<file path=ppt/slides/slide13.xml><?xml version="1.0" encoding="utf-8"?>
+<p:sld xmlns:a="http://schemas.openxmlformats.org/drawingml/2006/main" xmlns:r="http://schemas.openxmlformats.org/officeDocument/2006/relationships" xmlns:p="http://schemas.openxmlformats.org/presentationml/2006/main">
+  <p:cSld>
+    <p:spTree>
+      <p:nvGrpSpPr>
+        <p:cNvPr id="1" name=""/>
+        <p:cNvGrpSpPr/>
+        <p:nvPr/>
+      </p:nvGrpSpPr>
+      <p:grpSpPr>
+        <a:xfrm>
+          <a:off x="0" y="0"/>
+          <a:ext cx="0" cy="0"/>
+          <a:chOff x="0" y="0"/>
+          <a:chExt cx="0" cy="0"/>
+        </a:xfrm>
+      </p:grpSpPr>
+      <p:sp>
+        <p:nvSpPr>
+          <p:cNvPr id="2" name="제목 1"/>
+          <p:cNvSpPr>
+            <a:spLocks noGrp="1"/>
+          </p:cNvSpPr>
+          <p:nvPr>
+            <p:ph type="title"/>
+          </p:nvPr>
+        </p:nvSpPr>
+        <p:spPr/>
+        <p:txBody>
+          <a:bodyPr/>
+          <a:lstStyle/>
+          <a:p>
+            <a:r>
+              <a:rPr lang="en-US" altLang="ko-KR" dirty="0"/>
+              <a:t>LCA(Lowest Common Ancestor)</a:t>
+            </a:r>
+            <a:endParaRPr lang="ko-KR" altLang="en-US" dirty="0"/>
+          </a:p>
+        </p:txBody>
+      </p:sp>
+      <p:sp>
+        <p:nvSpPr>
+          <p:cNvPr id="3" name="내용 개체 틀 2"/>
+          <p:cNvSpPr>
+            <a:spLocks noGrp="1"/>
+          </p:cNvSpPr>
+          <p:nvPr>
+            <p:ph idx="1"/>
+          </p:nvPr>
+        </p:nvSpPr>
+        <p:spPr/>
+        <p:txBody>
+          <a:bodyPr/>
+          <a:lstStyle/>
+          <a:p>
+            <a:pPr marL="0" indent="0">
+              <a:buNone/>
+            </a:pPr>
+            <a:r>
+              <a:rPr lang="ko-KR" altLang="en-US" dirty="0" smtClean="0"/>
+              <a:t>그럼 어떻게 최적화를 하느냐</a:t>
+            </a:r>
+            <a:r>
+              <a:rPr lang="en-US" altLang="ko-KR" dirty="0" smtClean="0"/>
+              <a:t>?</a:t>
+            </a:r>
+          </a:p>
+          <a:p>
+            <a:pPr marL="0" indent="0">
+              <a:buNone/>
+            </a:pPr>
+            <a:endParaRPr lang="en-US" altLang="ko-KR" dirty="0"/>
+          </a:p>
+          <a:p>
+            <a:pPr marL="0" indent="0">
+              <a:buNone/>
+            </a:pPr>
+            <a:endParaRPr lang="en-US" altLang="ko-KR" dirty="0" smtClean="0"/>
+          </a:p>
+          <a:p>
+            <a:pPr marL="0" indent="0">
+              <a:buNone/>
+            </a:pPr>
+            <a:r>
+              <a:rPr lang="en-US" altLang="ko-KR" sz="4400" dirty="0" smtClean="0"/>
+              <a:t>parent[u][k] = </a:t>
+            </a:r>
+            <a:r>
+              <a:rPr lang="ko-KR" altLang="en-US" sz="4400" dirty="0" smtClean="0"/>
+              <a:t>정점 </a:t>
+            </a:r>
+            <a:r>
+              <a:rPr lang="en-US" altLang="ko-KR" sz="4400" dirty="0" smtClean="0"/>
+              <a:t>u</a:t>
+            </a:r>
+            <a:r>
+              <a:rPr lang="ko-KR" altLang="en-US" sz="4400" dirty="0" smtClean="0"/>
+              <a:t>의 </a:t>
+            </a:r>
+            <a:r>
+              <a:rPr lang="en-US" altLang="ko-KR" sz="4400" dirty="0" smtClean="0"/>
+              <a:t>2^k </a:t>
+            </a:r>
+            <a:r>
+              <a:rPr lang="ko-KR" altLang="en-US" sz="4400" dirty="0" smtClean="0"/>
+              <a:t>번째 부모</a:t>
+            </a:r>
+            <a:r>
+              <a:rPr lang="en-US" altLang="ko-KR" sz="4400" dirty="0" smtClean="0"/>
+              <a:t>.</a:t>
+            </a:r>
+            <a:endParaRPr lang="ko-KR" altLang="en-US" sz="4400" dirty="0"/>
+          </a:p>
+        </p:txBody>
+      </p:sp>
+    </p:spTree>
+    <p:extLst>
+      <p:ext uri="{BB962C8B-B14F-4D97-AF65-F5344CB8AC3E}">
+        <p14:creationId xmlns:p14="http://schemas.microsoft.com/office/powerpoint/2010/main" val="1092450688"/>
+      </p:ext>
+    </p:extLst>
+  </p:cSld>
+  <p:clrMapOvr>
+    <a:masterClrMapping/>
+  </p:clrMapOvr>
+  <p:timing>
+    <p:tnLst>
+      <p:par>
+        <p:cTn id="1" dur="indefinite" restart="never" nodeType="tmRoot"/>
+      </p:par>
+    </p:tnLst>
+  </p:timing>
+</p:sld>
+</file>
+
+<file path=ppt/slides/slide14.xml><?xml version="1.0" encoding="utf-8"?>
+<p:sld xmlns:a="http://schemas.openxmlformats.org/drawingml/2006/main" xmlns:r="http://schemas.openxmlformats.org/officeDocument/2006/relationships" xmlns:p="http://schemas.openxmlformats.org/presentationml/2006/main">
+  <p:cSld>
+    <p:spTree>
+      <p:nvGrpSpPr>
+        <p:cNvPr id="1" name=""/>
+        <p:cNvGrpSpPr/>
+        <p:nvPr/>
+      </p:nvGrpSpPr>
+      <p:grpSpPr>
+        <a:xfrm>
+          <a:off x="0" y="0"/>
+          <a:ext cx="0" cy="0"/>
+          <a:chOff x="0" y="0"/>
+          <a:chExt cx="0" cy="0"/>
+        </a:xfrm>
+      </p:grpSpPr>
+      <p:sp>
+        <p:nvSpPr>
+          <p:cNvPr id="2" name="제목 1"/>
+          <p:cNvSpPr>
+            <a:spLocks noGrp="1"/>
+          </p:cNvSpPr>
+          <p:nvPr>
+            <p:ph type="title"/>
+          </p:nvPr>
+        </p:nvSpPr>
+        <p:spPr/>
+        <p:txBody>
+          <a:bodyPr/>
+          <a:lstStyle/>
+          <a:p>
+            <a:r>
+              <a:rPr lang="en-US" altLang="ko-KR" dirty="0"/>
+              <a:t>LCA(Lowest Common Ancestor)</a:t>
+            </a:r>
+            <a:endParaRPr lang="ko-KR" altLang="en-US" dirty="0"/>
+          </a:p>
+        </p:txBody>
+      </p:sp>
+      <p:pic>
+        <p:nvPicPr>
+          <p:cNvPr id="4" name="내용 개체 틀 3" descr="Ries 마법의 슈퍼마리오 : 네이버 블로그 - Chrome"/>
+          <p:cNvPicPr>
+            <a:picLocks noGrp="1" noChangeAspect="1"/>
+          </p:cNvPicPr>
+          <p:nvPr>
+            <p:ph idx="1"/>
+          </p:nvPr>
+        </p:nvPicPr>
+        <p:blipFill rotWithShape="1">
+          <a:blip r:embed="rId2">
+            <a:extLst>
+              <a:ext uri="{28A0092B-C50C-407E-A947-70E740481C1C}">
+                <a14:useLocalDpi xmlns:a14="http://schemas.microsoft.com/office/drawing/2010/main" val="0"/>
+              </a:ext>
+            </a:extLst>
+          </a:blip>
+          <a:srcRect l="3443" t="15619" r="8298" b="13620"/>
+          <a:stretch/>
+        </p:blipFill>
+        <p:spPr>
+          <a:xfrm>
+            <a:off x="427099" y="1502228"/>
+            <a:ext cx="6287210" cy="5355772"/>
+          </a:xfrm>
+        </p:spPr>
+      </p:pic>
+      <p:sp>
+        <p:nvSpPr>
+          <p:cNvPr id="5" name="TextBox 4"/>
+          <p:cNvSpPr txBox="1"/>
+          <p:nvPr/>
+        </p:nvSpPr>
+        <p:spPr>
+          <a:xfrm>
+            <a:off x="7315200" y="1916566"/>
+            <a:ext cx="4038600" cy="4154984"/>
+          </a:xfrm>
+          <a:prstGeom prst="rect">
+            <a:avLst/>
+          </a:prstGeom>
+          <a:noFill/>
+        </p:spPr>
+        <p:txBody>
+          <a:bodyPr wrap="square" rtlCol="0">
+            <a:spAutoFit/>
+          </a:bodyPr>
+          <a:lstStyle/>
+          <a:p>
+            <a:r>
+              <a:rPr lang="ko-KR" altLang="en-US" sz="2400" b="1" dirty="0" smtClean="0"/>
+              <a:t>자</a:t>
+            </a:r>
+            <a:r>
+              <a:rPr lang="en-US" altLang="ko-KR" sz="2400" b="1" dirty="0" smtClean="0"/>
+              <a:t>, </a:t>
+            </a:r>
+          </a:p>
+          <a:p>
+            <a:endParaRPr lang="en-US" altLang="ko-KR" sz="2400" b="1" dirty="0"/>
+          </a:p>
+          <a:p>
+            <a:r>
+              <a:rPr lang="ko-KR" altLang="en-US" sz="2400" b="1" dirty="0" smtClean="0"/>
+              <a:t>여기서 알아야 할 것은</a:t>
+            </a:r>
+            <a:endParaRPr lang="en-US" altLang="ko-KR" sz="2400" b="1" dirty="0" smtClean="0"/>
+          </a:p>
+          <a:p>
+            <a:endParaRPr lang="en-US" altLang="ko-KR" sz="2400" b="1" dirty="0"/>
+          </a:p>
+          <a:p>
+            <a:endParaRPr lang="en-US" altLang="ko-KR" sz="2400" b="1" dirty="0" smtClean="0"/>
+          </a:p>
+          <a:p>
+            <a:endParaRPr lang="en-US" altLang="ko-KR" sz="2400" b="1" dirty="0"/>
+          </a:p>
+          <a:p>
+            <a:endParaRPr lang="en-US" altLang="ko-KR" sz="2400" b="1" dirty="0"/>
+          </a:p>
+          <a:p>
+            <a:r>
+              <a:rPr lang="en-US" altLang="ko-KR" sz="2400" b="1" dirty="0" smtClean="0"/>
+              <a:t>parent[u][k + 1]</a:t>
+            </a:r>
+          </a:p>
+          <a:p>
+            <a:r>
+              <a:rPr lang="en-US" altLang="ko-KR" sz="2400" b="1" dirty="0" smtClean="0"/>
+              <a:t> = parent[ parent[u][k] ][k]</a:t>
+            </a:r>
+          </a:p>
+          <a:p>
+            <a:endParaRPr lang="en-US" altLang="ko-KR" sz="2400" b="1" dirty="0"/>
+          </a:p>
+          <a:p>
+            <a:endParaRPr lang="ko-KR" altLang="en-US" sz="2400" b="1" dirty="0"/>
+          </a:p>
+        </p:txBody>
+      </p:sp>
+    </p:spTree>
+    <p:extLst>
+      <p:ext uri="{BB962C8B-B14F-4D97-AF65-F5344CB8AC3E}">
+        <p14:creationId xmlns:p14="http://schemas.microsoft.com/office/powerpoint/2010/main" val="2697635096"/>
+      </p:ext>
+    </p:extLst>
+  </p:cSld>
+  <p:clrMapOvr>
+    <a:masterClrMapping/>
+  </p:clrMapOvr>
+  <p:timing>
+    <p:tnLst>
+      <p:par>
+        <p:cTn id="1" dur="indefinite" restart="never" nodeType="tmRoot">
+          <p:childTnLst>
+            <p:seq concurrent="1" nextAc="seek">
+              <p:cTn id="2" dur="indefinite" nodeType="mainSeq">
+                <p:childTnLst>
+                  <p:par>
+                    <p:cTn id="3" fill="hold">
+                      <p:stCondLst>
+                        <p:cond delay="indefinite"/>
+                      </p:stCondLst>
+                      <p:childTnLst>
+                        <p:par>
+                          <p:cTn id="4" fill="hold">
+                            <p:stCondLst>
+                              <p:cond delay="0"/>
+                            </p:stCondLst>
+                            <p:childTnLst>
+                              <p:par>
+                                <p:cTn id="5" presetID="2" presetClass="entr" presetSubtype="4" fill="hold" grpId="0" nodeType="clickEffect">
+                                  <p:stCondLst>
+                                    <p:cond delay="0"/>
+                                  </p:stCondLst>
+                                  <p:childTnLst>
+                                    <p:set>
+                                      <p:cBhvr>
+                                        <p:cTn id="6" dur="1" fill="hold">
+                                          <p:stCondLst>
+                                            <p:cond delay="0"/>
+                                          </p:stCondLst>
+                                        </p:cTn>
+                                        <p:tgtEl>
+                                          <p:spTgt spid="5"/>
+                                        </p:tgtEl>
+                                        <p:attrNameLst>
+                                          <p:attrName>style.visibility</p:attrName>
+                                        </p:attrNameLst>
+                                      </p:cBhvr>
+                                      <p:to>
+                                        <p:strVal val="visible"/>
+                                      </p:to>
+                                    </p:set>
+                                    <p:anim calcmode="lin" valueType="num">
+                                      <p:cBhvr additive="base">
+                                        <p:cTn id="7" dur="500" fill="hold"/>
+                                        <p:tgtEl>
+                                          <p:spTgt spid="5"/>
+                                        </p:tgtEl>
+                                        <p:attrNameLst>
+                                          <p:attrName>ppt_x</p:attrName>
+                                        </p:attrNameLst>
+                                      </p:cBhvr>
+                                      <p:tavLst>
+                                        <p:tav tm="0">
+                                          <p:val>
+                                            <p:strVal val="#ppt_x"/>
+                                          </p:val>
+                                        </p:tav>
+                                        <p:tav tm="100000">
+                                          <p:val>
+                                            <p:strVal val="#ppt_x"/>
+                                          </p:val>
+                                        </p:tav>
+                                      </p:tavLst>
+                                    </p:anim>
+                                    <p:anim calcmode="lin" valueType="num">
+                                      <p:cBhvr additive="base">
+                                        <p:cTn id="8" dur="500" fill="hold"/>
+                                        <p:tgtEl>
+                                          <p:spTgt spid="5"/>
+                                        </p:tgtEl>
+                                        <p:attrNameLst>
+                                          <p:attrName>ppt_y</p:attrName>
+                                        </p:attrNameLst>
+                                      </p:cBhvr>
+                                      <p:tavLst>
+                                        <p:tav tm="0">
+                                          <p:val>
+                                            <p:strVal val="1+#ppt_h/2"/>
+                                          </p:val>
+                                        </p:tav>
+                                        <p:tav tm="100000">
+                                          <p:val>
+                                            <p:strVal val="#ppt_y"/>
+                                          </p:val>
+                                        </p:tav>
+                                      </p:tavLst>
+                                    </p:anim>
+                                  </p:childTnLst>
+                                </p:cTn>
+                              </p:par>
+                            </p:childTnLst>
+                          </p:cTn>
+                        </p:par>
+                      </p:childTnLst>
+                    </p:cTn>
+                  </p:par>
+                </p:childTnLst>
+              </p:cTn>
+              <p:prevCondLst>
+                <p:cond evt="onPrev" delay="0">
+                  <p:tgtEl>
+                    <p:sldTgt/>
+                  </p:tgtEl>
+                </p:cond>
+              </p:prevCondLst>
+              <p:nextCondLst>
+                <p:cond evt="onNext" delay="0">
+                  <p:tgtEl>
+                    <p:sldTgt/>
+                  </p:tgtEl>
+                </p:cond>
+              </p:nextCondLst>
+            </p:seq>
+          </p:childTnLst>
+        </p:cTn>
+      </p:par>
+    </p:tnLst>
+    <p:bldLst>
+      <p:bldP spid="5" grpId="0"/>
+    </p:bldLst>
+  </p:timing>
+</p:sld>
+</file>
+
+<file path=ppt/slides/slide15.xml><?xml version="1.0" encoding="utf-8"?>
+<p:sld xmlns:a="http://schemas.openxmlformats.org/drawingml/2006/main" xmlns:r="http://schemas.openxmlformats.org/officeDocument/2006/relationships" xmlns:p="http://schemas.openxmlformats.org/presentationml/2006/main">
+  <p:cSld>
+    <p:spTree>
+      <p:nvGrpSpPr>
+        <p:cNvPr id="1" name=""/>
+        <p:cNvGrpSpPr/>
+        <p:nvPr/>
+      </p:nvGrpSpPr>
+      <p:grpSpPr>
+        <a:xfrm>
+          <a:off x="0" y="0"/>
+          <a:ext cx="0" cy="0"/>
+          <a:chOff x="0" y="0"/>
+          <a:chExt cx="0" cy="0"/>
+        </a:xfrm>
+      </p:grpSpPr>
+      <p:sp>
+        <p:nvSpPr>
+          <p:cNvPr id="2" name="제목 1"/>
+          <p:cNvSpPr>
+            <a:spLocks noGrp="1"/>
+          </p:cNvSpPr>
+          <p:nvPr>
+            <p:ph type="title"/>
+          </p:nvPr>
+        </p:nvSpPr>
+        <p:spPr/>
+        <p:txBody>
+          <a:bodyPr/>
+          <a:lstStyle/>
+          <a:p>
+            <a:r>
+              <a:rPr lang="en-US" altLang="ko-KR" dirty="0"/>
+              <a:t>LCA(Lowest Common Ancestor)</a:t>
+            </a:r>
+            <a:endParaRPr lang="ko-KR" altLang="en-US" dirty="0"/>
+          </a:p>
+        </p:txBody>
+      </p:sp>
+      <p:sp>
+        <p:nvSpPr>
+          <p:cNvPr id="3" name="내용 개체 틀 2"/>
+          <p:cNvSpPr>
+            <a:spLocks noGrp="1"/>
+          </p:cNvSpPr>
+          <p:nvPr>
+            <p:ph idx="1"/>
+          </p:nvPr>
+        </p:nvSpPr>
+        <p:spPr/>
+        <p:txBody>
+          <a:bodyPr>
+            <a:normAutofit/>
+          </a:bodyPr>
+          <a:lstStyle/>
+          <a:p>
+            <a:pPr marL="742950" indent="-742950">
+              <a:buAutoNum type="arabicPeriod"/>
+            </a:pPr>
+            <a:r>
+              <a:rPr lang="en-US" altLang="ko-KR" sz="3600" b="1" dirty="0" smtClean="0"/>
+              <a:t>depth[u] &gt; depth[v]</a:t>
+            </a:r>
+            <a:r>
+              <a:rPr lang="ko-KR" altLang="en-US" sz="3600" b="1" dirty="0" smtClean="0"/>
+              <a:t>일 때</a:t>
+            </a:r>
+            <a:r>
+              <a:rPr lang="en-US" altLang="ko-KR" sz="3600" b="1" dirty="0" smtClean="0"/>
+              <a:t>, u</a:t>
+            </a:r>
+            <a:r>
+              <a:rPr lang="ko-KR" altLang="en-US" sz="3600" b="1" dirty="0" smtClean="0"/>
+              <a:t>를 </a:t>
+            </a:r>
+            <a:r>
+              <a:rPr lang="en-US" altLang="ko-KR" sz="3600" b="1" dirty="0" smtClean="0"/>
+              <a:t>parent[u]</a:t>
+            </a:r>
+            <a:r>
+              <a:rPr lang="ko-KR" altLang="en-US" sz="3600" b="1" dirty="0" smtClean="0"/>
+              <a:t>로 대체하는 것을 반복한다</a:t>
+            </a:r>
+            <a:r>
+              <a:rPr lang="en-US" altLang="ko-KR" sz="3600" b="1" dirty="0" smtClean="0"/>
+              <a:t>.</a:t>
+            </a:r>
+          </a:p>
+          <a:p>
+            <a:pPr marL="457200" indent="-457200">
+              <a:buAutoNum type="arabicPeriod"/>
+            </a:pPr>
+            <a:endParaRPr lang="en-US" altLang="ko-KR" sz="3600" b="1" dirty="0"/>
+          </a:p>
+          <a:p>
+            <a:pPr marL="0" indent="0">
+              <a:buNone/>
+            </a:pPr>
+            <a:r>
+              <a:rPr lang="en-US" altLang="ko-KR" sz="2400" b="1" dirty="0" smtClean="0"/>
+              <a:t>u</a:t>
+            </a:r>
+            <a:r>
+              <a:rPr lang="ko-KR" altLang="en-US" sz="2400" b="1" dirty="0" smtClean="0"/>
+              <a:t>와 </a:t>
+            </a:r>
+            <a:r>
+              <a:rPr lang="en-US" altLang="ko-KR" sz="2400" b="1" dirty="0" smtClean="0"/>
+              <a:t>v</a:t>
+            </a:r>
+            <a:r>
+              <a:rPr lang="ko-KR" altLang="en-US" sz="2400" b="1" dirty="0" smtClean="0"/>
+              <a:t>의 </a:t>
+            </a:r>
+            <a:r>
+              <a:rPr lang="en-US" altLang="ko-KR" sz="2400" b="1" dirty="0" smtClean="0"/>
+              <a:t>depth </a:t>
+            </a:r>
+            <a:r>
+              <a:rPr lang="ko-KR" altLang="en-US" sz="2400" b="1" dirty="0" smtClean="0"/>
+              <a:t>차이가 </a:t>
+            </a:r>
+            <a:r>
+              <a:rPr lang="en-US" altLang="ko-KR" sz="2400" b="1" dirty="0" smtClean="0"/>
+              <a:t>20</a:t>
+            </a:r>
+            <a:r>
+              <a:rPr lang="ko-KR" altLang="en-US" sz="2400" b="1" dirty="0" smtClean="0"/>
+              <a:t>이라면</a:t>
+            </a:r>
+            <a:r>
+              <a:rPr lang="en-US" altLang="ko-KR" sz="2400" b="1" dirty="0" smtClean="0"/>
+              <a:t>, binary</a:t>
+            </a:r>
+            <a:r>
+              <a:rPr lang="ko-KR" altLang="en-US" sz="2400" b="1" dirty="0" smtClean="0"/>
+              <a:t>로는 </a:t>
+            </a:r>
+            <a:r>
+              <a:rPr lang="en-US" altLang="ko-KR" sz="2400" b="1" dirty="0" smtClean="0"/>
+              <a:t>10100(2)</a:t>
+            </a:r>
+            <a:r>
+              <a:rPr lang="ko-KR" altLang="en-US" sz="2400" b="1" dirty="0" smtClean="0"/>
+              <a:t>이므로 </a:t>
+            </a:r>
+            <a:r>
+              <a:rPr lang="en-US" altLang="ko-KR" sz="2400" b="1" dirty="0" smtClean="0"/>
+              <a:t>u</a:t>
+            </a:r>
+            <a:r>
+              <a:rPr lang="ko-KR" altLang="en-US" sz="2400" b="1" dirty="0" smtClean="0"/>
+              <a:t>를 </a:t>
+            </a:r>
+            <a:r>
+              <a:rPr lang="en-US" altLang="ko-KR" sz="2400" b="1" dirty="0" smtClean="0"/>
+              <a:t>2^2</a:t>
+            </a:r>
+            <a:r>
+              <a:rPr lang="ko-KR" altLang="en-US" sz="2400" b="1" dirty="0" smtClean="0"/>
+              <a:t>번째 부모로 올리고 </a:t>
+            </a:r>
+            <a:r>
+              <a:rPr lang="en-US" altLang="ko-KR" sz="2400" b="1" dirty="0" smtClean="0"/>
+              <a:t>2^16</a:t>
+            </a:r>
+            <a:r>
+              <a:rPr lang="ko-KR" altLang="en-US" sz="2400" b="1" dirty="0" smtClean="0"/>
+              <a:t>번째 부모로 올리면 된다</a:t>
+            </a:r>
+            <a:r>
+              <a:rPr lang="en-US" altLang="ko-KR" sz="2400" b="1" dirty="0" smtClean="0"/>
+              <a:t>!</a:t>
+            </a:r>
+          </a:p>
+          <a:p>
+            <a:pPr marL="0" indent="0">
+              <a:buNone/>
+            </a:pPr>
+            <a:endParaRPr lang="en-US" altLang="ko-KR" sz="2400" b="1" dirty="0"/>
+          </a:p>
+          <a:p>
+            <a:pPr marL="0" indent="0">
+              <a:buNone/>
+            </a:pPr>
+            <a:r>
+              <a:rPr lang="ko-KR" altLang="en-US" sz="2400" b="1" dirty="0" smtClean="0"/>
+              <a:t>예를 들어보자</a:t>
+            </a:r>
+            <a:r>
+              <a:rPr lang="en-US" altLang="ko-KR" sz="2400" b="1" dirty="0" smtClean="0"/>
+              <a:t>!!</a:t>
+            </a:r>
+            <a:endParaRPr lang="ko-KR" altLang="en-US" sz="2400" b="1" dirty="0"/>
+          </a:p>
+        </p:txBody>
+      </p:sp>
+    </p:spTree>
+    <p:extLst>
+      <p:ext uri="{BB962C8B-B14F-4D97-AF65-F5344CB8AC3E}">
+        <p14:creationId xmlns:p14="http://schemas.microsoft.com/office/powerpoint/2010/main" val="2133283537"/>
+      </p:ext>
+    </p:extLst>
+  </p:cSld>
+  <p:clrMapOvr>
+    <a:masterClrMapping/>
+  </p:clrMapOvr>
+  <p:timing>
+    <p:tnLst>
+      <p:par>
+        <p:cTn id="1" dur="indefinite" restart="never" nodeType="tmRoot"/>
+      </p:par>
+    </p:tnLst>
+  </p:timing>
+</p:sld>
+</file>
+
+<file path=ppt/slides/slide16.xml><?xml version="1.0" encoding="utf-8"?>
+<p:sld xmlns:a="http://schemas.openxmlformats.org/drawingml/2006/main" xmlns:r="http://schemas.openxmlformats.org/officeDocument/2006/relationships" xmlns:p="http://schemas.openxmlformats.org/presentationml/2006/main">
+  <p:cSld>
+    <p:spTree>
+      <p:nvGrpSpPr>
+        <p:cNvPr id="1" name=""/>
+        <p:cNvGrpSpPr/>
+        <p:nvPr/>
+      </p:nvGrpSpPr>
+      <p:grpSpPr>
+        <a:xfrm>
+          <a:off x="0" y="0"/>
+          <a:ext cx="0" cy="0"/>
+          <a:chOff x="0" y="0"/>
+          <a:chExt cx="0" cy="0"/>
+        </a:xfrm>
+      </p:grpSpPr>
+      <p:sp>
+        <p:nvSpPr>
+          <p:cNvPr id="2" name="제목 1"/>
+          <p:cNvSpPr>
+            <a:spLocks noGrp="1"/>
+          </p:cNvSpPr>
+          <p:nvPr>
+            <p:ph type="title"/>
+          </p:nvPr>
+        </p:nvSpPr>
+        <p:spPr/>
+        <p:txBody>
+          <a:bodyPr/>
+          <a:lstStyle/>
+          <a:p>
+            <a:r>
+              <a:rPr lang="en-US" altLang="ko-KR" dirty="0"/>
+              <a:t>LCA(Lowest Common Ancestor)</a:t>
+            </a:r>
+            <a:endParaRPr lang="ko-KR" altLang="en-US" dirty="0"/>
+          </a:p>
+        </p:txBody>
+      </p:sp>
+      <p:sp>
+        <p:nvSpPr>
+          <p:cNvPr id="3" name="내용 개체 틀 2"/>
+          <p:cNvSpPr>
+            <a:spLocks noGrp="1"/>
+          </p:cNvSpPr>
+          <p:nvPr>
+            <p:ph idx="1"/>
+          </p:nvPr>
+        </p:nvSpPr>
+        <p:spPr>
+          <a:xfrm>
+            <a:off x="838200" y="1825624"/>
+            <a:ext cx="10515600" cy="5332821"/>
+          </a:xfrm>
+        </p:spPr>
+        <p:txBody>
+          <a:bodyPr>
+            <a:normAutofit/>
+          </a:bodyPr>
+          <a:lstStyle/>
+          <a:p>
+            <a:pPr marL="0" indent="0">
+              <a:buNone/>
+            </a:pPr>
+            <a:r>
+              <a:rPr lang="en-US" altLang="ko-KR" sz="3600" b="1" dirty="0" smtClean="0"/>
+              <a:t>2. </a:t>
+            </a:r>
+            <a:r>
+              <a:rPr lang="ko-KR" altLang="en-US" sz="3600" b="1" dirty="0" smtClean="0"/>
+              <a:t>깊이가 같다</a:t>
+            </a:r>
+            <a:r>
+              <a:rPr lang="en-US" altLang="ko-KR" sz="3600" b="1" dirty="0" smtClean="0"/>
+              <a:t>. u != v</a:t>
+            </a:r>
+            <a:r>
+              <a:rPr lang="ko-KR" altLang="en-US" sz="3600" b="1" dirty="0" smtClean="0"/>
+              <a:t>라면 </a:t>
+            </a:r>
+            <a:r>
+              <a:rPr lang="ko-KR" altLang="en-US" sz="3600" b="1" dirty="0" smtClean="0"/>
+              <a:t>둘 다 부모로 계속 올려 본다</a:t>
+            </a:r>
+            <a:endParaRPr lang="en-US" altLang="ko-KR" sz="3600" b="1" dirty="0" smtClean="0"/>
+          </a:p>
+          <a:p>
+            <a:pPr marL="0" indent="0">
+              <a:buNone/>
+            </a:pPr>
+            <a:endParaRPr lang="en-US" altLang="ko-KR" sz="3600" b="1" dirty="0"/>
+          </a:p>
+          <a:p>
+            <a:pPr marL="0" indent="0">
+              <a:buNone/>
+            </a:pPr>
+            <a:r>
+              <a:rPr lang="ko-KR" altLang="en-US" sz="2400" b="1" dirty="0" smtClean="0"/>
+              <a:t>만약 </a:t>
+            </a:r>
+            <a:r>
+              <a:rPr lang="en-US" altLang="ko-KR" sz="2400" b="1" dirty="0" smtClean="0"/>
+              <a:t>parent[u][k] != parent[v][k] </a:t>
+            </a:r>
+            <a:r>
+              <a:rPr lang="ko-KR" altLang="en-US" sz="2400" b="1" dirty="0" smtClean="0"/>
+              <a:t>이고</a:t>
+            </a:r>
+            <a:r>
+              <a:rPr lang="en-US" altLang="ko-KR" sz="2400" b="1" dirty="0" smtClean="0"/>
+              <a:t>,</a:t>
+            </a:r>
+          </a:p>
+          <a:p>
+            <a:pPr marL="0" indent="0">
+              <a:buNone/>
+            </a:pPr>
+            <a:endParaRPr lang="en-US" altLang="ko-KR" sz="2400" b="1" dirty="0"/>
+          </a:p>
+          <a:p>
+            <a:pPr marL="0" indent="0">
+              <a:buNone/>
+            </a:pPr>
+            <a:r>
+              <a:rPr lang="en-US" altLang="ko-KR" sz="2400" b="1" dirty="0" smtClean="0"/>
+              <a:t>parent[u][k + 1] == parent[v][k + 1] </a:t>
+            </a:r>
+            <a:r>
+              <a:rPr lang="ko-KR" altLang="en-US" sz="2400" b="1" dirty="0" smtClean="0"/>
+              <a:t>이라면</a:t>
+            </a:r>
+            <a:r>
+              <a:rPr lang="en-US" altLang="ko-KR" sz="2400" b="1" dirty="0" smtClean="0"/>
+              <a:t>, </a:t>
+            </a:r>
+          </a:p>
+          <a:p>
+            <a:pPr marL="0" indent="0">
+              <a:buNone/>
+            </a:pPr>
+            <a:endParaRPr lang="en-US" altLang="ko-KR" sz="2400" b="1" dirty="0"/>
+          </a:p>
+          <a:p>
+            <a:pPr marL="0" indent="0">
+              <a:buNone/>
+            </a:pPr>
+            <a:r>
+              <a:rPr lang="ko-KR" altLang="en-US" sz="2400" b="1" dirty="0" smtClean="0"/>
+              <a:t>둘의 </a:t>
+            </a:r>
+            <a:r>
+              <a:rPr lang="en-US" altLang="ko-KR" sz="2400" b="1" dirty="0" smtClean="0"/>
+              <a:t>LCA</a:t>
+            </a:r>
+            <a:r>
+              <a:rPr lang="ko-KR" altLang="en-US" sz="2400" b="1" dirty="0" smtClean="0"/>
+              <a:t>는 </a:t>
+            </a:r>
+            <a:r>
+              <a:rPr lang="en-US" altLang="ko-KR" sz="2400" b="1" dirty="0" smtClean="0"/>
+              <a:t>k</a:t>
+            </a:r>
+            <a:r>
+              <a:rPr lang="ko-KR" altLang="en-US" sz="2400" b="1" dirty="0" smtClean="0"/>
+              <a:t>와 </a:t>
+            </a:r>
+            <a:r>
+              <a:rPr lang="en-US" altLang="ko-KR" sz="2400" b="1" dirty="0" smtClean="0"/>
+              <a:t>k + 1</a:t>
+            </a:r>
+            <a:r>
+              <a:rPr lang="ko-KR" altLang="en-US" sz="2400" b="1" dirty="0" smtClean="0"/>
+              <a:t>번째 사이에 반드시 존재한다</a:t>
+            </a:r>
+            <a:r>
+              <a:rPr lang="en-US" altLang="ko-KR" sz="2400" b="1" dirty="0" smtClean="0"/>
+              <a:t>. </a:t>
+            </a:r>
+          </a:p>
+          <a:p>
+            <a:pPr marL="0" indent="0">
+              <a:buNone/>
+            </a:pPr>
+            <a:endParaRPr lang="en-US" altLang="ko-KR" sz="2400" b="1" dirty="0"/>
+          </a:p>
+          <a:p>
+            <a:pPr marL="0" indent="0">
+              <a:buNone/>
+            </a:pPr>
+            <a:r>
+              <a:rPr lang="ko-KR" altLang="en-US" sz="2400" b="1" dirty="0" smtClean="0"/>
+              <a:t>코드 구경</a:t>
+            </a:r>
+            <a:endParaRPr lang="en-US" altLang="ko-KR" sz="2400" b="1" dirty="0" smtClean="0"/>
+          </a:p>
+        </p:txBody>
+      </p:sp>
+    </p:spTree>
+    <p:extLst>
+      <p:ext uri="{BB962C8B-B14F-4D97-AF65-F5344CB8AC3E}">
+        <p14:creationId xmlns:p14="http://schemas.microsoft.com/office/powerpoint/2010/main" val="1751326265"/>
+      </p:ext>
+    </p:extLst>
+  </p:cSld>
+  <p:clrMapOvr>
+    <a:masterClrMapping/>
+  </p:clrMapOvr>
+  <p:timing>
+    <p:tnLst>
+      <p:par>
+        <p:cTn id="1" dur="indefinite" restart="never" nodeType="tmRoot"/>
+      </p:par>
+    </p:tnLst>
+  </p:timing>
+</p:sld>
+</file>
+
+<file path=ppt/slides/slide17.xml><?xml version="1.0" encoding="utf-8"?>
+<p:sld xmlns:a="http://schemas.openxmlformats.org/drawingml/2006/main" xmlns:r="http://schemas.openxmlformats.org/officeDocument/2006/relationships" xmlns:p="http://schemas.openxmlformats.org/presentationml/2006/main">
+  <p:cSld>
+    <p:spTree>
+      <p:nvGrpSpPr>
+        <p:cNvPr id="1" name=""/>
+        <p:cNvGrpSpPr/>
+        <p:nvPr/>
+      </p:nvGrpSpPr>
+      <p:grpSpPr>
+        <a:xfrm>
+          <a:off x="0" y="0"/>
+          <a:ext cx="0" cy="0"/>
+          <a:chOff x="0" y="0"/>
+          <a:chExt cx="0" cy="0"/>
+        </a:xfrm>
+      </p:grpSpPr>
+      <p:sp>
+        <p:nvSpPr>
+          <p:cNvPr id="2" name="제목 1"/>
+          <p:cNvSpPr>
+            <a:spLocks noGrp="1"/>
+          </p:cNvSpPr>
+          <p:nvPr>
+            <p:ph type="title"/>
+          </p:nvPr>
+        </p:nvSpPr>
+        <p:spPr/>
+        <p:txBody>
+          <a:bodyPr/>
+          <a:lstStyle/>
+          <a:p>
+            <a:r>
+              <a:rPr lang="en-US" altLang="ko-KR" dirty="0"/>
+              <a:t>LCA(Lowest Common Ancestor)</a:t>
+            </a:r>
+            <a:endParaRPr lang="ko-KR" altLang="en-US" dirty="0"/>
+          </a:p>
+        </p:txBody>
+      </p:sp>
+      <p:sp>
+        <p:nvSpPr>
+          <p:cNvPr id="3" name="내용 개체 틀 2"/>
+          <p:cNvSpPr>
+            <a:spLocks noGrp="1"/>
+          </p:cNvSpPr>
+          <p:nvPr>
+            <p:ph idx="1"/>
+          </p:nvPr>
+        </p:nvSpPr>
+        <p:spPr/>
+        <p:txBody>
+          <a:bodyPr/>
+          <a:lstStyle/>
+          <a:p>
+            <a:pPr marL="0" indent="0">
+              <a:buNone/>
+            </a:pPr>
+            <a:r>
+              <a:rPr lang="en-US" altLang="ko-KR" dirty="0" smtClean="0"/>
+              <a:t>Q. </a:t>
+            </a:r>
+            <a:r>
+              <a:rPr lang="en-US" altLang="ko-KR" dirty="0" err="1" smtClean="0"/>
+              <a:t>makeTree</a:t>
+            </a:r>
+            <a:r>
+              <a:rPr lang="ko-KR" altLang="en-US" dirty="0" smtClean="0"/>
+              <a:t>에서 하는 역할은 무엇이죠</a:t>
+            </a:r>
+            <a:r>
+              <a:rPr lang="en-US" altLang="ko-KR" dirty="0" smtClean="0"/>
+              <a:t>?</a:t>
+            </a:r>
+          </a:p>
+          <a:p>
+            <a:pPr marL="0" indent="0">
+              <a:buNone/>
+            </a:pPr>
+            <a:endParaRPr lang="en-US" altLang="ko-KR" dirty="0"/>
+          </a:p>
+          <a:p>
+            <a:pPr marL="0" indent="0">
+              <a:buNone/>
+            </a:pPr>
+            <a:r>
+              <a:rPr lang="en-US" altLang="ko-KR" dirty="0" smtClean="0"/>
+              <a:t>Q. 17</a:t>
+            </a:r>
+            <a:r>
+              <a:rPr lang="ko-KR" altLang="en-US" dirty="0" smtClean="0"/>
+              <a:t>은 무엇을 의미합니까</a:t>
+            </a:r>
+            <a:r>
+              <a:rPr lang="en-US" altLang="ko-KR" dirty="0" smtClean="0"/>
+              <a:t>?</a:t>
+            </a:r>
+          </a:p>
+          <a:p>
+            <a:pPr marL="0" indent="0">
+              <a:buNone/>
+            </a:pPr>
+            <a:endParaRPr lang="en-US" altLang="ko-KR" dirty="0"/>
+          </a:p>
+          <a:p>
+            <a:pPr marL="0" indent="0">
+              <a:buNone/>
+            </a:pPr>
+            <a:r>
+              <a:rPr lang="en-US" altLang="ko-KR" dirty="0" smtClean="0"/>
+              <a:t>Q. parent[u][j] == -1</a:t>
+            </a:r>
+            <a:r>
+              <a:rPr lang="ko-KR" altLang="en-US" dirty="0" smtClean="0"/>
+              <a:t>이라는 것의 의미는 무엇이죠</a:t>
+            </a:r>
+            <a:r>
+              <a:rPr lang="en-US" altLang="ko-KR" dirty="0" smtClean="0"/>
+              <a:t>?</a:t>
+            </a:r>
+          </a:p>
+          <a:p>
+            <a:pPr marL="0" indent="0">
+              <a:buNone/>
+            </a:pPr>
+            <a:endParaRPr lang="en-US" altLang="ko-KR" dirty="0"/>
+          </a:p>
+          <a:p>
+            <a:pPr marL="0" indent="0">
+              <a:buNone/>
+            </a:pPr>
+            <a:r>
+              <a:rPr lang="en-US" altLang="ko-KR" dirty="0" smtClean="0"/>
+              <a:t>Q. </a:t>
+            </a:r>
+            <a:r>
+              <a:rPr lang="ko-KR" altLang="en-US" dirty="0" smtClean="0"/>
+              <a:t>왜 마지막에 </a:t>
+            </a:r>
+            <a:r>
+              <a:rPr lang="en-US" altLang="ko-KR" dirty="0" smtClean="0"/>
+              <a:t>u = parent[u][0]</a:t>
+            </a:r>
+            <a:r>
+              <a:rPr lang="ko-KR" altLang="en-US" dirty="0" smtClean="0"/>
+              <a:t>을 </a:t>
+            </a:r>
+            <a:r>
+              <a:rPr lang="ko-KR" altLang="en-US" dirty="0" err="1" smtClean="0"/>
+              <a:t>올려주나요</a:t>
+            </a:r>
+            <a:r>
+              <a:rPr lang="en-US" altLang="ko-KR" dirty="0" smtClean="0"/>
+              <a:t>?</a:t>
+            </a:r>
+            <a:endParaRPr lang="ko-KR" altLang="en-US" dirty="0"/>
+          </a:p>
+        </p:txBody>
+      </p:sp>
+    </p:spTree>
+    <p:extLst>
+      <p:ext uri="{BB962C8B-B14F-4D97-AF65-F5344CB8AC3E}">
+        <p14:creationId xmlns:p14="http://schemas.microsoft.com/office/powerpoint/2010/main" val="3844739503"/>
+      </p:ext>
+    </p:extLst>
+  </p:cSld>
+  <p:clrMapOvr>
+    <a:masterClrMapping/>
+  </p:clrMapOvr>
+  <p:timing>
+    <p:tnLst>
+      <p:par>
+        <p:cTn id="1" dur="indefinite" restart="never" nodeType="tmRoot"/>
+      </p:par>
+    </p:tnLst>
+  </p:timing>
+</p:sld>
+</file>
+
+<file path=ppt/slides/slide18.xml><?xml version="1.0" encoding="utf-8"?>
+<p:sld xmlns:a="http://schemas.openxmlformats.org/drawingml/2006/main" xmlns:r="http://schemas.openxmlformats.org/officeDocument/2006/relationships" xmlns:p="http://schemas.openxmlformats.org/presentationml/2006/main">
+  <p:cSld>
+    <p:spTree>
+      <p:nvGrpSpPr>
+        <p:cNvPr id="1" name=""/>
+        <p:cNvGrpSpPr/>
+        <p:nvPr/>
+      </p:nvGrpSpPr>
+      <p:grpSpPr>
+        <a:xfrm>
+          <a:off x="0" y="0"/>
+          <a:ext cx="0" cy="0"/>
+          <a:chOff x="0" y="0"/>
+          <a:chExt cx="0" cy="0"/>
+        </a:xfrm>
+      </p:grpSpPr>
+      <p:sp>
+        <p:nvSpPr>
+          <p:cNvPr id="2" name="제목 1"/>
+          <p:cNvSpPr>
+            <a:spLocks noGrp="1"/>
+          </p:cNvSpPr>
+          <p:nvPr>
+            <p:ph type="title"/>
+          </p:nvPr>
+        </p:nvSpPr>
+        <p:spPr/>
+        <p:txBody>
+          <a:bodyPr/>
+          <a:lstStyle/>
+          <a:p>
+            <a:r>
+              <a:rPr lang="en-US" altLang="ko-KR" dirty="0"/>
+              <a:t>LCA(Lowest Common Ancestor)</a:t>
+            </a:r>
+            <a:endParaRPr lang="ko-KR" altLang="en-US" dirty="0"/>
+          </a:p>
+        </p:txBody>
+      </p:sp>
+      <p:sp>
+        <p:nvSpPr>
+          <p:cNvPr id="3" name="내용 개체 틀 2"/>
+          <p:cNvSpPr>
+            <a:spLocks noGrp="1"/>
+          </p:cNvSpPr>
+          <p:nvPr>
+            <p:ph idx="1"/>
+          </p:nvPr>
+        </p:nvSpPr>
+        <p:spPr/>
+        <p:txBody>
+          <a:bodyPr/>
+          <a:lstStyle/>
+          <a:p>
+            <a:endParaRPr lang="ko-KR" altLang="en-US" dirty="0"/>
+          </a:p>
+        </p:txBody>
+      </p:sp>
+    </p:spTree>
+    <p:extLst>
+      <p:ext uri="{BB962C8B-B14F-4D97-AF65-F5344CB8AC3E}">
+        <p14:creationId xmlns:p14="http://schemas.microsoft.com/office/powerpoint/2010/main" val="679748248"/>
+      </p:ext>
+    </p:extLst>
+  </p:cSld>
+  <p:clrMapOvr>
+    <a:masterClrMapping/>
+  </p:clrMapOvr>
+  <p:timing>
+    <p:tnLst>
+      <p:par>
+        <p:cTn id="1" dur="indefinite" restart="never" nodeType="tmRoot"/>
+      </p:par>
+    </p:tnLst>
+  </p:timing>
+</p:sld>
+</file>
+
+<file path=ppt/slides/slide19.xml><?xml version="1.0" encoding="utf-8"?>
+<p:sld xmlns:a="http://schemas.openxmlformats.org/drawingml/2006/main" xmlns:r="http://schemas.openxmlformats.org/officeDocument/2006/relationships" xmlns:p="http://schemas.openxmlformats.org/presentationml/2006/main">
+  <p:cSld>
+    <p:spTree>
+      <p:nvGrpSpPr>
+        <p:cNvPr id="1" name=""/>
+        <p:cNvGrpSpPr/>
+        <p:nvPr/>
+      </p:nvGrpSpPr>
+      <p:grpSpPr>
+        <a:xfrm>
+          <a:off x="0" y="0"/>
+          <a:ext cx="0" cy="0"/>
+          <a:chOff x="0" y="0"/>
+          <a:chExt cx="0" cy="0"/>
+        </a:xfrm>
+      </p:grpSpPr>
+      <p:sp>
+        <p:nvSpPr>
+          <p:cNvPr id="2" name="제목 1"/>
+          <p:cNvSpPr>
+            <a:spLocks noGrp="1"/>
+          </p:cNvSpPr>
+          <p:nvPr>
+            <p:ph type="title"/>
+          </p:nvPr>
+        </p:nvSpPr>
+        <p:spPr/>
+        <p:txBody>
+          <a:bodyPr/>
+          <a:lstStyle/>
+          <a:p>
+            <a:r>
+              <a:rPr lang="en-US" altLang="ko-KR" dirty="0"/>
+              <a:t>LCA(Lowest Common Ancestor)</a:t>
+            </a:r>
+            <a:endParaRPr lang="ko-KR" altLang="en-US" dirty="0"/>
+          </a:p>
+        </p:txBody>
+      </p:sp>
+      <p:sp>
+        <p:nvSpPr>
+          <p:cNvPr id="3" name="내용 개체 틀 2"/>
+          <p:cNvSpPr>
+            <a:spLocks noGrp="1"/>
+          </p:cNvSpPr>
+          <p:nvPr>
+            <p:ph idx="1"/>
+          </p:nvPr>
+        </p:nvSpPr>
+        <p:spPr/>
+        <p:txBody>
+          <a:bodyPr/>
+          <a:lstStyle/>
+          <a:p>
+            <a:endParaRPr lang="ko-KR" altLang="en-US" dirty="0"/>
+          </a:p>
+        </p:txBody>
+      </p:sp>
+    </p:spTree>
+    <p:extLst>
+      <p:ext uri="{BB962C8B-B14F-4D97-AF65-F5344CB8AC3E}">
+        <p14:creationId xmlns:p14="http://schemas.microsoft.com/office/powerpoint/2010/main" val="1140570488"/>
       </p:ext>
     </p:extLst>
   </p:cSld>
@@ -3401,6 +5134,476 @@
 </p:sld>
 </file>
 
+<file path=ppt/slides/slide20.xml><?xml version="1.0" encoding="utf-8"?>
+<p:sld xmlns:a="http://schemas.openxmlformats.org/drawingml/2006/main" xmlns:r="http://schemas.openxmlformats.org/officeDocument/2006/relationships" xmlns:p="http://schemas.openxmlformats.org/presentationml/2006/main">
+  <p:cSld>
+    <p:spTree>
+      <p:nvGrpSpPr>
+        <p:cNvPr id="1" name=""/>
+        <p:cNvGrpSpPr/>
+        <p:nvPr/>
+      </p:nvGrpSpPr>
+      <p:grpSpPr>
+        <a:xfrm>
+          <a:off x="0" y="0"/>
+          <a:ext cx="0" cy="0"/>
+          <a:chOff x="0" y="0"/>
+          <a:chExt cx="0" cy="0"/>
+        </a:xfrm>
+      </p:grpSpPr>
+      <p:sp>
+        <p:nvSpPr>
+          <p:cNvPr id="2" name="제목 1"/>
+          <p:cNvSpPr>
+            <a:spLocks noGrp="1"/>
+          </p:cNvSpPr>
+          <p:nvPr>
+            <p:ph type="title"/>
+          </p:nvPr>
+        </p:nvSpPr>
+        <p:spPr/>
+        <p:txBody>
+          <a:bodyPr/>
+          <a:lstStyle/>
+          <a:p>
+            <a:r>
+              <a:rPr lang="en-US" altLang="ko-KR" dirty="0"/>
+              <a:t>LCA(Lowest Common Ancestor)</a:t>
+            </a:r>
+            <a:endParaRPr lang="ko-KR" altLang="en-US" dirty="0"/>
+          </a:p>
+        </p:txBody>
+      </p:sp>
+      <p:sp>
+        <p:nvSpPr>
+          <p:cNvPr id="3" name="내용 개체 틀 2"/>
+          <p:cNvSpPr>
+            <a:spLocks noGrp="1"/>
+          </p:cNvSpPr>
+          <p:nvPr>
+            <p:ph idx="1"/>
+          </p:nvPr>
+        </p:nvSpPr>
+        <p:spPr/>
+        <p:txBody>
+          <a:bodyPr/>
+          <a:lstStyle/>
+          <a:p>
+            <a:endParaRPr lang="ko-KR" altLang="en-US" dirty="0"/>
+          </a:p>
+        </p:txBody>
+      </p:sp>
+    </p:spTree>
+    <p:extLst>
+      <p:ext uri="{BB962C8B-B14F-4D97-AF65-F5344CB8AC3E}">
+        <p14:creationId xmlns:p14="http://schemas.microsoft.com/office/powerpoint/2010/main" val="1654567174"/>
+      </p:ext>
+    </p:extLst>
+  </p:cSld>
+  <p:clrMapOvr>
+    <a:masterClrMapping/>
+  </p:clrMapOvr>
+  <p:timing>
+    <p:tnLst>
+      <p:par>
+        <p:cTn id="1" dur="indefinite" restart="never" nodeType="tmRoot"/>
+      </p:par>
+    </p:tnLst>
+  </p:timing>
+</p:sld>
+</file>
+
+<file path=ppt/slides/slide21.xml><?xml version="1.0" encoding="utf-8"?>
+<p:sld xmlns:a="http://schemas.openxmlformats.org/drawingml/2006/main" xmlns:r="http://schemas.openxmlformats.org/officeDocument/2006/relationships" xmlns:p="http://schemas.openxmlformats.org/presentationml/2006/main">
+  <p:cSld>
+    <p:spTree>
+      <p:nvGrpSpPr>
+        <p:cNvPr id="1" name=""/>
+        <p:cNvGrpSpPr/>
+        <p:nvPr/>
+      </p:nvGrpSpPr>
+      <p:grpSpPr>
+        <a:xfrm>
+          <a:off x="0" y="0"/>
+          <a:ext cx="0" cy="0"/>
+          <a:chOff x="0" y="0"/>
+          <a:chExt cx="0" cy="0"/>
+        </a:xfrm>
+      </p:grpSpPr>
+      <p:sp>
+        <p:nvSpPr>
+          <p:cNvPr id="2" name="제목 1"/>
+          <p:cNvSpPr>
+            <a:spLocks noGrp="1"/>
+          </p:cNvSpPr>
+          <p:nvPr>
+            <p:ph type="title"/>
+          </p:nvPr>
+        </p:nvSpPr>
+        <p:spPr/>
+        <p:txBody>
+          <a:bodyPr/>
+          <a:lstStyle/>
+          <a:p>
+            <a:endParaRPr lang="ko-KR" altLang="en-US"/>
+          </a:p>
+        </p:txBody>
+      </p:sp>
+      <p:sp>
+        <p:nvSpPr>
+          <p:cNvPr id="3" name="내용 개체 틀 2"/>
+          <p:cNvSpPr>
+            <a:spLocks noGrp="1"/>
+          </p:cNvSpPr>
+          <p:nvPr>
+            <p:ph idx="1"/>
+          </p:nvPr>
+        </p:nvSpPr>
+        <p:spPr/>
+        <p:txBody>
+          <a:bodyPr/>
+          <a:lstStyle/>
+          <a:p>
+            <a:r>
+              <a:rPr lang="en-US" altLang="ko-KR" dirty="0">
+                <a:hlinkClick r:id="rId2"/>
+              </a:rPr>
+              <a:t>https://www.acmicpc.net/problem/1761</a:t>
+            </a:r>
+            <a:endParaRPr lang="ko-KR" altLang="en-US" dirty="0"/>
+          </a:p>
+        </p:txBody>
+      </p:sp>
+    </p:spTree>
+    <p:extLst>
+      <p:ext uri="{BB962C8B-B14F-4D97-AF65-F5344CB8AC3E}">
+        <p14:creationId xmlns:p14="http://schemas.microsoft.com/office/powerpoint/2010/main" val="4021521550"/>
+      </p:ext>
+    </p:extLst>
+  </p:cSld>
+  <p:clrMapOvr>
+    <a:masterClrMapping/>
+  </p:clrMapOvr>
+  <p:timing>
+    <p:tnLst>
+      <p:par>
+        <p:cTn id="1" dur="indefinite" restart="never" nodeType="tmRoot"/>
+      </p:par>
+    </p:tnLst>
+  </p:timing>
+</p:sld>
+</file>
+
+<file path=ppt/slides/slide22.xml><?xml version="1.0" encoding="utf-8"?>
+<p:sld xmlns:a="http://schemas.openxmlformats.org/drawingml/2006/main" xmlns:r="http://schemas.openxmlformats.org/officeDocument/2006/relationships" xmlns:p="http://schemas.openxmlformats.org/presentationml/2006/main">
+  <p:cSld>
+    <p:spTree>
+      <p:nvGrpSpPr>
+        <p:cNvPr id="1" name=""/>
+        <p:cNvGrpSpPr/>
+        <p:nvPr/>
+      </p:nvGrpSpPr>
+      <p:grpSpPr>
+        <a:xfrm>
+          <a:off x="0" y="0"/>
+          <a:ext cx="0" cy="0"/>
+          <a:chOff x="0" y="0"/>
+          <a:chExt cx="0" cy="0"/>
+        </a:xfrm>
+      </p:grpSpPr>
+      <p:sp>
+        <p:nvSpPr>
+          <p:cNvPr id="2" name="제목 1"/>
+          <p:cNvSpPr>
+            <a:spLocks noGrp="1"/>
+          </p:cNvSpPr>
+          <p:nvPr>
+            <p:ph type="title"/>
+          </p:nvPr>
+        </p:nvSpPr>
+        <p:spPr/>
+        <p:txBody>
+          <a:bodyPr/>
+          <a:lstStyle/>
+          <a:p>
+            <a:endParaRPr lang="ko-KR" altLang="en-US"/>
+          </a:p>
+        </p:txBody>
+      </p:sp>
+      <p:sp>
+        <p:nvSpPr>
+          <p:cNvPr id="3" name="내용 개체 틀 2"/>
+          <p:cNvSpPr>
+            <a:spLocks noGrp="1"/>
+          </p:cNvSpPr>
+          <p:nvPr>
+            <p:ph idx="1"/>
+          </p:nvPr>
+        </p:nvSpPr>
+        <p:spPr/>
+        <p:txBody>
+          <a:bodyPr/>
+          <a:lstStyle/>
+          <a:p>
+            <a:endParaRPr lang="ko-KR" altLang="en-US"/>
+          </a:p>
+        </p:txBody>
+      </p:sp>
+    </p:spTree>
+    <p:extLst>
+      <p:ext uri="{BB962C8B-B14F-4D97-AF65-F5344CB8AC3E}">
+        <p14:creationId xmlns:p14="http://schemas.microsoft.com/office/powerpoint/2010/main" val="3779789120"/>
+      </p:ext>
+    </p:extLst>
+  </p:cSld>
+  <p:clrMapOvr>
+    <a:masterClrMapping/>
+  </p:clrMapOvr>
+  <p:timing>
+    <p:tnLst>
+      <p:par>
+        <p:cTn id="1" dur="indefinite" restart="never" nodeType="tmRoot"/>
+      </p:par>
+    </p:tnLst>
+  </p:timing>
+</p:sld>
+</file>
+
+<file path=ppt/slides/slide23.xml><?xml version="1.0" encoding="utf-8"?>
+<p:sld xmlns:a="http://schemas.openxmlformats.org/drawingml/2006/main" xmlns:r="http://schemas.openxmlformats.org/officeDocument/2006/relationships" xmlns:p="http://schemas.openxmlformats.org/presentationml/2006/main">
+  <p:cSld>
+    <p:spTree>
+      <p:nvGrpSpPr>
+        <p:cNvPr id="1" name=""/>
+        <p:cNvGrpSpPr/>
+        <p:nvPr/>
+      </p:nvGrpSpPr>
+      <p:grpSpPr>
+        <a:xfrm>
+          <a:off x="0" y="0"/>
+          <a:ext cx="0" cy="0"/>
+          <a:chOff x="0" y="0"/>
+          <a:chExt cx="0" cy="0"/>
+        </a:xfrm>
+      </p:grpSpPr>
+      <p:sp>
+        <p:nvSpPr>
+          <p:cNvPr id="2" name="제목 1"/>
+          <p:cNvSpPr>
+            <a:spLocks noGrp="1"/>
+          </p:cNvSpPr>
+          <p:nvPr>
+            <p:ph type="title"/>
+          </p:nvPr>
+        </p:nvSpPr>
+        <p:spPr/>
+        <p:txBody>
+          <a:bodyPr/>
+          <a:lstStyle/>
+          <a:p>
+            <a:endParaRPr lang="ko-KR" altLang="en-US"/>
+          </a:p>
+        </p:txBody>
+      </p:sp>
+      <p:sp>
+        <p:nvSpPr>
+          <p:cNvPr id="3" name="내용 개체 틀 2"/>
+          <p:cNvSpPr>
+            <a:spLocks noGrp="1"/>
+          </p:cNvSpPr>
+          <p:nvPr>
+            <p:ph idx="1"/>
+          </p:nvPr>
+        </p:nvSpPr>
+        <p:spPr/>
+        <p:txBody>
+          <a:bodyPr/>
+          <a:lstStyle/>
+          <a:p>
+            <a:endParaRPr lang="ko-KR" altLang="en-US"/>
+          </a:p>
+        </p:txBody>
+      </p:sp>
+    </p:spTree>
+    <p:extLst>
+      <p:ext uri="{BB962C8B-B14F-4D97-AF65-F5344CB8AC3E}">
+        <p14:creationId xmlns:p14="http://schemas.microsoft.com/office/powerpoint/2010/main" val="1239729560"/>
+      </p:ext>
+    </p:extLst>
+  </p:cSld>
+  <p:clrMapOvr>
+    <a:masterClrMapping/>
+  </p:clrMapOvr>
+  <p:timing>
+    <p:tnLst>
+      <p:par>
+        <p:cTn id="1" dur="indefinite" restart="never" nodeType="tmRoot"/>
+      </p:par>
+    </p:tnLst>
+  </p:timing>
+</p:sld>
+</file>
+
+<file path=ppt/slides/slide24.xml><?xml version="1.0" encoding="utf-8"?>
+<p:sld xmlns:a="http://schemas.openxmlformats.org/drawingml/2006/main" xmlns:r="http://schemas.openxmlformats.org/officeDocument/2006/relationships" xmlns:p="http://schemas.openxmlformats.org/presentationml/2006/main">
+  <p:cSld>
+    <p:spTree>
+      <p:nvGrpSpPr>
+        <p:cNvPr id="1" name=""/>
+        <p:cNvGrpSpPr/>
+        <p:nvPr/>
+      </p:nvGrpSpPr>
+      <p:grpSpPr>
+        <a:xfrm>
+          <a:off x="0" y="0"/>
+          <a:ext cx="0" cy="0"/>
+          <a:chOff x="0" y="0"/>
+          <a:chExt cx="0" cy="0"/>
+        </a:xfrm>
+      </p:grpSpPr>
+      <p:sp>
+        <p:nvSpPr>
+          <p:cNvPr id="2" name="제목 1"/>
+          <p:cNvSpPr>
+            <a:spLocks noGrp="1"/>
+          </p:cNvSpPr>
+          <p:nvPr>
+            <p:ph type="title"/>
+          </p:nvPr>
+        </p:nvSpPr>
+        <p:spPr/>
+        <p:txBody>
+          <a:bodyPr/>
+          <a:lstStyle/>
+          <a:p>
+            <a:endParaRPr lang="ko-KR" altLang="en-US"/>
+          </a:p>
+        </p:txBody>
+      </p:sp>
+      <p:sp>
+        <p:nvSpPr>
+          <p:cNvPr id="3" name="내용 개체 틀 2"/>
+          <p:cNvSpPr>
+            <a:spLocks noGrp="1"/>
+          </p:cNvSpPr>
+          <p:nvPr>
+            <p:ph idx="1"/>
+          </p:nvPr>
+        </p:nvSpPr>
+        <p:spPr/>
+        <p:txBody>
+          <a:bodyPr/>
+          <a:lstStyle/>
+          <a:p>
+            <a:endParaRPr lang="ko-KR" altLang="en-US"/>
+          </a:p>
+        </p:txBody>
+      </p:sp>
+    </p:spTree>
+    <p:extLst>
+      <p:ext uri="{BB962C8B-B14F-4D97-AF65-F5344CB8AC3E}">
+        <p14:creationId xmlns:p14="http://schemas.microsoft.com/office/powerpoint/2010/main" val="1234844091"/>
+      </p:ext>
+    </p:extLst>
+  </p:cSld>
+  <p:clrMapOvr>
+    <a:masterClrMapping/>
+  </p:clrMapOvr>
+  <p:timing>
+    <p:tnLst>
+      <p:par>
+        <p:cTn id="1" dur="indefinite" restart="never" nodeType="tmRoot"/>
+      </p:par>
+    </p:tnLst>
+  </p:timing>
+</p:sld>
+</file>
+
+<file path=ppt/slides/slide25.xml><?xml version="1.0" encoding="utf-8"?>
+<p:sld xmlns:a="http://schemas.openxmlformats.org/drawingml/2006/main" xmlns:r="http://schemas.openxmlformats.org/officeDocument/2006/relationships" xmlns:p="http://schemas.openxmlformats.org/presentationml/2006/main">
+  <p:cSld>
+    <p:spTree>
+      <p:nvGrpSpPr>
+        <p:cNvPr id="1" name=""/>
+        <p:cNvGrpSpPr/>
+        <p:nvPr/>
+      </p:nvGrpSpPr>
+      <p:grpSpPr>
+        <a:xfrm>
+          <a:off x="0" y="0"/>
+          <a:ext cx="0" cy="0"/>
+          <a:chOff x="0" y="0"/>
+          <a:chExt cx="0" cy="0"/>
+        </a:xfrm>
+      </p:grpSpPr>
+      <p:sp>
+        <p:nvSpPr>
+          <p:cNvPr id="2" name="제목 1"/>
+          <p:cNvSpPr>
+            <a:spLocks noGrp="1"/>
+          </p:cNvSpPr>
+          <p:nvPr>
+            <p:ph type="title"/>
+          </p:nvPr>
+        </p:nvSpPr>
+        <p:spPr/>
+        <p:txBody>
+          <a:bodyPr/>
+          <a:lstStyle/>
+          <a:p>
+            <a:r>
+              <a:rPr lang="ko-KR" altLang="en-US" dirty="0" smtClean="0"/>
+              <a:t>숙제</a:t>
+            </a:r>
+            <a:endParaRPr lang="ko-KR" altLang="en-US" dirty="0"/>
+          </a:p>
+        </p:txBody>
+      </p:sp>
+      <p:sp>
+        <p:nvSpPr>
+          <p:cNvPr id="3" name="내용 개체 틀 2"/>
+          <p:cNvSpPr>
+            <a:spLocks noGrp="1"/>
+          </p:cNvSpPr>
+          <p:nvPr>
+            <p:ph idx="1"/>
+          </p:nvPr>
+        </p:nvSpPr>
+        <p:spPr/>
+        <p:txBody>
+          <a:bodyPr/>
+          <a:lstStyle/>
+          <a:p>
+            <a:r>
+              <a:rPr lang="en-US" altLang="ko-KR" dirty="0" smtClean="0">
+                <a:hlinkClick r:id="rId2"/>
+              </a:rPr>
+              <a:t>https://www.acmicpc.net/problem/1395</a:t>
+            </a:r>
+            <a:endParaRPr lang="ko-KR" altLang="en-US" dirty="0"/>
+          </a:p>
+        </p:txBody>
+      </p:sp>
+    </p:spTree>
+    <p:extLst>
+      <p:ext uri="{BB962C8B-B14F-4D97-AF65-F5344CB8AC3E}">
+        <p14:creationId xmlns:p14="http://schemas.microsoft.com/office/powerpoint/2010/main" val="2095177941"/>
+      </p:ext>
+    </p:extLst>
+  </p:cSld>
+  <p:clrMapOvr>
+    <a:masterClrMapping/>
+  </p:clrMapOvr>
+  <p:timing>
+    <p:tnLst>
+      <p:par>
+        <p:cTn id="1" dur="indefinite" restart="never" nodeType="tmRoot"/>
+      </p:par>
+    </p:tnLst>
+  </p:timing>
+</p:sld>
+</file>
+
 <file path=ppt/slides/slide3.xml><?xml version="1.0" encoding="utf-8"?>
 <p:sld xmlns:a="http://schemas.openxmlformats.org/drawingml/2006/main" xmlns:r="http://schemas.openxmlformats.org/officeDocument/2006/relationships" xmlns:p="http://schemas.openxmlformats.org/presentationml/2006/main">
   <p:cSld>
@@ -3620,7 +5823,19 @@
           <a:p>
             <a:r>
               <a:rPr lang="en-US" altLang="ko-KR" dirty="0" smtClean="0"/>
-              <a:t>LCA(Least Common Ancestor)</a:t>
+              <a:t>LCA(L</a:t>
+            </a:r>
+            <a:r>
+              <a:rPr lang="en-US" altLang="ko-KR" dirty="0" smtClean="0"/>
+              <a:t>owe</a:t>
+            </a:r>
+            <a:r>
+              <a:rPr lang="en-US" altLang="ko-KR" dirty="0" smtClean="0"/>
+              <a:t>st </a:t>
+            </a:r>
+            <a:r>
+              <a:rPr lang="en-US" altLang="ko-KR" dirty="0" smtClean="0"/>
+              <a:t>Common Ancestor)</a:t>
             </a:r>
             <a:endParaRPr lang="ko-KR" altLang="en-US" dirty="0"/>
           </a:p>
@@ -3641,7 +5856,66 @@
           <a:bodyPr/>
           <a:lstStyle/>
           <a:p>
-            <a:endParaRPr lang="ko-KR" altLang="en-US"/>
+            <a:pPr marL="0" indent="0">
+              <a:buNone/>
+            </a:pPr>
+            <a:r>
+              <a:rPr lang="en-US" altLang="ko-KR" dirty="0" smtClean="0"/>
+              <a:t>Tree</a:t>
+            </a:r>
+            <a:r>
+              <a:rPr lang="ko-KR" altLang="en-US" dirty="0" smtClean="0"/>
+              <a:t>상에서 어떤 두 정점  </a:t>
+            </a:r>
+            <a:r>
+              <a:rPr lang="en-US" altLang="ko-KR" dirty="0" smtClean="0"/>
+              <a:t>u, v</a:t>
+            </a:r>
+            <a:r>
+              <a:rPr lang="ko-KR" altLang="en-US" dirty="0" smtClean="0"/>
+              <a:t>가 있을 때</a:t>
+            </a:r>
+            <a:r>
+              <a:rPr lang="en-US" altLang="ko-KR" dirty="0" smtClean="0"/>
+              <a:t>, u</a:t>
+            </a:r>
+            <a:r>
+              <a:rPr lang="ko-KR" altLang="en-US" dirty="0" smtClean="0"/>
+              <a:t>이거나 </a:t>
+            </a:r>
+            <a:r>
+              <a:rPr lang="en-US" altLang="ko-KR" dirty="0" smtClean="0"/>
+              <a:t>u</a:t>
+            </a:r>
+            <a:r>
+              <a:rPr lang="ko-KR" altLang="en-US" dirty="0" smtClean="0"/>
+              <a:t>의</a:t>
+            </a:r>
+            <a:r>
+              <a:rPr lang="en-US" altLang="ko-KR" dirty="0" smtClean="0"/>
+              <a:t> </a:t>
+            </a:r>
+            <a:r>
+              <a:rPr lang="ko-KR" altLang="en-US" dirty="0" smtClean="0"/>
+              <a:t>조상이면서 동시에 </a:t>
+            </a:r>
+            <a:r>
+              <a:rPr lang="en-US" altLang="ko-KR" dirty="0" smtClean="0"/>
+              <a:t>v</a:t>
+            </a:r>
+            <a:r>
+              <a:rPr lang="ko-KR" altLang="en-US" dirty="0" smtClean="0"/>
+              <a:t>이거나 </a:t>
+            </a:r>
+            <a:r>
+              <a:rPr lang="en-US" altLang="ko-KR" dirty="0" smtClean="0"/>
+              <a:t>v</a:t>
+            </a:r>
+            <a:r>
+              <a:rPr lang="ko-KR" altLang="en-US" dirty="0" smtClean="0"/>
+              <a:t>의 조상인 노드들 중 가장 깊은 노드</a:t>
+            </a:r>
+            <a:endParaRPr lang="ko-KR" altLang="en-US" dirty="0"/>
           </a:p>
         </p:txBody>
       </p:sp>
@@ -3697,7 +5971,23 @@
           <a:bodyPr/>
           <a:lstStyle/>
           <a:p>
-            <a:endParaRPr lang="ko-KR" altLang="en-US"/>
+            <a:r>
+              <a:rPr lang="en-US" altLang="ko-KR" dirty="0" smtClean="0"/>
+              <a:t>LCA(L</a:t>
+            </a:r>
+            <a:r>
+              <a:rPr lang="en-US" altLang="ko-KR" dirty="0" smtClean="0"/>
+              <a:t>owe</a:t>
+            </a:r>
+            <a:r>
+              <a:rPr lang="en-US" altLang="ko-KR" dirty="0" smtClean="0"/>
+              <a:t>st </a:t>
+            </a:r>
+            <a:r>
+              <a:rPr lang="en-US" altLang="ko-KR" dirty="0" smtClean="0"/>
+              <a:t>Common Ancestor)</a:t>
+            </a:r>
+            <a:endParaRPr lang="ko-KR" altLang="en-US" dirty="0"/>
           </a:p>
         </p:txBody>
       </p:sp>
@@ -3713,17 +6003,111 @@
         </p:nvSpPr>
         <p:spPr/>
         <p:txBody>
-          <a:bodyPr/>
-          <a:lstStyle/>
-          <a:p>
-            <a:endParaRPr lang="ko-KR" altLang="en-US"/>
+          <a:bodyPr>
+            <a:normAutofit/>
+          </a:bodyPr>
+          <a:lstStyle/>
+          <a:p>
+            <a:pPr marL="0" indent="0">
+              <a:buNone/>
+            </a:pPr>
+            <a:endParaRPr lang="en-US" altLang="ko-KR" sz="4000" dirty="0" smtClean="0"/>
+          </a:p>
+          <a:p>
+            <a:pPr marL="0" indent="0">
+              <a:buNone/>
+            </a:pPr>
+            <a:r>
+              <a:rPr lang="en-US" altLang="ko-KR" sz="4000" dirty="0" smtClean="0"/>
+              <a:t>Tree</a:t>
+            </a:r>
+            <a:r>
+              <a:rPr lang="ko-KR" altLang="en-US" sz="4000" dirty="0" smtClean="0"/>
+              <a:t>상에서 어떤 두 정점  </a:t>
+            </a:r>
+            <a:r>
+              <a:rPr lang="en-US" altLang="ko-KR" sz="4000" dirty="0" smtClean="0"/>
+              <a:t>u, v</a:t>
+            </a:r>
+            <a:r>
+              <a:rPr lang="ko-KR" altLang="en-US" sz="4000" dirty="0" smtClean="0"/>
+              <a:t>가 있을 때</a:t>
+            </a:r>
+            <a:r>
+              <a:rPr lang="en-US" altLang="ko-KR" sz="4000" dirty="0" smtClean="0"/>
+              <a:t>, </a:t>
+            </a:r>
+          </a:p>
+          <a:p>
+            <a:pPr marL="0" indent="0">
+              <a:buNone/>
+            </a:pPr>
+            <a:endParaRPr lang="en-US" altLang="ko-KR" sz="4000" dirty="0"/>
+          </a:p>
+          <a:p>
+            <a:pPr marL="0" indent="0">
+              <a:buNone/>
+            </a:pPr>
+            <a:r>
+              <a:rPr lang="en-US" altLang="ko-KR" sz="4000" dirty="0" smtClean="0"/>
+              <a:t>u</a:t>
+            </a:r>
+            <a:r>
+              <a:rPr lang="ko-KR" altLang="en-US" sz="4000" dirty="0" smtClean="0"/>
+              <a:t>이거나 </a:t>
+            </a:r>
+            <a:r>
+              <a:rPr lang="en-US" altLang="ko-KR" sz="4000" dirty="0" smtClean="0"/>
+              <a:t>u</a:t>
+            </a:r>
+            <a:r>
+              <a:rPr lang="ko-KR" altLang="en-US" sz="4000" dirty="0" smtClean="0"/>
+              <a:t>의</a:t>
+            </a:r>
+            <a:r>
+              <a:rPr lang="en-US" altLang="ko-KR" sz="4000" dirty="0" smtClean="0"/>
+              <a:t> </a:t>
+            </a:r>
+            <a:r>
+              <a:rPr lang="ko-KR" altLang="en-US" sz="4000" dirty="0" smtClean="0"/>
+              <a:t>조상이면서 동시에 </a:t>
+            </a:r>
+            <a:r>
+              <a:rPr lang="en-US" altLang="ko-KR" sz="4000" dirty="0" smtClean="0"/>
+              <a:t>v</a:t>
+            </a:r>
+            <a:r>
+              <a:rPr lang="ko-KR" altLang="en-US" sz="4000" dirty="0" smtClean="0"/>
+              <a:t>이거나 </a:t>
+            </a:r>
+            <a:endParaRPr lang="en-US" altLang="ko-KR" sz="4000" dirty="0" smtClean="0"/>
+          </a:p>
+          <a:p>
+            <a:pPr marL="0" indent="0">
+              <a:buNone/>
+            </a:pPr>
+            <a:endParaRPr lang="en-US" altLang="ko-KR" sz="4000" dirty="0"/>
+          </a:p>
+          <a:p>
+            <a:pPr marL="0" indent="0">
+              <a:buNone/>
+            </a:pPr>
+            <a:r>
+              <a:rPr lang="en-US" altLang="ko-KR" sz="4000" dirty="0" smtClean="0"/>
+              <a:t>v</a:t>
+            </a:r>
+            <a:r>
+              <a:rPr lang="ko-KR" altLang="en-US" sz="4000" dirty="0" smtClean="0"/>
+              <a:t>의 조상인 노드들 중 가장 깊은 노드</a:t>
+            </a:r>
+            <a:endParaRPr lang="ko-KR" altLang="en-US" sz="4000" dirty="0"/>
           </a:p>
         </p:txBody>
       </p:sp>
     </p:spTree>
     <p:extLst>
       <p:ext uri="{BB962C8B-B14F-4D97-AF65-F5344CB8AC3E}">
-        <p14:creationId xmlns:p14="http://schemas.microsoft.com/office/powerpoint/2010/main" val="59385642"/>
+        <p14:creationId xmlns:p14="http://schemas.microsoft.com/office/powerpoint/2010/main" val="3909671807"/>
       </p:ext>
     </p:extLst>
   </p:cSld>
@@ -3772,7 +6156,23 @@
           <a:bodyPr/>
           <a:lstStyle/>
           <a:p>
-            <a:endParaRPr lang="ko-KR" altLang="en-US"/>
+            <a:r>
+              <a:rPr lang="en-US" altLang="ko-KR" dirty="0" smtClean="0"/>
+              <a:t>LCA(L</a:t>
+            </a:r>
+            <a:r>
+              <a:rPr lang="en-US" altLang="ko-KR" dirty="0" smtClean="0"/>
+              <a:t>owe</a:t>
+            </a:r>
+            <a:r>
+              <a:rPr lang="en-US" altLang="ko-KR" dirty="0" smtClean="0"/>
+              <a:t>st </a:t>
+            </a:r>
+            <a:r>
+              <a:rPr lang="en-US" altLang="ko-KR" dirty="0" smtClean="0"/>
+              <a:t>Common Ancestor)</a:t>
+            </a:r>
+            <a:endParaRPr lang="ko-KR" altLang="en-US" dirty="0"/>
           </a:p>
         </p:txBody>
       </p:sp>
@@ -3791,14 +6191,46 @@
           <a:bodyPr/>
           <a:lstStyle/>
           <a:p>
-            <a:endParaRPr lang="ko-KR" altLang="en-US"/>
-          </a:p>
-        </p:txBody>
-      </p:sp>
+            <a:pPr marL="0" indent="0">
+              <a:buNone/>
+            </a:pPr>
+            <a:endParaRPr lang="ko-KR" altLang="en-US" dirty="0"/>
+          </a:p>
+        </p:txBody>
+      </p:sp>
+      <p:pic>
+        <p:nvPicPr>
+          <p:cNvPr id="4" name="그림 3" descr="Ries 마법의 슈퍼마리오 : 네이버 블로그 - Chrome"/>
+          <p:cNvPicPr>
+            <a:picLocks noChangeAspect="1"/>
+          </p:cNvPicPr>
+          <p:nvPr/>
+        </p:nvPicPr>
+        <p:blipFill rotWithShape="1">
+          <a:blip r:embed="rId2">
+            <a:extLst>
+              <a:ext uri="{28A0092B-C50C-407E-A947-70E740481C1C}">
+                <a14:useLocalDpi xmlns:a14="http://schemas.microsoft.com/office/drawing/2010/main" val="0"/>
+              </a:ext>
+            </a:extLst>
+          </a:blip>
+          <a:srcRect l="10354" t="24445" r="16361" b="25822"/>
+          <a:stretch/>
+        </p:blipFill>
+        <p:spPr>
+          <a:xfrm>
+            <a:off x="2220684" y="1583521"/>
+            <a:ext cx="7315201" cy="5274479"/>
+          </a:xfrm>
+          <a:prstGeom prst="rect">
+            <a:avLst/>
+          </a:prstGeom>
+        </p:spPr>
+      </p:pic>
     </p:spTree>
     <p:extLst>
       <p:ext uri="{BB962C8B-B14F-4D97-AF65-F5344CB8AC3E}">
-        <p14:creationId xmlns:p14="http://schemas.microsoft.com/office/powerpoint/2010/main" val="4021521550"/>
+        <p14:creationId xmlns:p14="http://schemas.microsoft.com/office/powerpoint/2010/main" val="4214304208"/>
       </p:ext>
     </p:extLst>
   </p:cSld>
@@ -3847,33 +6279,58 @@
           <a:bodyPr/>
           <a:lstStyle/>
           <a:p>
-            <a:endParaRPr lang="ko-KR" altLang="en-US"/>
-          </a:p>
-        </p:txBody>
-      </p:sp>
-      <p:sp>
-        <p:nvSpPr>
-          <p:cNvPr id="3" name="내용 개체 틀 2"/>
-          <p:cNvSpPr>
-            <a:spLocks noGrp="1"/>
-          </p:cNvSpPr>
+            <a:r>
+              <a:rPr lang="en-US" altLang="ko-KR" dirty="0" smtClean="0"/>
+              <a:t>LCA(L</a:t>
+            </a:r>
+            <a:r>
+              <a:rPr lang="en-US" altLang="ko-KR" dirty="0" smtClean="0"/>
+              <a:t>owe</a:t>
+            </a:r>
+            <a:r>
+              <a:rPr lang="en-US" altLang="ko-KR" dirty="0" smtClean="0"/>
+              <a:t>st </a:t>
+            </a:r>
+            <a:r>
+              <a:rPr lang="en-US" altLang="ko-KR" dirty="0" smtClean="0"/>
+              <a:t>Common Ancestor)</a:t>
+            </a:r>
+            <a:endParaRPr lang="ko-KR" altLang="en-US" dirty="0"/>
+          </a:p>
+        </p:txBody>
+      </p:sp>
+      <p:pic>
+        <p:nvPicPr>
+          <p:cNvPr id="4" name="내용 개체 틀 3" descr="Ries 마법의 슈퍼마리오 : 네이버 블로그 - Chrome"/>
+          <p:cNvPicPr>
+            <a:picLocks noGrp="1" noChangeAspect="1"/>
+          </p:cNvPicPr>
           <p:nvPr>
             <p:ph idx="1"/>
           </p:nvPr>
-        </p:nvSpPr>
-        <p:spPr/>
-        <p:txBody>
-          <a:bodyPr/>
-          <a:lstStyle/>
-          <a:p>
-            <a:endParaRPr lang="ko-KR" altLang="en-US"/>
-          </a:p>
-        </p:txBody>
-      </p:sp>
+        </p:nvPicPr>
+        <p:blipFill rotWithShape="1">
+          <a:blip r:embed="rId2">
+            <a:extLst>
+              <a:ext uri="{28A0092B-C50C-407E-A947-70E740481C1C}">
+                <a14:useLocalDpi xmlns:a14="http://schemas.microsoft.com/office/drawing/2010/main" val="0"/>
+              </a:ext>
+            </a:extLst>
+          </a:blip>
+          <a:srcRect l="9617" t="24288" r="16154" b="24406"/>
+          <a:stretch/>
+        </p:blipFill>
+        <p:spPr>
+          <a:xfrm>
+            <a:off x="2429691" y="1489164"/>
+            <a:ext cx="7295005" cy="5357268"/>
+          </a:xfrm>
+        </p:spPr>
+      </p:pic>
     </p:spTree>
     <p:extLst>
       <p:ext uri="{BB962C8B-B14F-4D97-AF65-F5344CB8AC3E}">
-        <p14:creationId xmlns:p14="http://schemas.microsoft.com/office/powerpoint/2010/main" val="3779789120"/>
+        <p14:creationId xmlns:p14="http://schemas.microsoft.com/office/powerpoint/2010/main" val="21807852"/>
       </p:ext>
     </p:extLst>
   </p:cSld>
@@ -3922,7 +6379,23 @@
           <a:bodyPr/>
           <a:lstStyle/>
           <a:p>
-            <a:endParaRPr lang="ko-KR" altLang="en-US"/>
+            <a:r>
+              <a:rPr lang="en-US" altLang="ko-KR" dirty="0" smtClean="0"/>
+              <a:t>LCA(L</a:t>
+            </a:r>
+            <a:r>
+              <a:rPr lang="en-US" altLang="ko-KR" dirty="0" smtClean="0"/>
+              <a:t>owe</a:t>
+            </a:r>
+            <a:r>
+              <a:rPr lang="en-US" altLang="ko-KR" dirty="0" smtClean="0"/>
+              <a:t>st </a:t>
+            </a:r>
+            <a:r>
+              <a:rPr lang="en-US" altLang="ko-KR" dirty="0" smtClean="0"/>
+              <a:t>Common Ancestor)</a:t>
+            </a:r>
+            <a:endParaRPr lang="ko-KR" altLang="en-US" dirty="0"/>
           </a:p>
         </p:txBody>
       </p:sp>
@@ -3938,17 +6411,95 @@
         </p:nvSpPr>
         <p:spPr/>
         <p:txBody>
-          <a:bodyPr/>
-          <a:lstStyle/>
-          <a:p>
-            <a:endParaRPr lang="ko-KR" altLang="en-US"/>
+          <a:bodyPr>
+            <a:normAutofit/>
+          </a:bodyPr>
+          <a:lstStyle/>
+          <a:p>
+            <a:pPr marL="0" indent="0">
+              <a:buNone/>
+            </a:pPr>
+            <a:r>
+              <a:rPr lang="en-US" altLang="ko-KR" sz="4000" dirty="0" smtClean="0"/>
+              <a:t>LCA</a:t>
+            </a:r>
+            <a:r>
+              <a:rPr lang="ko-KR" altLang="en-US" sz="4000" dirty="0" smtClean="0"/>
+              <a:t>를 찾으면</a:t>
+            </a:r>
+            <a:r>
+              <a:rPr lang="en-US" altLang="ko-KR" sz="4000" dirty="0" smtClean="0"/>
+              <a:t>? </a:t>
+            </a:r>
+            <a:r>
+              <a:rPr lang="ko-KR" altLang="en-US" sz="4000" dirty="0" smtClean="0"/>
+              <a:t>두 </a:t>
+            </a:r>
+            <a:r>
+              <a:rPr lang="en-US" altLang="ko-KR" sz="4000" dirty="0" smtClean="0"/>
+              <a:t>NODE </a:t>
+            </a:r>
+            <a:r>
+              <a:rPr lang="ko-KR" altLang="en-US" sz="4000" dirty="0" smtClean="0"/>
+              <a:t>사이의 최단 경로를 구할 수 있다</a:t>
+            </a:r>
+            <a:r>
+              <a:rPr lang="en-US" altLang="ko-KR" sz="4000" dirty="0" smtClean="0"/>
+              <a:t>.</a:t>
+            </a:r>
+          </a:p>
+          <a:p>
+            <a:pPr marL="0" indent="0">
+              <a:buNone/>
+            </a:pPr>
+            <a:endParaRPr lang="en-US" altLang="ko-KR" sz="4000" dirty="0" smtClean="0"/>
+          </a:p>
+          <a:p>
+            <a:pPr marL="0" indent="0">
+              <a:buNone/>
+            </a:pPr>
+            <a:endParaRPr lang="en-US" altLang="ko-KR" sz="4000" dirty="0"/>
+          </a:p>
+          <a:p>
+            <a:pPr marL="0" indent="0">
+              <a:buNone/>
+            </a:pPr>
+            <a:r>
+              <a:rPr lang="ko-KR" altLang="en-US" sz="4000" dirty="0" smtClean="0"/>
+              <a:t>잠깐</a:t>
+            </a:r>
+            <a:r>
+              <a:rPr lang="en-US" altLang="ko-KR" sz="4000" dirty="0" smtClean="0"/>
+              <a:t>!! TREE</a:t>
+            </a:r>
+            <a:r>
+              <a:rPr lang="ko-KR" altLang="en-US" sz="4000" dirty="0" smtClean="0"/>
+              <a:t>상에서 </a:t>
+            </a:r>
+            <a:r>
+              <a:rPr lang="en-US" altLang="ko-KR" sz="4000" dirty="0" smtClean="0"/>
+              <a:t>diameter</a:t>
+            </a:r>
+            <a:r>
+              <a:rPr lang="ko-KR" altLang="en-US" sz="4000" dirty="0" smtClean="0"/>
+              <a:t>를 구하는 방법은 </a:t>
+            </a:r>
+            <a:r>
+              <a:rPr lang="ko-KR" altLang="en-US" sz="4000" dirty="0" err="1" smtClean="0"/>
+              <a:t>뭐였죠</a:t>
+            </a:r>
+            <a:r>
+              <a:rPr lang="en-US" altLang="ko-KR" sz="4000" dirty="0" smtClean="0"/>
+              <a:t>??</a:t>
+            </a:r>
+            <a:endParaRPr lang="ko-KR" altLang="en-US" sz="4000" dirty="0"/>
           </a:p>
         </p:txBody>
       </p:sp>
     </p:spTree>
     <p:extLst>
       <p:ext uri="{BB962C8B-B14F-4D97-AF65-F5344CB8AC3E}">
-        <p14:creationId xmlns:p14="http://schemas.microsoft.com/office/powerpoint/2010/main" val="1239729560"/>
+        <p14:creationId xmlns:p14="http://schemas.microsoft.com/office/powerpoint/2010/main" val="3819508390"/>
       </p:ext>
     </p:extLst>
   </p:cSld>
@@ -3958,7 +6509,79 @@
   <p:timing>
     <p:tnLst>
       <p:par>
-        <p:cTn id="1" dur="indefinite" restart="never" nodeType="tmRoot"/>
+        <p:cTn id="1" dur="indefinite" restart="never" nodeType="tmRoot">
+          <p:childTnLst>
+            <p:seq concurrent="1" nextAc="seek">
+              <p:cTn id="2" dur="indefinite" nodeType="mainSeq">
+                <p:childTnLst>
+                  <p:par>
+                    <p:cTn id="3" fill="hold">
+                      <p:stCondLst>
+                        <p:cond delay="indefinite"/>
+                      </p:stCondLst>
+                      <p:childTnLst>
+                        <p:par>
+                          <p:cTn id="4" fill="hold">
+                            <p:stCondLst>
+                              <p:cond delay="0"/>
+                            </p:stCondLst>
+                            <p:childTnLst>
+                              <p:par>
+                                <p:cTn id="5" presetID="1" presetClass="entr" presetSubtype="0" fill="hold" nodeType="clickEffect">
+                                  <p:stCondLst>
+                                    <p:cond delay="0"/>
+                                  </p:stCondLst>
+                                  <p:childTnLst>
+                                    <p:set>
+                                      <p:cBhvr>
+                                        <p:cTn id="6" dur="1" fill="hold">
+                                          <p:stCondLst>
+                                            <p:cond delay="0"/>
+                                          </p:stCondLst>
+                                        </p:cTn>
+                                        <p:tgtEl>
+                                          <p:spTgt spid="3">
+                                            <p:txEl>
+                                              <p:pRg st="3" end="3"/>
+                                            </p:txEl>
+                                          </p:spTgt>
+                                        </p:tgtEl>
+                                        <p:attrNameLst>
+                                          <p:attrName>style.visibility</p:attrName>
+                                        </p:attrNameLst>
+                                      </p:cBhvr>
+                                      <p:to>
+                                        <p:strVal val="visible"/>
+                                      </p:to>
+                                    </p:set>
+                                  </p:childTnLst>
+                                </p:cTn>
+                              </p:par>
+                            </p:childTnLst>
+                          </p:cTn>
+                        </p:par>
+                      </p:childTnLst>
+                    </p:cTn>
+                  </p:par>
+                </p:childTnLst>
+              </p:cTn>
+              <p:prevCondLst>
+                <p:cond evt="onPrev" delay="0">
+                  <p:tgtEl>
+                    <p:sldTgt/>
+                  </p:tgtEl>
+                </p:cond>
+              </p:prevCondLst>
+              <p:nextCondLst>
+                <p:cond evt="onNext" delay="0">
+                  <p:tgtEl>
+                    <p:sldTgt/>
+                  </p:tgtEl>
+                </p:cond>
+              </p:nextCondLst>
+            </p:seq>
+          </p:childTnLst>
+        </p:cTn>
       </p:par>
     </p:tnLst>
   </p:timing>

--- a/Chapter24/Lazy Propagation and LCA.pptx
+++ b/Chapter24/Lazy Propagation and LCA.pptx
@@ -3096,19 +3096,7 @@
           <a:p>
             <a:r>
               <a:rPr lang="en-US" altLang="ko-KR" dirty="0" smtClean="0"/>
-              <a:t>LCA(L</a:t>
-            </a:r>
-            <a:r>
-              <a:rPr lang="en-US" altLang="ko-KR" dirty="0" smtClean="0"/>
-              <a:t>owe</a:t>
-            </a:r>
-            <a:r>
-              <a:rPr lang="en-US" altLang="ko-KR" dirty="0" smtClean="0"/>
-              <a:t>st </a:t>
-            </a:r>
-            <a:r>
-              <a:rPr lang="en-US" altLang="ko-KR" dirty="0" smtClean="0"/>
-              <a:t>Common Ancestor)</a:t>
+              <a:t>LCA(Lowest Common Ancestor)</a:t>
             </a:r>
             <a:endParaRPr lang="ko-KR" altLang="en-US" dirty="0"/>
           </a:p>
@@ -4460,11 +4448,7 @@
             </a:r>
             <a:r>
               <a:rPr lang="ko-KR" altLang="en-US" sz="3600" b="1" dirty="0" smtClean="0"/>
-              <a:t>라면 </a:t>
-            </a:r>
-            <a:r>
-              <a:rPr lang="ko-KR" altLang="en-US" sz="3600" b="1" dirty="0" smtClean="0"/>
-              <a:t>둘 다 부모로 계속 올려 본다</a:t>
+              <a:t>라면 둘 다 부모로 계속 올려 본다</a:t>
             </a:r>
             <a:endParaRPr lang="en-US" altLang="ko-KR" sz="3600" b="1" dirty="0" smtClean="0"/>
           </a:p>
@@ -5823,19 +5807,7 @@
           <a:p>
             <a:r>
               <a:rPr lang="en-US" altLang="ko-KR" dirty="0" smtClean="0"/>
-              <a:t>LCA(L</a:t>
-            </a:r>
-            <a:r>
-              <a:rPr lang="en-US" altLang="ko-KR" dirty="0" smtClean="0"/>
-              <a:t>owe</a:t>
-            </a:r>
-            <a:r>
-              <a:rPr lang="en-US" altLang="ko-KR" dirty="0" smtClean="0"/>
-              <a:t>st </a:t>
-            </a:r>
-            <a:r>
-              <a:rPr lang="en-US" altLang="ko-KR" dirty="0" smtClean="0"/>
-              <a:t>Common Ancestor)</a:t>
+              <a:t>LCA(Lowest Common Ancestor)</a:t>
             </a:r>
             <a:endParaRPr lang="ko-KR" altLang="en-US" dirty="0"/>
           </a:p>
@@ -5973,19 +5945,7 @@
           <a:p>
             <a:r>
               <a:rPr lang="en-US" altLang="ko-KR" dirty="0" smtClean="0"/>
-              <a:t>LCA(L</a:t>
-            </a:r>
-            <a:r>
-              <a:rPr lang="en-US" altLang="ko-KR" dirty="0" smtClean="0"/>
-              <a:t>owe</a:t>
-            </a:r>
-            <a:r>
-              <a:rPr lang="en-US" altLang="ko-KR" dirty="0" smtClean="0"/>
-              <a:t>st </a:t>
-            </a:r>
-            <a:r>
-              <a:rPr lang="en-US" altLang="ko-KR" dirty="0" smtClean="0"/>
-              <a:t>Common Ancestor)</a:t>
+              <a:t>LCA(Lowest Common Ancestor)</a:t>
             </a:r>
             <a:endParaRPr lang="ko-KR" altLang="en-US" dirty="0"/>
           </a:p>
@@ -6158,19 +6118,7 @@
           <a:p>
             <a:r>
               <a:rPr lang="en-US" altLang="ko-KR" dirty="0" smtClean="0"/>
-              <a:t>LCA(L</a:t>
-            </a:r>
-            <a:r>
-              <a:rPr lang="en-US" altLang="ko-KR" dirty="0" smtClean="0"/>
-              <a:t>owe</a:t>
-            </a:r>
-            <a:r>
-              <a:rPr lang="en-US" altLang="ko-KR" dirty="0" smtClean="0"/>
-              <a:t>st </a:t>
-            </a:r>
-            <a:r>
-              <a:rPr lang="en-US" altLang="ko-KR" dirty="0" smtClean="0"/>
-              <a:t>Common Ancestor)</a:t>
+              <a:t>LCA(Lowest Common Ancestor)</a:t>
             </a:r>
             <a:endParaRPr lang="ko-KR" altLang="en-US" dirty="0"/>
           </a:p>
@@ -6281,19 +6229,7 @@
           <a:p>
             <a:r>
               <a:rPr lang="en-US" altLang="ko-KR" dirty="0" smtClean="0"/>
-              <a:t>LCA(L</a:t>
-            </a:r>
-            <a:r>
-              <a:rPr lang="en-US" altLang="ko-KR" dirty="0" smtClean="0"/>
-              <a:t>owe</a:t>
-            </a:r>
-            <a:r>
-              <a:rPr lang="en-US" altLang="ko-KR" dirty="0" smtClean="0"/>
-              <a:t>st </a:t>
-            </a:r>
-            <a:r>
-              <a:rPr lang="en-US" altLang="ko-KR" dirty="0" smtClean="0"/>
-              <a:t>Common Ancestor)</a:t>
+              <a:t>LCA(Lowest Common Ancestor)</a:t>
             </a:r>
             <a:endParaRPr lang="ko-KR" altLang="en-US" dirty="0"/>
           </a:p>
@@ -6381,19 +6317,7 @@
           <a:p>
             <a:r>
               <a:rPr lang="en-US" altLang="ko-KR" dirty="0" smtClean="0"/>
-              <a:t>LCA(L</a:t>
-            </a:r>
-            <a:r>
-              <a:rPr lang="en-US" altLang="ko-KR" dirty="0" smtClean="0"/>
-              <a:t>owe</a:t>
-            </a:r>
-            <a:r>
-              <a:rPr lang="en-US" altLang="ko-KR" dirty="0" smtClean="0"/>
-              <a:t>st </a:t>
-            </a:r>
-            <a:r>
-              <a:rPr lang="en-US" altLang="ko-KR" dirty="0" smtClean="0"/>
-              <a:t>Common Ancestor)</a:t>
+              <a:t>LCA(Lowest Common Ancestor)</a:t>
             </a:r>
             <a:endParaRPr lang="ko-KR" altLang="en-US" dirty="0"/>
           </a:p>

--- a/Chapter24/Lazy Propagation and LCA.pptx
+++ b/Chapter24/Lazy Propagation and LCA.pptx
@@ -22,14 +22,7 @@
     <p:sldId id="275" r:id="rId16"/>
     <p:sldId id="280" r:id="rId17"/>
     <p:sldId id="276" r:id="rId18"/>
-    <p:sldId id="277" r:id="rId19"/>
-    <p:sldId id="278" r:id="rId20"/>
-    <p:sldId id="279" r:id="rId21"/>
-    <p:sldId id="263" r:id="rId22"/>
-    <p:sldId id="264" r:id="rId23"/>
-    <p:sldId id="265" r:id="rId24"/>
-    <p:sldId id="266" r:id="rId25"/>
-    <p:sldId id="257" r:id="rId26"/>
+    <p:sldId id="257" r:id="rId19"/>
   </p:sldIdLst>
   <p:sldSz cx="12192000" cy="6858000"/>
   <p:notesSz cx="6858000" cy="9144000"/>
@@ -267,7 +260,7 @@
           <a:p>
             <a:fld id="{6BB49669-2DAB-4529-AA9D-1455EDFA129E}" type="datetimeFigureOut">
               <a:rPr lang="ko-KR" altLang="en-US" smtClean="0"/>
-              <a:t>2017-12-14</a:t>
+              <a:t>2017-12-17</a:t>
             </a:fld>
             <a:endParaRPr lang="ko-KR" altLang="en-US"/>
           </a:p>
@@ -437,7 +430,7 @@
           <a:p>
             <a:fld id="{6BB49669-2DAB-4529-AA9D-1455EDFA129E}" type="datetimeFigureOut">
               <a:rPr lang="ko-KR" altLang="en-US" smtClean="0"/>
-              <a:t>2017-12-14</a:t>
+              <a:t>2017-12-17</a:t>
             </a:fld>
             <a:endParaRPr lang="ko-KR" altLang="en-US"/>
           </a:p>
@@ -617,7 +610,7 @@
           <a:p>
             <a:fld id="{6BB49669-2DAB-4529-AA9D-1455EDFA129E}" type="datetimeFigureOut">
               <a:rPr lang="ko-KR" altLang="en-US" smtClean="0"/>
-              <a:t>2017-12-14</a:t>
+              <a:t>2017-12-17</a:t>
             </a:fld>
             <a:endParaRPr lang="ko-KR" altLang="en-US"/>
           </a:p>
@@ -787,7 +780,7 @@
           <a:p>
             <a:fld id="{6BB49669-2DAB-4529-AA9D-1455EDFA129E}" type="datetimeFigureOut">
               <a:rPr lang="ko-KR" altLang="en-US" smtClean="0"/>
-              <a:t>2017-12-14</a:t>
+              <a:t>2017-12-17</a:t>
             </a:fld>
             <a:endParaRPr lang="ko-KR" altLang="en-US"/>
           </a:p>
@@ -1033,7 +1026,7 @@
           <a:p>
             <a:fld id="{6BB49669-2DAB-4529-AA9D-1455EDFA129E}" type="datetimeFigureOut">
               <a:rPr lang="ko-KR" altLang="en-US" smtClean="0"/>
-              <a:t>2017-12-14</a:t>
+              <a:t>2017-12-17</a:t>
             </a:fld>
             <a:endParaRPr lang="ko-KR" altLang="en-US"/>
           </a:p>
@@ -1265,7 +1258,7 @@
           <a:p>
             <a:fld id="{6BB49669-2DAB-4529-AA9D-1455EDFA129E}" type="datetimeFigureOut">
               <a:rPr lang="ko-KR" altLang="en-US" smtClean="0"/>
-              <a:t>2017-12-14</a:t>
+              <a:t>2017-12-17</a:t>
             </a:fld>
             <a:endParaRPr lang="ko-KR" altLang="en-US"/>
           </a:p>
@@ -1632,7 +1625,7 @@
           <a:p>
             <a:fld id="{6BB49669-2DAB-4529-AA9D-1455EDFA129E}" type="datetimeFigureOut">
               <a:rPr lang="ko-KR" altLang="en-US" smtClean="0"/>
-              <a:t>2017-12-14</a:t>
+              <a:t>2017-12-17</a:t>
             </a:fld>
             <a:endParaRPr lang="ko-KR" altLang="en-US"/>
           </a:p>
@@ -1750,7 +1743,7 @@
           <a:p>
             <a:fld id="{6BB49669-2DAB-4529-AA9D-1455EDFA129E}" type="datetimeFigureOut">
               <a:rPr lang="ko-KR" altLang="en-US" smtClean="0"/>
-              <a:t>2017-12-14</a:t>
+              <a:t>2017-12-17</a:t>
             </a:fld>
             <a:endParaRPr lang="ko-KR" altLang="en-US"/>
           </a:p>
@@ -1845,7 +1838,7 @@
           <a:p>
             <a:fld id="{6BB49669-2DAB-4529-AA9D-1455EDFA129E}" type="datetimeFigureOut">
               <a:rPr lang="ko-KR" altLang="en-US" smtClean="0"/>
-              <a:t>2017-12-14</a:t>
+              <a:t>2017-12-17</a:t>
             </a:fld>
             <a:endParaRPr lang="ko-KR" altLang="en-US"/>
           </a:p>
@@ -2122,7 +2115,7 @@
           <a:p>
             <a:fld id="{6BB49669-2DAB-4529-AA9D-1455EDFA129E}" type="datetimeFigureOut">
               <a:rPr lang="ko-KR" altLang="en-US" smtClean="0"/>
-              <a:t>2017-12-14</a:t>
+              <a:t>2017-12-17</a:t>
             </a:fld>
             <a:endParaRPr lang="ko-KR" altLang="en-US"/>
           </a:p>
@@ -2375,7 +2368,7 @@
           <a:p>
             <a:fld id="{6BB49669-2DAB-4529-AA9D-1455EDFA129E}" type="datetimeFigureOut">
               <a:rPr lang="ko-KR" altLang="en-US" smtClean="0"/>
-              <a:t>2017-12-14</a:t>
+              <a:t>2017-12-17</a:t>
             </a:fld>
             <a:endParaRPr lang="ko-KR" altLang="en-US"/>
           </a:p>
@@ -2588,7 +2581,7 @@
           <a:p>
             <a:fld id="{6BB49669-2DAB-4529-AA9D-1455EDFA129E}" type="datetimeFigureOut">
               <a:rPr lang="ko-KR" altLang="en-US" smtClean="0"/>
-              <a:t>2017-12-14</a:t>
+              <a:t>2017-12-17</a:t>
             </a:fld>
             <a:endParaRPr lang="ko-KR" altLang="en-US"/>
           </a:p>
@@ -4795,8 +4788,8 @@
           <a:lstStyle/>
           <a:p>
             <a:r>
-              <a:rPr lang="en-US" altLang="ko-KR" dirty="0"/>
-              <a:t>LCA(Lowest Common Ancestor)</a:t>
+              <a:rPr lang="ko-KR" altLang="en-US" dirty="0" smtClean="0"/>
+              <a:t>숙제</a:t>
             </a:r>
             <a:endParaRPr lang="ko-KR" altLang="en-US" dirty="0"/>
           </a:p>
@@ -4816,6 +4809,30 @@
         <p:txBody>
           <a:bodyPr/>
           <a:lstStyle/>
+          <a:p>
+            <a:r>
+              <a:rPr lang="en-US" altLang="ko-KR" dirty="0" smtClean="0">
+                <a:hlinkClick r:id="rId2"/>
+              </a:rPr>
+              <a:t>https://</a:t>
+            </a:r>
+            <a:r>
+              <a:rPr lang="en-US" altLang="ko-KR" dirty="0" smtClean="0">
+                <a:hlinkClick r:id="rId2"/>
+              </a:rPr>
+              <a:t>www.acmicpc.net/problem/1395</a:t>
+            </a:r>
+            <a:endParaRPr lang="en-US" altLang="ko-KR" dirty="0" smtClean="0"/>
+          </a:p>
+          <a:p>
+            <a:r>
+              <a:rPr lang="en-US" altLang="ko-KR" dirty="0">
+                <a:hlinkClick r:id="rId3"/>
+              </a:rPr>
+              <a:t>https://www.acmicpc.net/problem/1761</a:t>
+            </a:r>
+            <a:endParaRPr lang="ko-KR" altLang="en-US" dirty="0"/>
+          </a:p>
           <a:p>
             <a:endParaRPr lang="ko-KR" altLang="en-US" dirty="0"/>
           </a:p>
@@ -4824,86 +4841,7 @@
     </p:spTree>
     <p:extLst>
       <p:ext uri="{BB962C8B-B14F-4D97-AF65-F5344CB8AC3E}">
-        <p14:creationId xmlns:p14="http://schemas.microsoft.com/office/powerpoint/2010/main" val="679748248"/>
-      </p:ext>
-    </p:extLst>
-  </p:cSld>
-  <p:clrMapOvr>
-    <a:masterClrMapping/>
-  </p:clrMapOvr>
-  <p:timing>
-    <p:tnLst>
-      <p:par>
-        <p:cTn id="1" dur="indefinite" restart="never" nodeType="tmRoot"/>
-      </p:par>
-    </p:tnLst>
-  </p:timing>
-</p:sld>
-</file>
-
-<file path=ppt/slides/slide19.xml><?xml version="1.0" encoding="utf-8"?>
-<p:sld xmlns:a="http://schemas.openxmlformats.org/drawingml/2006/main" xmlns:r="http://schemas.openxmlformats.org/officeDocument/2006/relationships" xmlns:p="http://schemas.openxmlformats.org/presentationml/2006/main">
-  <p:cSld>
-    <p:spTree>
-      <p:nvGrpSpPr>
-        <p:cNvPr id="1" name=""/>
-        <p:cNvGrpSpPr/>
-        <p:nvPr/>
-      </p:nvGrpSpPr>
-      <p:grpSpPr>
-        <a:xfrm>
-          <a:off x="0" y="0"/>
-          <a:ext cx="0" cy="0"/>
-          <a:chOff x="0" y="0"/>
-          <a:chExt cx="0" cy="0"/>
-        </a:xfrm>
-      </p:grpSpPr>
-      <p:sp>
-        <p:nvSpPr>
-          <p:cNvPr id="2" name="제목 1"/>
-          <p:cNvSpPr>
-            <a:spLocks noGrp="1"/>
-          </p:cNvSpPr>
-          <p:nvPr>
-            <p:ph type="title"/>
-          </p:nvPr>
-        </p:nvSpPr>
-        <p:spPr/>
-        <p:txBody>
-          <a:bodyPr/>
-          <a:lstStyle/>
-          <a:p>
-            <a:r>
-              <a:rPr lang="en-US" altLang="ko-KR" dirty="0"/>
-              <a:t>LCA(Lowest Common Ancestor)</a:t>
-            </a:r>
-            <a:endParaRPr lang="ko-KR" altLang="en-US" dirty="0"/>
-          </a:p>
-        </p:txBody>
-      </p:sp>
-      <p:sp>
-        <p:nvSpPr>
-          <p:cNvPr id="3" name="내용 개체 틀 2"/>
-          <p:cNvSpPr>
-            <a:spLocks noGrp="1"/>
-          </p:cNvSpPr>
-          <p:nvPr>
-            <p:ph idx="1"/>
-          </p:nvPr>
-        </p:nvSpPr>
-        <p:spPr/>
-        <p:txBody>
-          <a:bodyPr/>
-          <a:lstStyle/>
-          <a:p>
-            <a:endParaRPr lang="ko-KR" altLang="en-US" dirty="0"/>
-          </a:p>
-        </p:txBody>
-      </p:sp>
-    </p:spTree>
-    <p:extLst>
-      <p:ext uri="{BB962C8B-B14F-4D97-AF65-F5344CB8AC3E}">
-        <p14:creationId xmlns:p14="http://schemas.microsoft.com/office/powerpoint/2010/main" val="1140570488"/>
+        <p14:creationId xmlns:p14="http://schemas.microsoft.com/office/powerpoint/2010/main" val="2095177941"/>
       </p:ext>
     </p:extLst>
   </p:cSld>
@@ -5112,476 +5050,6 @@
             </p:seq>
           </p:childTnLst>
         </p:cTn>
-      </p:par>
-    </p:tnLst>
-  </p:timing>
-</p:sld>
-</file>
-
-<file path=ppt/slides/slide20.xml><?xml version="1.0" encoding="utf-8"?>
-<p:sld xmlns:a="http://schemas.openxmlformats.org/drawingml/2006/main" xmlns:r="http://schemas.openxmlformats.org/officeDocument/2006/relationships" xmlns:p="http://schemas.openxmlformats.org/presentationml/2006/main">
-  <p:cSld>
-    <p:spTree>
-      <p:nvGrpSpPr>
-        <p:cNvPr id="1" name=""/>
-        <p:cNvGrpSpPr/>
-        <p:nvPr/>
-      </p:nvGrpSpPr>
-      <p:grpSpPr>
-        <a:xfrm>
-          <a:off x="0" y="0"/>
-          <a:ext cx="0" cy="0"/>
-          <a:chOff x="0" y="0"/>
-          <a:chExt cx="0" cy="0"/>
-        </a:xfrm>
-      </p:grpSpPr>
-      <p:sp>
-        <p:nvSpPr>
-          <p:cNvPr id="2" name="제목 1"/>
-          <p:cNvSpPr>
-            <a:spLocks noGrp="1"/>
-          </p:cNvSpPr>
-          <p:nvPr>
-            <p:ph type="title"/>
-          </p:nvPr>
-        </p:nvSpPr>
-        <p:spPr/>
-        <p:txBody>
-          <a:bodyPr/>
-          <a:lstStyle/>
-          <a:p>
-            <a:r>
-              <a:rPr lang="en-US" altLang="ko-KR" dirty="0"/>
-              <a:t>LCA(Lowest Common Ancestor)</a:t>
-            </a:r>
-            <a:endParaRPr lang="ko-KR" altLang="en-US" dirty="0"/>
-          </a:p>
-        </p:txBody>
-      </p:sp>
-      <p:sp>
-        <p:nvSpPr>
-          <p:cNvPr id="3" name="내용 개체 틀 2"/>
-          <p:cNvSpPr>
-            <a:spLocks noGrp="1"/>
-          </p:cNvSpPr>
-          <p:nvPr>
-            <p:ph idx="1"/>
-          </p:nvPr>
-        </p:nvSpPr>
-        <p:spPr/>
-        <p:txBody>
-          <a:bodyPr/>
-          <a:lstStyle/>
-          <a:p>
-            <a:endParaRPr lang="ko-KR" altLang="en-US" dirty="0"/>
-          </a:p>
-        </p:txBody>
-      </p:sp>
-    </p:spTree>
-    <p:extLst>
-      <p:ext uri="{BB962C8B-B14F-4D97-AF65-F5344CB8AC3E}">
-        <p14:creationId xmlns:p14="http://schemas.microsoft.com/office/powerpoint/2010/main" val="1654567174"/>
-      </p:ext>
-    </p:extLst>
-  </p:cSld>
-  <p:clrMapOvr>
-    <a:masterClrMapping/>
-  </p:clrMapOvr>
-  <p:timing>
-    <p:tnLst>
-      <p:par>
-        <p:cTn id="1" dur="indefinite" restart="never" nodeType="tmRoot"/>
-      </p:par>
-    </p:tnLst>
-  </p:timing>
-</p:sld>
-</file>
-
-<file path=ppt/slides/slide21.xml><?xml version="1.0" encoding="utf-8"?>
-<p:sld xmlns:a="http://schemas.openxmlformats.org/drawingml/2006/main" xmlns:r="http://schemas.openxmlformats.org/officeDocument/2006/relationships" xmlns:p="http://schemas.openxmlformats.org/presentationml/2006/main">
-  <p:cSld>
-    <p:spTree>
-      <p:nvGrpSpPr>
-        <p:cNvPr id="1" name=""/>
-        <p:cNvGrpSpPr/>
-        <p:nvPr/>
-      </p:nvGrpSpPr>
-      <p:grpSpPr>
-        <a:xfrm>
-          <a:off x="0" y="0"/>
-          <a:ext cx="0" cy="0"/>
-          <a:chOff x="0" y="0"/>
-          <a:chExt cx="0" cy="0"/>
-        </a:xfrm>
-      </p:grpSpPr>
-      <p:sp>
-        <p:nvSpPr>
-          <p:cNvPr id="2" name="제목 1"/>
-          <p:cNvSpPr>
-            <a:spLocks noGrp="1"/>
-          </p:cNvSpPr>
-          <p:nvPr>
-            <p:ph type="title"/>
-          </p:nvPr>
-        </p:nvSpPr>
-        <p:spPr/>
-        <p:txBody>
-          <a:bodyPr/>
-          <a:lstStyle/>
-          <a:p>
-            <a:endParaRPr lang="ko-KR" altLang="en-US"/>
-          </a:p>
-        </p:txBody>
-      </p:sp>
-      <p:sp>
-        <p:nvSpPr>
-          <p:cNvPr id="3" name="내용 개체 틀 2"/>
-          <p:cNvSpPr>
-            <a:spLocks noGrp="1"/>
-          </p:cNvSpPr>
-          <p:nvPr>
-            <p:ph idx="1"/>
-          </p:nvPr>
-        </p:nvSpPr>
-        <p:spPr/>
-        <p:txBody>
-          <a:bodyPr/>
-          <a:lstStyle/>
-          <a:p>
-            <a:r>
-              <a:rPr lang="en-US" altLang="ko-KR" dirty="0">
-                <a:hlinkClick r:id="rId2"/>
-              </a:rPr>
-              <a:t>https://www.acmicpc.net/problem/1761</a:t>
-            </a:r>
-            <a:endParaRPr lang="ko-KR" altLang="en-US" dirty="0"/>
-          </a:p>
-        </p:txBody>
-      </p:sp>
-    </p:spTree>
-    <p:extLst>
-      <p:ext uri="{BB962C8B-B14F-4D97-AF65-F5344CB8AC3E}">
-        <p14:creationId xmlns:p14="http://schemas.microsoft.com/office/powerpoint/2010/main" val="4021521550"/>
-      </p:ext>
-    </p:extLst>
-  </p:cSld>
-  <p:clrMapOvr>
-    <a:masterClrMapping/>
-  </p:clrMapOvr>
-  <p:timing>
-    <p:tnLst>
-      <p:par>
-        <p:cTn id="1" dur="indefinite" restart="never" nodeType="tmRoot"/>
-      </p:par>
-    </p:tnLst>
-  </p:timing>
-</p:sld>
-</file>
-
-<file path=ppt/slides/slide22.xml><?xml version="1.0" encoding="utf-8"?>
-<p:sld xmlns:a="http://schemas.openxmlformats.org/drawingml/2006/main" xmlns:r="http://schemas.openxmlformats.org/officeDocument/2006/relationships" xmlns:p="http://schemas.openxmlformats.org/presentationml/2006/main">
-  <p:cSld>
-    <p:spTree>
-      <p:nvGrpSpPr>
-        <p:cNvPr id="1" name=""/>
-        <p:cNvGrpSpPr/>
-        <p:nvPr/>
-      </p:nvGrpSpPr>
-      <p:grpSpPr>
-        <a:xfrm>
-          <a:off x="0" y="0"/>
-          <a:ext cx="0" cy="0"/>
-          <a:chOff x="0" y="0"/>
-          <a:chExt cx="0" cy="0"/>
-        </a:xfrm>
-      </p:grpSpPr>
-      <p:sp>
-        <p:nvSpPr>
-          <p:cNvPr id="2" name="제목 1"/>
-          <p:cNvSpPr>
-            <a:spLocks noGrp="1"/>
-          </p:cNvSpPr>
-          <p:nvPr>
-            <p:ph type="title"/>
-          </p:nvPr>
-        </p:nvSpPr>
-        <p:spPr/>
-        <p:txBody>
-          <a:bodyPr/>
-          <a:lstStyle/>
-          <a:p>
-            <a:endParaRPr lang="ko-KR" altLang="en-US"/>
-          </a:p>
-        </p:txBody>
-      </p:sp>
-      <p:sp>
-        <p:nvSpPr>
-          <p:cNvPr id="3" name="내용 개체 틀 2"/>
-          <p:cNvSpPr>
-            <a:spLocks noGrp="1"/>
-          </p:cNvSpPr>
-          <p:nvPr>
-            <p:ph idx="1"/>
-          </p:nvPr>
-        </p:nvSpPr>
-        <p:spPr/>
-        <p:txBody>
-          <a:bodyPr/>
-          <a:lstStyle/>
-          <a:p>
-            <a:endParaRPr lang="ko-KR" altLang="en-US"/>
-          </a:p>
-        </p:txBody>
-      </p:sp>
-    </p:spTree>
-    <p:extLst>
-      <p:ext uri="{BB962C8B-B14F-4D97-AF65-F5344CB8AC3E}">
-        <p14:creationId xmlns:p14="http://schemas.microsoft.com/office/powerpoint/2010/main" val="3779789120"/>
-      </p:ext>
-    </p:extLst>
-  </p:cSld>
-  <p:clrMapOvr>
-    <a:masterClrMapping/>
-  </p:clrMapOvr>
-  <p:timing>
-    <p:tnLst>
-      <p:par>
-        <p:cTn id="1" dur="indefinite" restart="never" nodeType="tmRoot"/>
-      </p:par>
-    </p:tnLst>
-  </p:timing>
-</p:sld>
-</file>
-
-<file path=ppt/slides/slide23.xml><?xml version="1.0" encoding="utf-8"?>
-<p:sld xmlns:a="http://schemas.openxmlformats.org/drawingml/2006/main" xmlns:r="http://schemas.openxmlformats.org/officeDocument/2006/relationships" xmlns:p="http://schemas.openxmlformats.org/presentationml/2006/main">
-  <p:cSld>
-    <p:spTree>
-      <p:nvGrpSpPr>
-        <p:cNvPr id="1" name=""/>
-        <p:cNvGrpSpPr/>
-        <p:nvPr/>
-      </p:nvGrpSpPr>
-      <p:grpSpPr>
-        <a:xfrm>
-          <a:off x="0" y="0"/>
-          <a:ext cx="0" cy="0"/>
-          <a:chOff x="0" y="0"/>
-          <a:chExt cx="0" cy="0"/>
-        </a:xfrm>
-      </p:grpSpPr>
-      <p:sp>
-        <p:nvSpPr>
-          <p:cNvPr id="2" name="제목 1"/>
-          <p:cNvSpPr>
-            <a:spLocks noGrp="1"/>
-          </p:cNvSpPr>
-          <p:nvPr>
-            <p:ph type="title"/>
-          </p:nvPr>
-        </p:nvSpPr>
-        <p:spPr/>
-        <p:txBody>
-          <a:bodyPr/>
-          <a:lstStyle/>
-          <a:p>
-            <a:endParaRPr lang="ko-KR" altLang="en-US"/>
-          </a:p>
-        </p:txBody>
-      </p:sp>
-      <p:sp>
-        <p:nvSpPr>
-          <p:cNvPr id="3" name="내용 개체 틀 2"/>
-          <p:cNvSpPr>
-            <a:spLocks noGrp="1"/>
-          </p:cNvSpPr>
-          <p:nvPr>
-            <p:ph idx="1"/>
-          </p:nvPr>
-        </p:nvSpPr>
-        <p:spPr/>
-        <p:txBody>
-          <a:bodyPr/>
-          <a:lstStyle/>
-          <a:p>
-            <a:endParaRPr lang="ko-KR" altLang="en-US"/>
-          </a:p>
-        </p:txBody>
-      </p:sp>
-    </p:spTree>
-    <p:extLst>
-      <p:ext uri="{BB962C8B-B14F-4D97-AF65-F5344CB8AC3E}">
-        <p14:creationId xmlns:p14="http://schemas.microsoft.com/office/powerpoint/2010/main" val="1239729560"/>
-      </p:ext>
-    </p:extLst>
-  </p:cSld>
-  <p:clrMapOvr>
-    <a:masterClrMapping/>
-  </p:clrMapOvr>
-  <p:timing>
-    <p:tnLst>
-      <p:par>
-        <p:cTn id="1" dur="indefinite" restart="never" nodeType="tmRoot"/>
-      </p:par>
-    </p:tnLst>
-  </p:timing>
-</p:sld>
-</file>
-
-<file path=ppt/slides/slide24.xml><?xml version="1.0" encoding="utf-8"?>
-<p:sld xmlns:a="http://schemas.openxmlformats.org/drawingml/2006/main" xmlns:r="http://schemas.openxmlformats.org/officeDocument/2006/relationships" xmlns:p="http://schemas.openxmlformats.org/presentationml/2006/main">
-  <p:cSld>
-    <p:spTree>
-      <p:nvGrpSpPr>
-        <p:cNvPr id="1" name=""/>
-        <p:cNvGrpSpPr/>
-        <p:nvPr/>
-      </p:nvGrpSpPr>
-      <p:grpSpPr>
-        <a:xfrm>
-          <a:off x="0" y="0"/>
-          <a:ext cx="0" cy="0"/>
-          <a:chOff x="0" y="0"/>
-          <a:chExt cx="0" cy="0"/>
-        </a:xfrm>
-      </p:grpSpPr>
-      <p:sp>
-        <p:nvSpPr>
-          <p:cNvPr id="2" name="제목 1"/>
-          <p:cNvSpPr>
-            <a:spLocks noGrp="1"/>
-          </p:cNvSpPr>
-          <p:nvPr>
-            <p:ph type="title"/>
-          </p:nvPr>
-        </p:nvSpPr>
-        <p:spPr/>
-        <p:txBody>
-          <a:bodyPr/>
-          <a:lstStyle/>
-          <a:p>
-            <a:endParaRPr lang="ko-KR" altLang="en-US"/>
-          </a:p>
-        </p:txBody>
-      </p:sp>
-      <p:sp>
-        <p:nvSpPr>
-          <p:cNvPr id="3" name="내용 개체 틀 2"/>
-          <p:cNvSpPr>
-            <a:spLocks noGrp="1"/>
-          </p:cNvSpPr>
-          <p:nvPr>
-            <p:ph idx="1"/>
-          </p:nvPr>
-        </p:nvSpPr>
-        <p:spPr/>
-        <p:txBody>
-          <a:bodyPr/>
-          <a:lstStyle/>
-          <a:p>
-            <a:endParaRPr lang="ko-KR" altLang="en-US"/>
-          </a:p>
-        </p:txBody>
-      </p:sp>
-    </p:spTree>
-    <p:extLst>
-      <p:ext uri="{BB962C8B-B14F-4D97-AF65-F5344CB8AC3E}">
-        <p14:creationId xmlns:p14="http://schemas.microsoft.com/office/powerpoint/2010/main" val="1234844091"/>
-      </p:ext>
-    </p:extLst>
-  </p:cSld>
-  <p:clrMapOvr>
-    <a:masterClrMapping/>
-  </p:clrMapOvr>
-  <p:timing>
-    <p:tnLst>
-      <p:par>
-        <p:cTn id="1" dur="indefinite" restart="never" nodeType="tmRoot"/>
-      </p:par>
-    </p:tnLst>
-  </p:timing>
-</p:sld>
-</file>
-
-<file path=ppt/slides/slide25.xml><?xml version="1.0" encoding="utf-8"?>
-<p:sld xmlns:a="http://schemas.openxmlformats.org/drawingml/2006/main" xmlns:r="http://schemas.openxmlformats.org/officeDocument/2006/relationships" xmlns:p="http://schemas.openxmlformats.org/presentationml/2006/main">
-  <p:cSld>
-    <p:spTree>
-      <p:nvGrpSpPr>
-        <p:cNvPr id="1" name=""/>
-        <p:cNvGrpSpPr/>
-        <p:nvPr/>
-      </p:nvGrpSpPr>
-      <p:grpSpPr>
-        <a:xfrm>
-          <a:off x="0" y="0"/>
-          <a:ext cx="0" cy="0"/>
-          <a:chOff x="0" y="0"/>
-          <a:chExt cx="0" cy="0"/>
-        </a:xfrm>
-      </p:grpSpPr>
-      <p:sp>
-        <p:nvSpPr>
-          <p:cNvPr id="2" name="제목 1"/>
-          <p:cNvSpPr>
-            <a:spLocks noGrp="1"/>
-          </p:cNvSpPr>
-          <p:nvPr>
-            <p:ph type="title"/>
-          </p:nvPr>
-        </p:nvSpPr>
-        <p:spPr/>
-        <p:txBody>
-          <a:bodyPr/>
-          <a:lstStyle/>
-          <a:p>
-            <a:r>
-              <a:rPr lang="ko-KR" altLang="en-US" dirty="0" smtClean="0"/>
-              <a:t>숙제</a:t>
-            </a:r>
-            <a:endParaRPr lang="ko-KR" altLang="en-US" dirty="0"/>
-          </a:p>
-        </p:txBody>
-      </p:sp>
-      <p:sp>
-        <p:nvSpPr>
-          <p:cNvPr id="3" name="내용 개체 틀 2"/>
-          <p:cNvSpPr>
-            <a:spLocks noGrp="1"/>
-          </p:cNvSpPr>
-          <p:nvPr>
-            <p:ph idx="1"/>
-          </p:nvPr>
-        </p:nvSpPr>
-        <p:spPr/>
-        <p:txBody>
-          <a:bodyPr/>
-          <a:lstStyle/>
-          <a:p>
-            <a:r>
-              <a:rPr lang="en-US" altLang="ko-KR" dirty="0" smtClean="0">
-                <a:hlinkClick r:id="rId2"/>
-              </a:rPr>
-              <a:t>https://www.acmicpc.net/problem/1395</a:t>
-            </a:r>
-            <a:endParaRPr lang="ko-KR" altLang="en-US" dirty="0"/>
-          </a:p>
-        </p:txBody>
-      </p:sp>
-    </p:spTree>
-    <p:extLst>
-      <p:ext uri="{BB962C8B-B14F-4D97-AF65-F5344CB8AC3E}">
-        <p14:creationId xmlns:p14="http://schemas.microsoft.com/office/powerpoint/2010/main" val="2095177941"/>
-      </p:ext>
-    </p:extLst>
-  </p:cSld>
-  <p:clrMapOvr>
-    <a:masterClrMapping/>
-  </p:clrMapOvr>
-  <p:timing>
-    <p:tnLst>
-      <p:par>
-        <p:cTn id="1" dur="indefinite" restart="never" nodeType="tmRoot"/>
       </p:par>
     </p:tnLst>
   </p:timing>

--- a/Chapter24/Lazy Propagation and LCA.pptx
+++ b/Chapter24/Lazy Propagation and LCA.pptx
@@ -129,6 +129,10 @@
 </p:presentation>
 </file>
 
+<file path=ppt/revisionInfo.xml><?xml version="1.0" encoding="utf-8"?>
+<p1510:revInfo xmlns:a="http://schemas.openxmlformats.org/drawingml/2006/main" xmlns:r="http://schemas.openxmlformats.org/officeDocument/2006/relationships" xmlns:p1510="http://schemas.microsoft.com/office/powerpoint/2015/10/main"/>
+</file>
+
 <file path=ppt/slideLayouts/slideLayout1.xml><?xml version="1.0" encoding="utf-8"?>
 <p:sldLayout xmlns:a="http://schemas.openxmlformats.org/drawingml/2006/main" xmlns:r="http://schemas.openxmlformats.org/officeDocument/2006/relationships" xmlns:p="http://schemas.openxmlformats.org/presentationml/2006/main" type="title" preserve="1">
   <p:cSld name="제목 슬라이드">
@@ -171,10 +175,9 @@
           </a:lstStyle>
           <a:p>
             <a:r>
-              <a:rPr lang="ko-KR" altLang="en-US" smtClean="0"/>
+              <a:rPr lang="ko-KR" altLang="en-US"/>
               <a:t>마스터 제목 스타일 편집</a:t>
             </a:r>
-            <a:endParaRPr lang="ko-KR" altLang="en-US"/>
           </a:p>
         </p:txBody>
       </p:sp>
@@ -236,10 +239,9 @@
           </a:lstStyle>
           <a:p>
             <a:r>
-              <a:rPr lang="ko-KR" altLang="en-US" smtClean="0"/>
+              <a:rPr lang="ko-KR" altLang="en-US"/>
               <a:t>클릭하여 마스터 부제목 스타일 편집</a:t>
             </a:r>
-            <a:endParaRPr lang="ko-KR" altLang="en-US"/>
           </a:p>
         </p:txBody>
       </p:sp>
@@ -354,10 +356,9 @@
           <a:lstStyle/>
           <a:p>
             <a:r>
-              <a:rPr lang="ko-KR" altLang="en-US" smtClean="0"/>
+              <a:rPr lang="ko-KR" altLang="en-US"/>
               <a:t>마스터 제목 스타일 편집</a:t>
             </a:r>
-            <a:endParaRPr lang="ko-KR" altLang="en-US"/>
           </a:p>
         </p:txBody>
       </p:sp>
@@ -378,38 +379,37 @@
           <a:p>
             <a:pPr lvl="0"/>
             <a:r>
-              <a:rPr lang="ko-KR" altLang="en-US" smtClean="0"/>
+              <a:rPr lang="ko-KR" altLang="en-US"/>
               <a:t>마스터 텍스트 스타일 편집</a:t>
             </a:r>
           </a:p>
           <a:p>
             <a:pPr lvl="1"/>
             <a:r>
-              <a:rPr lang="ko-KR" altLang="en-US" smtClean="0"/>
+              <a:rPr lang="ko-KR" altLang="en-US"/>
               <a:t>둘째 수준</a:t>
             </a:r>
           </a:p>
           <a:p>
             <a:pPr lvl="2"/>
             <a:r>
-              <a:rPr lang="ko-KR" altLang="en-US" smtClean="0"/>
+              <a:rPr lang="ko-KR" altLang="en-US"/>
               <a:t>셋째 수준</a:t>
             </a:r>
           </a:p>
           <a:p>
             <a:pPr lvl="3"/>
             <a:r>
-              <a:rPr lang="ko-KR" altLang="en-US" smtClean="0"/>
+              <a:rPr lang="ko-KR" altLang="en-US"/>
               <a:t>넷째 수준</a:t>
             </a:r>
           </a:p>
           <a:p>
             <a:pPr lvl="4"/>
             <a:r>
-              <a:rPr lang="ko-KR" altLang="en-US" smtClean="0"/>
+              <a:rPr lang="ko-KR" altLang="en-US"/>
               <a:t>다섯째 수준</a:t>
             </a:r>
-            <a:endParaRPr lang="ko-KR" altLang="en-US"/>
           </a:p>
         </p:txBody>
       </p:sp>
@@ -529,10 +529,9 @@
           <a:lstStyle/>
           <a:p>
             <a:r>
-              <a:rPr lang="ko-KR" altLang="en-US" smtClean="0"/>
+              <a:rPr lang="ko-KR" altLang="en-US"/>
               <a:t>마스터 제목 스타일 편집</a:t>
             </a:r>
-            <a:endParaRPr lang="ko-KR" altLang="en-US"/>
           </a:p>
         </p:txBody>
       </p:sp>
@@ -558,38 +557,37 @@
           <a:p>
             <a:pPr lvl="0"/>
             <a:r>
-              <a:rPr lang="ko-KR" altLang="en-US" smtClean="0"/>
+              <a:rPr lang="ko-KR" altLang="en-US"/>
               <a:t>마스터 텍스트 스타일 편집</a:t>
             </a:r>
           </a:p>
           <a:p>
             <a:pPr lvl="1"/>
             <a:r>
-              <a:rPr lang="ko-KR" altLang="en-US" smtClean="0"/>
+              <a:rPr lang="ko-KR" altLang="en-US"/>
               <a:t>둘째 수준</a:t>
             </a:r>
           </a:p>
           <a:p>
             <a:pPr lvl="2"/>
             <a:r>
-              <a:rPr lang="ko-KR" altLang="en-US" smtClean="0"/>
+              <a:rPr lang="ko-KR" altLang="en-US"/>
               <a:t>셋째 수준</a:t>
             </a:r>
           </a:p>
           <a:p>
             <a:pPr lvl="3"/>
             <a:r>
-              <a:rPr lang="ko-KR" altLang="en-US" smtClean="0"/>
+              <a:rPr lang="ko-KR" altLang="en-US"/>
               <a:t>넷째 수준</a:t>
             </a:r>
           </a:p>
           <a:p>
             <a:pPr lvl="4"/>
             <a:r>
-              <a:rPr lang="ko-KR" altLang="en-US" smtClean="0"/>
+              <a:rPr lang="ko-KR" altLang="en-US"/>
               <a:t>다섯째 수준</a:t>
             </a:r>
-            <a:endParaRPr lang="ko-KR" altLang="en-US"/>
           </a:p>
         </p:txBody>
       </p:sp>
@@ -704,10 +702,9 @@
           <a:lstStyle/>
           <a:p>
             <a:r>
-              <a:rPr lang="ko-KR" altLang="en-US" smtClean="0"/>
+              <a:rPr lang="ko-KR" altLang="en-US"/>
               <a:t>마스터 제목 스타일 편집</a:t>
             </a:r>
-            <a:endParaRPr lang="ko-KR" altLang="en-US"/>
           </a:p>
         </p:txBody>
       </p:sp>
@@ -728,38 +725,37 @@
           <a:p>
             <a:pPr lvl="0"/>
             <a:r>
-              <a:rPr lang="ko-KR" altLang="en-US" smtClean="0"/>
+              <a:rPr lang="ko-KR" altLang="en-US"/>
               <a:t>마스터 텍스트 스타일 편집</a:t>
             </a:r>
           </a:p>
           <a:p>
             <a:pPr lvl="1"/>
             <a:r>
-              <a:rPr lang="ko-KR" altLang="en-US" smtClean="0"/>
+              <a:rPr lang="ko-KR" altLang="en-US"/>
               <a:t>둘째 수준</a:t>
             </a:r>
           </a:p>
           <a:p>
             <a:pPr lvl="2"/>
             <a:r>
-              <a:rPr lang="ko-KR" altLang="en-US" smtClean="0"/>
+              <a:rPr lang="ko-KR" altLang="en-US"/>
               <a:t>셋째 수준</a:t>
             </a:r>
           </a:p>
           <a:p>
             <a:pPr lvl="3"/>
             <a:r>
-              <a:rPr lang="ko-KR" altLang="en-US" smtClean="0"/>
+              <a:rPr lang="ko-KR" altLang="en-US"/>
               <a:t>넷째 수준</a:t>
             </a:r>
           </a:p>
           <a:p>
             <a:pPr lvl="4"/>
             <a:r>
-              <a:rPr lang="ko-KR" altLang="en-US" smtClean="0"/>
+              <a:rPr lang="ko-KR" altLang="en-US"/>
               <a:t>다섯째 수준</a:t>
             </a:r>
-            <a:endParaRPr lang="ko-KR" altLang="en-US"/>
           </a:p>
         </p:txBody>
       </p:sp>
@@ -883,10 +879,9 @@
           </a:lstStyle>
           <a:p>
             <a:r>
-              <a:rPr lang="ko-KR" altLang="en-US" smtClean="0"/>
+              <a:rPr lang="ko-KR" altLang="en-US"/>
               <a:t>마스터 제목 스타일 편집</a:t>
             </a:r>
-            <a:endParaRPr lang="ko-KR" altLang="en-US"/>
           </a:p>
         </p:txBody>
       </p:sp>
@@ -1003,7 +998,7 @@
           <a:p>
             <a:pPr lvl="0"/>
             <a:r>
-              <a:rPr lang="ko-KR" altLang="en-US" smtClean="0"/>
+              <a:rPr lang="ko-KR" altLang="en-US"/>
               <a:t>마스터 텍스트 스타일 편집</a:t>
             </a:r>
           </a:p>
@@ -1120,10 +1115,9 @@
           <a:lstStyle/>
           <a:p>
             <a:r>
-              <a:rPr lang="ko-KR" altLang="en-US" smtClean="0"/>
+              <a:rPr lang="ko-KR" altLang="en-US"/>
               <a:t>마스터 제목 스타일 편집</a:t>
             </a:r>
-            <a:endParaRPr lang="ko-KR" altLang="en-US"/>
           </a:p>
         </p:txBody>
       </p:sp>
@@ -1149,38 +1143,37 @@
           <a:p>
             <a:pPr lvl="0"/>
             <a:r>
-              <a:rPr lang="ko-KR" altLang="en-US" smtClean="0"/>
+              <a:rPr lang="ko-KR" altLang="en-US"/>
               <a:t>마스터 텍스트 스타일 편집</a:t>
             </a:r>
           </a:p>
           <a:p>
             <a:pPr lvl="1"/>
             <a:r>
-              <a:rPr lang="ko-KR" altLang="en-US" smtClean="0"/>
+              <a:rPr lang="ko-KR" altLang="en-US"/>
               <a:t>둘째 수준</a:t>
             </a:r>
           </a:p>
           <a:p>
             <a:pPr lvl="2"/>
             <a:r>
-              <a:rPr lang="ko-KR" altLang="en-US" smtClean="0"/>
+              <a:rPr lang="ko-KR" altLang="en-US"/>
               <a:t>셋째 수준</a:t>
             </a:r>
           </a:p>
           <a:p>
             <a:pPr lvl="3"/>
             <a:r>
-              <a:rPr lang="ko-KR" altLang="en-US" smtClean="0"/>
+              <a:rPr lang="ko-KR" altLang="en-US"/>
               <a:t>넷째 수준</a:t>
             </a:r>
           </a:p>
           <a:p>
             <a:pPr lvl="4"/>
             <a:r>
-              <a:rPr lang="ko-KR" altLang="en-US" smtClean="0"/>
+              <a:rPr lang="ko-KR" altLang="en-US"/>
               <a:t>다섯째 수준</a:t>
             </a:r>
-            <a:endParaRPr lang="ko-KR" altLang="en-US"/>
           </a:p>
         </p:txBody>
       </p:sp>
@@ -1206,38 +1199,37 @@
           <a:p>
             <a:pPr lvl="0"/>
             <a:r>
-              <a:rPr lang="ko-KR" altLang="en-US" smtClean="0"/>
+              <a:rPr lang="ko-KR" altLang="en-US"/>
               <a:t>마스터 텍스트 스타일 편집</a:t>
             </a:r>
           </a:p>
           <a:p>
             <a:pPr lvl="1"/>
             <a:r>
-              <a:rPr lang="ko-KR" altLang="en-US" smtClean="0"/>
+              <a:rPr lang="ko-KR" altLang="en-US"/>
               <a:t>둘째 수준</a:t>
             </a:r>
           </a:p>
           <a:p>
             <a:pPr lvl="2"/>
             <a:r>
-              <a:rPr lang="ko-KR" altLang="en-US" smtClean="0"/>
+              <a:rPr lang="ko-KR" altLang="en-US"/>
               <a:t>셋째 수준</a:t>
             </a:r>
           </a:p>
           <a:p>
             <a:pPr lvl="3"/>
             <a:r>
-              <a:rPr lang="ko-KR" altLang="en-US" smtClean="0"/>
+              <a:rPr lang="ko-KR" altLang="en-US"/>
               <a:t>넷째 수준</a:t>
             </a:r>
           </a:p>
           <a:p>
             <a:pPr lvl="4"/>
             <a:r>
-              <a:rPr lang="ko-KR" altLang="en-US" smtClean="0"/>
+              <a:rPr lang="ko-KR" altLang="en-US"/>
               <a:t>다섯째 수준</a:t>
             </a:r>
-            <a:endParaRPr lang="ko-KR" altLang="en-US"/>
           </a:p>
         </p:txBody>
       </p:sp>
@@ -1357,10 +1349,9 @@
           <a:lstStyle/>
           <a:p>
             <a:r>
-              <a:rPr lang="ko-KR" altLang="en-US" smtClean="0"/>
+              <a:rPr lang="ko-KR" altLang="en-US"/>
               <a:t>마스터 제목 스타일 편집</a:t>
             </a:r>
-            <a:endParaRPr lang="ko-KR" altLang="en-US"/>
           </a:p>
         </p:txBody>
       </p:sp>
@@ -1423,7 +1414,7 @@
           <a:p>
             <a:pPr lvl="0"/>
             <a:r>
-              <a:rPr lang="ko-KR" altLang="en-US" smtClean="0"/>
+              <a:rPr lang="ko-KR" altLang="en-US"/>
               <a:t>마스터 텍스트 스타일 편집</a:t>
             </a:r>
           </a:p>
@@ -1451,38 +1442,37 @@
           <a:p>
             <a:pPr lvl="0"/>
             <a:r>
-              <a:rPr lang="ko-KR" altLang="en-US" smtClean="0"/>
+              <a:rPr lang="ko-KR" altLang="en-US"/>
               <a:t>마스터 텍스트 스타일 편집</a:t>
             </a:r>
           </a:p>
           <a:p>
             <a:pPr lvl="1"/>
             <a:r>
-              <a:rPr lang="ko-KR" altLang="en-US" smtClean="0"/>
+              <a:rPr lang="ko-KR" altLang="en-US"/>
               <a:t>둘째 수준</a:t>
             </a:r>
           </a:p>
           <a:p>
             <a:pPr lvl="2"/>
             <a:r>
-              <a:rPr lang="ko-KR" altLang="en-US" smtClean="0"/>
+              <a:rPr lang="ko-KR" altLang="en-US"/>
               <a:t>셋째 수준</a:t>
             </a:r>
           </a:p>
           <a:p>
             <a:pPr lvl="3"/>
             <a:r>
-              <a:rPr lang="ko-KR" altLang="en-US" smtClean="0"/>
+              <a:rPr lang="ko-KR" altLang="en-US"/>
               <a:t>넷째 수준</a:t>
             </a:r>
           </a:p>
           <a:p>
             <a:pPr lvl="4"/>
             <a:r>
-              <a:rPr lang="ko-KR" altLang="en-US" smtClean="0"/>
+              <a:rPr lang="ko-KR" altLang="en-US"/>
               <a:t>다섯째 수준</a:t>
             </a:r>
-            <a:endParaRPr lang="ko-KR" altLang="en-US"/>
           </a:p>
         </p:txBody>
       </p:sp>
@@ -1545,7 +1535,7 @@
           <a:p>
             <a:pPr lvl="0"/>
             <a:r>
-              <a:rPr lang="ko-KR" altLang="en-US" smtClean="0"/>
+              <a:rPr lang="ko-KR" altLang="en-US"/>
               <a:t>마스터 텍스트 스타일 편집</a:t>
             </a:r>
           </a:p>
@@ -1573,38 +1563,37 @@
           <a:p>
             <a:pPr lvl="0"/>
             <a:r>
-              <a:rPr lang="ko-KR" altLang="en-US" smtClean="0"/>
+              <a:rPr lang="ko-KR" altLang="en-US"/>
               <a:t>마스터 텍스트 스타일 편집</a:t>
             </a:r>
           </a:p>
           <a:p>
             <a:pPr lvl="1"/>
             <a:r>
-              <a:rPr lang="ko-KR" altLang="en-US" smtClean="0"/>
+              <a:rPr lang="ko-KR" altLang="en-US"/>
               <a:t>둘째 수준</a:t>
             </a:r>
           </a:p>
           <a:p>
             <a:pPr lvl="2"/>
             <a:r>
-              <a:rPr lang="ko-KR" altLang="en-US" smtClean="0"/>
+              <a:rPr lang="ko-KR" altLang="en-US"/>
               <a:t>셋째 수준</a:t>
             </a:r>
           </a:p>
           <a:p>
             <a:pPr lvl="3"/>
             <a:r>
-              <a:rPr lang="ko-KR" altLang="en-US" smtClean="0"/>
+              <a:rPr lang="ko-KR" altLang="en-US"/>
               <a:t>넷째 수준</a:t>
             </a:r>
           </a:p>
           <a:p>
             <a:pPr lvl="4"/>
             <a:r>
-              <a:rPr lang="ko-KR" altLang="en-US" smtClean="0"/>
+              <a:rPr lang="ko-KR" altLang="en-US"/>
               <a:t>다섯째 수준</a:t>
             </a:r>
-            <a:endParaRPr lang="ko-KR" altLang="en-US"/>
           </a:p>
         </p:txBody>
       </p:sp>
@@ -1719,10 +1708,9 @@
           <a:lstStyle/>
           <a:p>
             <a:r>
-              <a:rPr lang="ko-KR" altLang="en-US" smtClean="0"/>
+              <a:rPr lang="ko-KR" altLang="en-US"/>
               <a:t>마스터 제목 스타일 편집</a:t>
             </a:r>
-            <a:endParaRPr lang="ko-KR" altLang="en-US"/>
           </a:p>
         </p:txBody>
       </p:sp>
@@ -1941,10 +1929,9 @@
           </a:lstStyle>
           <a:p>
             <a:r>
-              <a:rPr lang="ko-KR" altLang="en-US" smtClean="0"/>
+              <a:rPr lang="ko-KR" altLang="en-US"/>
               <a:t>마스터 제목 스타일 편집</a:t>
             </a:r>
-            <a:endParaRPr lang="ko-KR" altLang="en-US"/>
           </a:p>
         </p:txBody>
       </p:sp>
@@ -1998,38 +1985,37 @@
           <a:p>
             <a:pPr lvl="0"/>
             <a:r>
-              <a:rPr lang="ko-KR" altLang="en-US" smtClean="0"/>
+              <a:rPr lang="ko-KR" altLang="en-US"/>
               <a:t>마스터 텍스트 스타일 편집</a:t>
             </a:r>
           </a:p>
           <a:p>
             <a:pPr lvl="1"/>
             <a:r>
-              <a:rPr lang="ko-KR" altLang="en-US" smtClean="0"/>
+              <a:rPr lang="ko-KR" altLang="en-US"/>
               <a:t>둘째 수준</a:t>
             </a:r>
           </a:p>
           <a:p>
             <a:pPr lvl="2"/>
             <a:r>
-              <a:rPr lang="ko-KR" altLang="en-US" smtClean="0"/>
+              <a:rPr lang="ko-KR" altLang="en-US"/>
               <a:t>셋째 수준</a:t>
             </a:r>
           </a:p>
           <a:p>
             <a:pPr lvl="3"/>
             <a:r>
-              <a:rPr lang="ko-KR" altLang="en-US" smtClean="0"/>
+              <a:rPr lang="ko-KR" altLang="en-US"/>
               <a:t>넷째 수준</a:t>
             </a:r>
           </a:p>
           <a:p>
             <a:pPr lvl="4"/>
             <a:r>
-              <a:rPr lang="ko-KR" altLang="en-US" smtClean="0"/>
+              <a:rPr lang="ko-KR" altLang="en-US"/>
               <a:t>다섯째 수준</a:t>
             </a:r>
-            <a:endParaRPr lang="ko-KR" altLang="en-US"/>
           </a:p>
         </p:txBody>
       </p:sp>
@@ -2092,7 +2078,7 @@
           <a:p>
             <a:pPr lvl="0"/>
             <a:r>
-              <a:rPr lang="ko-KR" altLang="en-US" smtClean="0"/>
+              <a:rPr lang="ko-KR" altLang="en-US"/>
               <a:t>마스터 텍스트 스타일 편집</a:t>
             </a:r>
           </a:p>
@@ -2218,10 +2204,9 @@
           </a:lstStyle>
           <a:p>
             <a:r>
-              <a:rPr lang="ko-KR" altLang="en-US" smtClean="0"/>
+              <a:rPr lang="ko-KR" altLang="en-US"/>
               <a:t>마스터 제목 스타일 편집</a:t>
             </a:r>
-            <a:endParaRPr lang="ko-KR" altLang="en-US"/>
           </a:p>
         </p:txBody>
       </p:sp>
@@ -2345,7 +2330,7 @@
           <a:p>
             <a:pPr lvl="0"/>
             <a:r>
-              <a:rPr lang="ko-KR" altLang="en-US" smtClean="0"/>
+              <a:rPr lang="ko-KR" altLang="en-US"/>
               <a:t>마스터 텍스트 스타일 편집</a:t>
             </a:r>
           </a:p>
@@ -2477,10 +2462,9 @@
           <a:lstStyle/>
           <a:p>
             <a:r>
-              <a:rPr lang="ko-KR" altLang="en-US" smtClean="0"/>
+              <a:rPr lang="ko-KR" altLang="en-US"/>
               <a:t>마스터 제목 스타일 편집</a:t>
             </a:r>
-            <a:endParaRPr lang="ko-KR" altLang="en-US"/>
           </a:p>
         </p:txBody>
       </p:sp>
@@ -2511,38 +2495,37 @@
           <a:p>
             <a:pPr lvl="0"/>
             <a:r>
-              <a:rPr lang="ko-KR" altLang="en-US" smtClean="0"/>
+              <a:rPr lang="ko-KR" altLang="en-US"/>
               <a:t>마스터 텍스트 스타일 편집</a:t>
             </a:r>
           </a:p>
           <a:p>
             <a:pPr lvl="1"/>
             <a:r>
-              <a:rPr lang="ko-KR" altLang="en-US" smtClean="0"/>
+              <a:rPr lang="ko-KR" altLang="en-US"/>
               <a:t>둘째 수준</a:t>
             </a:r>
           </a:p>
           <a:p>
             <a:pPr lvl="2"/>
             <a:r>
-              <a:rPr lang="ko-KR" altLang="en-US" smtClean="0"/>
+              <a:rPr lang="ko-KR" altLang="en-US"/>
               <a:t>셋째 수준</a:t>
             </a:r>
           </a:p>
           <a:p>
             <a:pPr lvl="3"/>
             <a:r>
-              <a:rPr lang="ko-KR" altLang="en-US" smtClean="0"/>
+              <a:rPr lang="ko-KR" altLang="en-US"/>
               <a:t>넷째 수준</a:t>
             </a:r>
           </a:p>
           <a:p>
             <a:pPr lvl="4"/>
             <a:r>
-              <a:rPr lang="ko-KR" altLang="en-US" smtClean="0"/>
+              <a:rPr lang="ko-KR" altLang="en-US"/>
               <a:t>다섯째 수준</a:t>
             </a:r>
-            <a:endParaRPr lang="ko-KR" altLang="en-US"/>
           </a:p>
         </p:txBody>
       </p:sp>
@@ -3002,14 +2985,14 @@
           <a:lstStyle/>
           <a:p>
             <a:r>
-              <a:rPr lang="en-US" altLang="ko-KR" dirty="0" smtClean="0"/>
+              <a:rPr lang="en-US" altLang="ko-KR" dirty="0"/>
               <a:t>Lazy Propagation</a:t>
             </a:r>
             <a:br>
-              <a:rPr lang="en-US" altLang="ko-KR" dirty="0" smtClean="0"/>
+              <a:rPr lang="en-US" altLang="ko-KR" dirty="0"/>
             </a:br>
             <a:r>
-              <a:rPr lang="en-US" altLang="ko-KR" dirty="0" smtClean="0"/>
+              <a:rPr lang="en-US" altLang="ko-KR" dirty="0"/>
               <a:t>LCA</a:t>
             </a:r>
             <a:endParaRPr lang="ko-KR" altLang="en-US" dirty="0"/>
@@ -3045,13 +3028,6 @@
   <p:clrMapOvr>
     <a:masterClrMapping/>
   </p:clrMapOvr>
-  <p:timing>
-    <p:tnLst>
-      <p:par>
-        <p:cTn id="1" dur="indefinite" restart="never" nodeType="tmRoot"/>
-      </p:par>
-    </p:tnLst>
-  </p:timing>
 </p:sld>
 </file>
 
@@ -3088,7 +3064,7 @@
           <a:lstStyle/>
           <a:p>
             <a:r>
-              <a:rPr lang="en-US" altLang="ko-KR" dirty="0" smtClean="0"/>
+              <a:rPr lang="en-US" altLang="ko-KR" dirty="0"/>
               <a:t>LCA(Lowest Common Ancestor)</a:t>
             </a:r>
             <a:endParaRPr lang="ko-KR" altLang="en-US" dirty="0"/>
@@ -3109,26 +3085,6 @@
         <p:txBody>
           <a:bodyPr/>
           <a:lstStyle/>
-          <a:p>
-            <a:pPr marL="0" indent="0">
-              <a:buNone/>
-            </a:pPr>
-            <a:endParaRPr lang="en-US" altLang="ko-KR" dirty="0" smtClean="0"/>
-          </a:p>
-          <a:p>
-            <a:pPr marL="0" indent="0">
-              <a:buNone/>
-            </a:pPr>
-            <a:r>
-              <a:rPr lang="en-US" altLang="ko-KR" dirty="0" smtClean="0"/>
-              <a:t>LCA</a:t>
-            </a:r>
-            <a:r>
-              <a:rPr lang="ko-KR" altLang="en-US" dirty="0" smtClean="0"/>
-              <a:t>를 가장 단순하고 쉽게 찾는 방법은</a:t>
-            </a:r>
-            <a:endParaRPr lang="en-US" altLang="ko-KR" dirty="0" smtClean="0"/>
-          </a:p>
           <a:p>
             <a:pPr marL="0" indent="0">
               <a:buNone/>
@@ -3140,27 +3096,14 @@
               <a:buNone/>
             </a:pPr>
             <a:r>
-              <a:rPr lang="ko-KR" altLang="en-US" dirty="0" smtClean="0"/>
-              <a:t>두 정점 중 깊이가 더 깊은 정점에서 계속 부모로 이동</a:t>
-            </a:r>
-            <a:r>
-              <a:rPr lang="en-US" altLang="ko-KR" dirty="0" smtClean="0"/>
-              <a:t>.</a:t>
+              <a:rPr lang="en-US" altLang="ko-KR" dirty="0"/>
+              <a:t>LCA</a:t>
+            </a:r>
+            <a:r>
+              <a:rPr lang="ko-KR" altLang="en-US" dirty="0"/>
+              <a:t>를 가장 단순하고 쉽게 찾는 방법은</a:t>
             </a:r>
             <a:endParaRPr lang="en-US" altLang="ko-KR" dirty="0"/>
-          </a:p>
-          <a:p>
-            <a:pPr marL="0" indent="0">
-              <a:buNone/>
-            </a:pPr>
-            <a:r>
-              <a:rPr lang="ko-KR" altLang="en-US" dirty="0" smtClean="0"/>
-              <a:t>둘의 깊이가 같아질 때까지</a:t>
-            </a:r>
-            <a:r>
-              <a:rPr lang="en-US" altLang="ko-KR" dirty="0" smtClean="0"/>
-              <a:t>.</a:t>
-            </a:r>
           </a:p>
           <a:p>
             <a:pPr marL="0" indent="0">
@@ -3173,19 +3116,51 @@
               <a:buNone/>
             </a:pPr>
             <a:r>
-              <a:rPr lang="ko-KR" altLang="en-US" dirty="0" smtClean="0"/>
+              <a:rPr lang="ko-KR" altLang="en-US" dirty="0"/>
+              <a:t>두 정점 중 깊이가 더 깊은 정점에서 계속 부모로 이동</a:t>
+            </a:r>
+            <a:r>
+              <a:rPr lang="en-US" altLang="ko-KR" dirty="0"/>
+              <a:t>.</a:t>
+            </a:r>
+          </a:p>
+          <a:p>
+            <a:pPr marL="0" indent="0">
+              <a:buNone/>
+            </a:pPr>
+            <a:r>
+              <a:rPr lang="ko-KR" altLang="en-US" dirty="0"/>
+              <a:t>둘의 깊이가 같아질 때까지</a:t>
+            </a:r>
+            <a:r>
+              <a:rPr lang="en-US" altLang="ko-KR" dirty="0"/>
+              <a:t>.</a:t>
+            </a:r>
+          </a:p>
+          <a:p>
+            <a:pPr marL="0" indent="0">
+              <a:buNone/>
+            </a:pPr>
+            <a:endParaRPr lang="en-US" altLang="ko-KR" dirty="0"/>
+          </a:p>
+          <a:p>
+            <a:pPr marL="0" indent="0">
+              <a:buNone/>
+            </a:pPr>
+            <a:r>
+              <a:rPr lang="ko-KR" altLang="en-US" dirty="0"/>
               <a:t>그리고 두 정점이 만날 때까지 두 정점을 동시에 부모로 이동시키면</a:t>
             </a:r>
             <a:r>
-              <a:rPr lang="en-US" altLang="ko-KR" dirty="0" smtClean="0"/>
+              <a:rPr lang="en-US" altLang="ko-KR" dirty="0"/>
               <a:t>, </a:t>
             </a:r>
             <a:r>
-              <a:rPr lang="ko-KR" altLang="en-US" dirty="0" smtClean="0"/>
+              <a:rPr lang="ko-KR" altLang="en-US" dirty="0"/>
               <a:t>두 정점이 만나는 지점이 </a:t>
             </a:r>
             <a:r>
-              <a:rPr lang="en-US" altLang="ko-KR" dirty="0" smtClean="0"/>
+              <a:rPr lang="en-US" altLang="ko-KR" dirty="0"/>
               <a:t>LCA.</a:t>
             </a:r>
             <a:endParaRPr lang="ko-KR" altLang="en-US" dirty="0"/>
@@ -3202,13 +3177,6 @@
   <p:clrMapOvr>
     <a:masterClrMapping/>
   </p:clrMapOvr>
-  <p:timing>
-    <p:tnLst>
-      <p:par>
-        <p:cTn id="1" dur="indefinite" restart="never" nodeType="tmRoot"/>
-      </p:par>
-    </p:tnLst>
-  </p:timing>
 </p:sld>
 </file>
 
@@ -3270,18 +3238,18 @@
             <a:pPr marL="0" indent="0">
               <a:buNone/>
             </a:pPr>
-            <a:endParaRPr lang="en-US" altLang="ko-KR" dirty="0" smtClean="0"/>
+            <a:endParaRPr lang="en-US" altLang="ko-KR" dirty="0"/>
           </a:p>
           <a:p>
             <a:pPr marL="0" indent="0">
               <a:buNone/>
             </a:pPr>
             <a:r>
-              <a:rPr lang="ko-KR" altLang="en-US" dirty="0" smtClean="0"/>
+              <a:rPr lang="ko-KR" altLang="en-US" dirty="0"/>
               <a:t>하지만 이 방법은 최악의 경우 </a:t>
             </a:r>
             <a:r>
-              <a:rPr lang="en-US" altLang="ko-KR" dirty="0" smtClean="0"/>
+              <a:rPr lang="en-US" altLang="ko-KR" dirty="0"/>
               <a:t>O(N)</a:t>
             </a:r>
           </a:p>
@@ -3295,34 +3263,34 @@
             <a:pPr marL="0" indent="0">
               <a:buNone/>
             </a:pPr>
-            <a:endParaRPr lang="en-US" altLang="ko-KR" dirty="0" smtClean="0"/>
+            <a:endParaRPr lang="en-US" altLang="ko-KR" dirty="0"/>
           </a:p>
           <a:p>
             <a:pPr marL="0" indent="0">
               <a:buNone/>
             </a:pPr>
             <a:r>
-              <a:rPr lang="ko-KR" altLang="en-US" dirty="0" smtClean="0"/>
+              <a:rPr lang="ko-KR" altLang="en-US" dirty="0"/>
               <a:t>그러나 </a:t>
             </a:r>
             <a:r>
-              <a:rPr lang="en-US" altLang="ko-KR" dirty="0" smtClean="0"/>
+              <a:rPr lang="en-US" altLang="ko-KR" dirty="0"/>
               <a:t>O(</a:t>
             </a:r>
             <a:r>
-              <a:rPr lang="en-US" altLang="ko-KR" dirty="0" err="1" smtClean="0"/>
+              <a:rPr lang="en-US" altLang="ko-KR" dirty="0" err="1"/>
               <a:t>logN</a:t>
             </a:r>
             <a:r>
-              <a:rPr lang="en-US" altLang="ko-KR" dirty="0" smtClean="0"/>
+              <a:rPr lang="en-US" altLang="ko-KR" dirty="0"/>
               <a:t>)</a:t>
             </a:r>
             <a:r>
-              <a:rPr lang="ko-KR" altLang="en-US" dirty="0" smtClean="0"/>
+              <a:rPr lang="ko-KR" altLang="en-US" dirty="0"/>
               <a:t>만에 찾을 수 있는 방법이 있다</a:t>
             </a:r>
             <a:r>
-              <a:rPr lang="en-US" altLang="ko-KR" dirty="0" smtClean="0"/>
+              <a:rPr lang="en-US" altLang="ko-KR" dirty="0"/>
               <a:t>.!</a:t>
             </a:r>
           </a:p>
@@ -3350,13 +3318,6 @@
   <p:clrMapOvr>
     <a:masterClrMapping/>
   </p:clrMapOvr>
-  <p:timing>
-    <p:tnLst>
-      <p:par>
-        <p:cTn id="1" dur="indefinite" restart="never" nodeType="tmRoot"/>
-      </p:par>
-    </p:tnLst>
-  </p:timing>
 </p:sld>
 </file>
 
@@ -3419,28 +3380,28 @@
               <a:buNone/>
             </a:pPr>
             <a:r>
-              <a:rPr lang="ko-KR" altLang="en-US" dirty="0" smtClean="0"/>
+              <a:rPr lang="ko-KR" altLang="en-US" dirty="0"/>
               <a:t>시간적인 최적화를 하기 위해선 </a:t>
             </a:r>
-            <a:endParaRPr lang="en-US" altLang="ko-KR" dirty="0" smtClean="0"/>
-          </a:p>
-          <a:p>
             <a:endParaRPr lang="en-US" altLang="ko-KR" dirty="0"/>
           </a:p>
           <a:p>
+            <a:endParaRPr lang="en-US" altLang="ko-KR" dirty="0"/>
+          </a:p>
+          <a:p>
             <a:pPr marL="0" indent="0">
               <a:buNone/>
             </a:pPr>
             <a:r>
-              <a:rPr lang="ko-KR" altLang="en-US" dirty="0" smtClean="0"/>
+              <a:rPr lang="ko-KR" altLang="en-US" dirty="0"/>
               <a:t>필요한 것은 역시 무엇이다</a:t>
             </a:r>
             <a:r>
-              <a:rPr lang="en-US" altLang="ko-KR" dirty="0" smtClean="0"/>
+              <a:rPr lang="en-US" altLang="ko-KR" dirty="0"/>
               <a:t>?????    </a:t>
             </a:r>
             <a:r>
-              <a:rPr lang="en-US" altLang="ko-KR" sz="3200" dirty="0" smtClean="0">
+              <a:rPr lang="en-US" altLang="ko-KR" sz="3200" dirty="0">
                 <a:solidFill>
                   <a:srgbClr val="FF0000"/>
                 </a:solidFill>
@@ -3448,14 +3409,14 @@
               <a:t>=&gt; </a:t>
             </a:r>
             <a:r>
-              <a:rPr lang="ko-KR" altLang="en-US" sz="3200" dirty="0" smtClean="0">
+              <a:rPr lang="ko-KR" altLang="en-US" sz="3200" dirty="0">
                 <a:solidFill>
                   <a:srgbClr val="FF0000"/>
                 </a:solidFill>
               </a:rPr>
               <a:t>전처리</a:t>
             </a:r>
-            <a:endParaRPr lang="en-US" altLang="ko-KR" sz="3200" dirty="0" smtClean="0">
+            <a:endParaRPr lang="en-US" altLang="ko-KR" sz="3200" dirty="0">
               <a:solidFill>
                 <a:srgbClr val="FF0000"/>
               </a:solidFill>
@@ -3475,7 +3436,7 @@
             <a:pPr marL="0" indent="0">
               <a:buNone/>
             </a:pPr>
-            <a:endParaRPr lang="en-US" altLang="ko-KR" sz="3200" dirty="0" smtClean="0">
+            <a:endParaRPr lang="en-US" altLang="ko-KR" sz="3200" dirty="0">
               <a:solidFill>
                 <a:srgbClr val="FF0000"/>
               </a:solidFill>
@@ -3486,7 +3447,7 @@
               <a:buNone/>
             </a:pPr>
             <a:r>
-              <a:rPr lang="ko-KR" altLang="en-US" sz="3200" dirty="0" smtClean="0">
+              <a:rPr lang="ko-KR" altLang="en-US" sz="3200" dirty="0">
                 <a:solidFill>
                   <a:srgbClr val="FF0000"/>
                 </a:solidFill>
@@ -3494,7 +3455,7 @@
               <a:t>사실 저는 이거 중요하다고 봐요</a:t>
             </a:r>
             <a:r>
-              <a:rPr lang="en-US" altLang="ko-KR" sz="3200" dirty="0" smtClean="0">
+              <a:rPr lang="en-US" altLang="ko-KR" sz="3200" dirty="0">
                 <a:solidFill>
                   <a:srgbClr val="FF0000"/>
                 </a:solidFill>
@@ -3502,7 +3463,7 @@
               <a:t>. </a:t>
             </a:r>
             <a:r>
-              <a:rPr lang="ko-KR" altLang="en-US" sz="3200" dirty="0" smtClean="0">
+              <a:rPr lang="ko-KR" altLang="en-US" sz="3200" dirty="0">
                 <a:solidFill>
                   <a:srgbClr val="FF0000"/>
                 </a:solidFill>
@@ -3510,7 +3471,7 @@
               <a:t>하드웨어 최적화를 할 때에도 </a:t>
             </a:r>
             <a:r>
-              <a:rPr lang="ko-KR" altLang="en-US" sz="3200" dirty="0" err="1" smtClean="0">
+              <a:rPr lang="ko-KR" altLang="en-US" sz="3200" dirty="0" err="1">
                 <a:solidFill>
                   <a:srgbClr val="FF0000"/>
                 </a:solidFill>
@@ -3518,7 +3479,7 @@
               <a:t>전처리를</a:t>
             </a:r>
             <a:r>
-              <a:rPr lang="ko-KR" altLang="en-US" sz="3200" dirty="0" smtClean="0">
+              <a:rPr lang="ko-KR" altLang="en-US" sz="3200" dirty="0">
                 <a:solidFill>
                   <a:srgbClr val="FF0000"/>
                 </a:solidFill>
@@ -3790,11 +3751,11 @@
               <a:buNone/>
             </a:pPr>
             <a:r>
-              <a:rPr lang="ko-KR" altLang="en-US" dirty="0" smtClean="0"/>
+              <a:rPr lang="ko-KR" altLang="en-US" dirty="0"/>
               <a:t>그럼 어떻게 최적화를 하느냐</a:t>
             </a:r>
             <a:r>
-              <a:rPr lang="en-US" altLang="ko-KR" dirty="0" smtClean="0"/>
+              <a:rPr lang="en-US" altLang="ko-KR" dirty="0"/>
               <a:t>?</a:t>
             </a:r>
           </a:p>
@@ -3808,38 +3769,38 @@
             <a:pPr marL="0" indent="0">
               <a:buNone/>
             </a:pPr>
-            <a:endParaRPr lang="en-US" altLang="ko-KR" dirty="0" smtClean="0"/>
+            <a:endParaRPr lang="en-US" altLang="ko-KR" dirty="0"/>
           </a:p>
           <a:p>
             <a:pPr marL="0" indent="0">
               <a:buNone/>
             </a:pPr>
             <a:r>
-              <a:rPr lang="en-US" altLang="ko-KR" sz="4400" dirty="0" smtClean="0"/>
+              <a:rPr lang="en-US" altLang="ko-KR" sz="4400" dirty="0"/>
               <a:t>parent[u][k] = </a:t>
             </a:r>
             <a:r>
-              <a:rPr lang="ko-KR" altLang="en-US" sz="4400" dirty="0" smtClean="0"/>
+              <a:rPr lang="ko-KR" altLang="en-US" sz="4400" dirty="0"/>
               <a:t>정점 </a:t>
             </a:r>
             <a:r>
-              <a:rPr lang="en-US" altLang="ko-KR" sz="4400" dirty="0" smtClean="0"/>
+              <a:rPr lang="en-US" altLang="ko-KR" sz="4400" dirty="0"/>
               <a:t>u</a:t>
             </a:r>
             <a:r>
-              <a:rPr lang="ko-KR" altLang="en-US" sz="4400" dirty="0" smtClean="0"/>
+              <a:rPr lang="ko-KR" altLang="en-US" sz="4400" dirty="0"/>
               <a:t>의 </a:t>
             </a:r>
             <a:r>
-              <a:rPr lang="en-US" altLang="ko-KR" sz="4400" dirty="0" smtClean="0"/>
+              <a:rPr lang="en-US" altLang="ko-KR" sz="4400" dirty="0"/>
               <a:t>2^k </a:t>
             </a:r>
             <a:r>
-              <a:rPr lang="ko-KR" altLang="en-US" sz="4400" dirty="0" smtClean="0"/>
+              <a:rPr lang="ko-KR" altLang="en-US" sz="4400" dirty="0"/>
               <a:t>번째 부모</a:t>
             </a:r>
             <a:r>
-              <a:rPr lang="en-US" altLang="ko-KR" sz="4400" dirty="0" smtClean="0"/>
+              <a:rPr lang="en-US" altLang="ko-KR" sz="4400" dirty="0"/>
               <a:t>.</a:t>
             </a:r>
             <a:endParaRPr lang="ko-KR" altLang="en-US" sz="4400" dirty="0"/>
@@ -3856,13 +3817,6 @@
   <p:clrMapOvr>
     <a:masterClrMapping/>
   </p:clrMapOvr>
-  <p:timing>
-    <p:tnLst>
-      <p:par>
-        <p:cTn id="1" dur="indefinite" restart="never" nodeType="tmRoot"/>
-      </p:par>
-    </p:tnLst>
-  </p:timing>
 </p:sld>
 </file>
 
@@ -3957,11 +3911,11 @@
           <a:lstStyle/>
           <a:p>
             <a:r>
-              <a:rPr lang="ko-KR" altLang="en-US" sz="2400" b="1" dirty="0" smtClean="0"/>
+              <a:rPr lang="ko-KR" altLang="en-US" sz="2400" b="1" dirty="0"/>
               <a:t>자</a:t>
             </a:r>
             <a:r>
-              <a:rPr lang="en-US" altLang="ko-KR" sz="2400" b="1" dirty="0" smtClean="0"/>
+              <a:rPr lang="en-US" altLang="ko-KR" sz="2400" b="1" dirty="0"/>
               <a:t>, </a:t>
             </a:r>
           </a:p>
@@ -3970,32 +3924,32 @@
           </a:p>
           <a:p>
             <a:r>
-              <a:rPr lang="ko-KR" altLang="en-US" sz="2400" b="1" dirty="0" smtClean="0"/>
+              <a:rPr lang="ko-KR" altLang="en-US" sz="2400" b="1" dirty="0"/>
               <a:t>여기서 알아야 할 것은</a:t>
             </a:r>
-            <a:endParaRPr lang="en-US" altLang="ko-KR" sz="2400" b="1" dirty="0" smtClean="0"/>
-          </a:p>
-          <a:p>
             <a:endParaRPr lang="en-US" altLang="ko-KR" sz="2400" b="1" dirty="0"/>
           </a:p>
           <a:p>
-            <a:endParaRPr lang="en-US" altLang="ko-KR" sz="2400" b="1" dirty="0" smtClean="0"/>
-          </a:p>
-          <a:p>
             <a:endParaRPr lang="en-US" altLang="ko-KR" sz="2400" b="1" dirty="0"/>
           </a:p>
           <a:p>
             <a:endParaRPr lang="en-US" altLang="ko-KR" sz="2400" b="1" dirty="0"/>
           </a:p>
           <a:p>
-            <a:r>
-              <a:rPr lang="en-US" altLang="ko-KR" sz="2400" b="1" dirty="0" smtClean="0"/>
+            <a:endParaRPr lang="en-US" altLang="ko-KR" sz="2400" b="1" dirty="0"/>
+          </a:p>
+          <a:p>
+            <a:endParaRPr lang="en-US" altLang="ko-KR" sz="2400" b="1" dirty="0"/>
+          </a:p>
+          <a:p>
+            <a:r>
+              <a:rPr lang="en-US" altLang="ko-KR" sz="2400" b="1" dirty="0"/>
               <a:t>parent[u][k + 1]</a:t>
             </a:r>
           </a:p>
           <a:p>
             <a:r>
-              <a:rPr lang="en-US" altLang="ko-KR" sz="2400" b="1" dirty="0" smtClean="0"/>
+              <a:rPr lang="en-US" altLang="ko-KR" sz="2400" b="1" dirty="0"/>
               <a:t> = parent[ parent[u][k] ][k]</a:t>
             </a:r>
           </a:p>
@@ -4205,31 +4159,31 @@
               <a:buAutoNum type="arabicPeriod"/>
             </a:pPr>
             <a:r>
-              <a:rPr lang="en-US" altLang="ko-KR" sz="3600" b="1" dirty="0" smtClean="0"/>
+              <a:rPr lang="en-US" altLang="ko-KR" sz="3600" b="1" dirty="0"/>
               <a:t>depth[u] &gt; depth[v]</a:t>
             </a:r>
             <a:r>
-              <a:rPr lang="ko-KR" altLang="en-US" sz="3600" b="1" dirty="0" smtClean="0"/>
+              <a:rPr lang="ko-KR" altLang="en-US" sz="3600" b="1" dirty="0"/>
               <a:t>일 때</a:t>
             </a:r>
             <a:r>
-              <a:rPr lang="en-US" altLang="ko-KR" sz="3600" b="1" dirty="0" smtClean="0"/>
+              <a:rPr lang="en-US" altLang="ko-KR" sz="3600" b="1" dirty="0"/>
               <a:t>, u</a:t>
             </a:r>
             <a:r>
-              <a:rPr lang="ko-KR" altLang="en-US" sz="3600" b="1" dirty="0" smtClean="0"/>
+              <a:rPr lang="ko-KR" altLang="en-US" sz="3600" b="1" dirty="0"/>
               <a:t>를 </a:t>
             </a:r>
             <a:r>
-              <a:rPr lang="en-US" altLang="ko-KR" sz="3600" b="1" dirty="0" smtClean="0"/>
+              <a:rPr lang="en-US" altLang="ko-KR" sz="3600" b="1" dirty="0"/>
               <a:t>parent[u]</a:t>
             </a:r>
             <a:r>
-              <a:rPr lang="ko-KR" altLang="en-US" sz="3600" b="1" dirty="0" smtClean="0"/>
+              <a:rPr lang="ko-KR" altLang="en-US" sz="3600" b="1" dirty="0"/>
               <a:t>로 대체하는 것을 반복한다</a:t>
             </a:r>
             <a:r>
-              <a:rPr lang="en-US" altLang="ko-KR" sz="3600" b="1" dirty="0" smtClean="0"/>
+              <a:rPr lang="en-US" altLang="ko-KR" sz="3600" b="1" dirty="0"/>
               <a:t>.</a:t>
             </a:r>
           </a:p>
@@ -4244,79 +4198,79 @@
               <a:buNone/>
             </a:pPr>
             <a:r>
-              <a:rPr lang="en-US" altLang="ko-KR" sz="2400" b="1" dirty="0" smtClean="0"/>
+              <a:rPr lang="en-US" altLang="ko-KR" sz="2400" b="1" dirty="0"/>
               <a:t>u</a:t>
             </a:r>
             <a:r>
-              <a:rPr lang="ko-KR" altLang="en-US" sz="2400" b="1" dirty="0" smtClean="0"/>
+              <a:rPr lang="ko-KR" altLang="en-US" sz="2400" b="1" dirty="0"/>
               <a:t>와 </a:t>
             </a:r>
             <a:r>
-              <a:rPr lang="en-US" altLang="ko-KR" sz="2400" b="1" dirty="0" smtClean="0"/>
+              <a:rPr lang="en-US" altLang="ko-KR" sz="2400" b="1" dirty="0"/>
               <a:t>v</a:t>
             </a:r>
             <a:r>
-              <a:rPr lang="ko-KR" altLang="en-US" sz="2400" b="1" dirty="0" smtClean="0"/>
+              <a:rPr lang="ko-KR" altLang="en-US" sz="2400" b="1" dirty="0"/>
               <a:t>의 </a:t>
             </a:r>
             <a:r>
-              <a:rPr lang="en-US" altLang="ko-KR" sz="2400" b="1" dirty="0" smtClean="0"/>
+              <a:rPr lang="en-US" altLang="ko-KR" sz="2400" b="1" dirty="0"/>
               <a:t>depth </a:t>
             </a:r>
             <a:r>
-              <a:rPr lang="ko-KR" altLang="en-US" sz="2400" b="1" dirty="0" smtClean="0"/>
+              <a:rPr lang="ko-KR" altLang="en-US" sz="2400" b="1" dirty="0"/>
               <a:t>차이가 </a:t>
             </a:r>
             <a:r>
-              <a:rPr lang="en-US" altLang="ko-KR" sz="2400" b="1" dirty="0" smtClean="0"/>
+              <a:rPr lang="en-US" altLang="ko-KR" sz="2400" b="1" dirty="0"/>
               <a:t>20</a:t>
             </a:r>
             <a:r>
-              <a:rPr lang="ko-KR" altLang="en-US" sz="2400" b="1" dirty="0" smtClean="0"/>
+              <a:rPr lang="ko-KR" altLang="en-US" sz="2400" b="1" dirty="0"/>
               <a:t>이라면</a:t>
             </a:r>
             <a:r>
-              <a:rPr lang="en-US" altLang="ko-KR" sz="2400" b="1" dirty="0" smtClean="0"/>
+              <a:rPr lang="en-US" altLang="ko-KR" sz="2400" b="1" dirty="0"/>
               <a:t>, binary</a:t>
             </a:r>
             <a:r>
-              <a:rPr lang="ko-KR" altLang="en-US" sz="2400" b="1" dirty="0" smtClean="0"/>
+              <a:rPr lang="ko-KR" altLang="en-US" sz="2400" b="1" dirty="0"/>
               <a:t>로는 </a:t>
             </a:r>
             <a:r>
-              <a:rPr lang="en-US" altLang="ko-KR" sz="2400" b="1" dirty="0" smtClean="0"/>
+              <a:rPr lang="en-US" altLang="ko-KR" sz="2400" b="1" dirty="0"/>
               <a:t>10100(2)</a:t>
             </a:r>
             <a:r>
-              <a:rPr lang="ko-KR" altLang="en-US" sz="2400" b="1" dirty="0" smtClean="0"/>
+              <a:rPr lang="ko-KR" altLang="en-US" sz="2400" b="1" dirty="0"/>
               <a:t>이므로 </a:t>
             </a:r>
             <a:r>
-              <a:rPr lang="en-US" altLang="ko-KR" sz="2400" b="1" dirty="0" smtClean="0"/>
+              <a:rPr lang="en-US" altLang="ko-KR" sz="2400" b="1" dirty="0"/>
               <a:t>u</a:t>
             </a:r>
             <a:r>
-              <a:rPr lang="ko-KR" altLang="en-US" sz="2400" b="1" dirty="0" smtClean="0"/>
+              <a:rPr lang="ko-KR" altLang="en-US" sz="2400" b="1" dirty="0"/>
               <a:t>를 </a:t>
             </a:r>
             <a:r>
-              <a:rPr lang="en-US" altLang="ko-KR" sz="2400" b="1" dirty="0" smtClean="0"/>
+              <a:rPr lang="en-US" altLang="ko-KR" sz="2400" b="1" dirty="0"/>
               <a:t>2^2</a:t>
             </a:r>
             <a:r>
-              <a:rPr lang="ko-KR" altLang="en-US" sz="2400" b="1" dirty="0" smtClean="0"/>
+              <a:rPr lang="ko-KR" altLang="en-US" sz="2400" b="1" dirty="0"/>
               <a:t>번째 부모로 올리고 </a:t>
             </a:r>
             <a:r>
-              <a:rPr lang="en-US" altLang="ko-KR" sz="2400" b="1" dirty="0" smtClean="0"/>
-              <a:t>2^16</a:t>
-            </a:r>
-            <a:r>
-              <a:rPr lang="ko-KR" altLang="en-US" sz="2400" b="1" dirty="0" smtClean="0"/>
+              <a:rPr lang="en-US" altLang="ko-KR" sz="2400" b="1" dirty="0"/>
+              <a:t>2^4</a:t>
+            </a:r>
+            <a:r>
+              <a:rPr lang="ko-KR" altLang="en-US" sz="2400" b="1" dirty="0"/>
               <a:t>번째 부모로 올리면 된다</a:t>
             </a:r>
             <a:r>
-              <a:rPr lang="en-US" altLang="ko-KR" sz="2400" b="1" dirty="0" smtClean="0"/>
+              <a:rPr lang="en-US" altLang="ko-KR" sz="2400" b="1" dirty="0"/>
               <a:t>!</a:t>
             </a:r>
           </a:p>
@@ -4331,11 +4285,11 @@
               <a:buNone/>
             </a:pPr>
             <a:r>
-              <a:rPr lang="ko-KR" altLang="en-US" sz="2400" b="1" dirty="0" smtClean="0"/>
+              <a:rPr lang="ko-KR" altLang="en-US" sz="2400" b="1" dirty="0"/>
               <a:t>예를 들어보자</a:t>
             </a:r>
             <a:r>
-              <a:rPr lang="en-US" altLang="ko-KR" sz="2400" b="1" dirty="0" smtClean="0"/>
+              <a:rPr lang="en-US" altLang="ko-KR" sz="2400" b="1" dirty="0"/>
               <a:t>!!</a:t>
             </a:r>
             <a:endParaRPr lang="ko-KR" altLang="en-US" sz="2400" b="1" dirty="0"/>
@@ -4352,13 +4306,6 @@
   <p:clrMapOvr>
     <a:masterClrMapping/>
   </p:clrMapOvr>
-  <p:timing>
-    <p:tnLst>
-      <p:par>
-        <p:cTn id="1" dur="indefinite" restart="never" nodeType="tmRoot"/>
-      </p:par>
-    </p:tnLst>
-  </p:timing>
 </p:sld>
 </file>
 
@@ -4428,22 +4375,22 @@
               <a:buNone/>
             </a:pPr>
             <a:r>
-              <a:rPr lang="en-US" altLang="ko-KR" sz="3600" b="1" dirty="0" smtClean="0"/>
+              <a:rPr lang="en-US" altLang="ko-KR" sz="3600" b="1" dirty="0"/>
               <a:t>2. </a:t>
             </a:r>
             <a:r>
-              <a:rPr lang="ko-KR" altLang="en-US" sz="3600" b="1" dirty="0" smtClean="0"/>
+              <a:rPr lang="ko-KR" altLang="en-US" sz="3600" b="1" dirty="0"/>
               <a:t>깊이가 같다</a:t>
             </a:r>
             <a:r>
-              <a:rPr lang="en-US" altLang="ko-KR" sz="3600" b="1" dirty="0" smtClean="0"/>
+              <a:rPr lang="en-US" altLang="ko-KR" sz="3600" b="1" dirty="0"/>
               <a:t>. u != v</a:t>
             </a:r>
             <a:r>
-              <a:rPr lang="ko-KR" altLang="en-US" sz="3600" b="1" dirty="0" smtClean="0"/>
+              <a:rPr lang="ko-KR" altLang="en-US" sz="3600" b="1" dirty="0"/>
               <a:t>라면 둘 다 부모로 계속 올려 본다</a:t>
             </a:r>
-            <a:endParaRPr lang="en-US" altLang="ko-KR" sz="3600" b="1" dirty="0" smtClean="0"/>
+            <a:endParaRPr lang="en-US" altLang="ko-KR" sz="3600" b="1" dirty="0"/>
           </a:p>
           <a:p>
             <a:pPr marL="0" indent="0">
@@ -4456,19 +4403,19 @@
               <a:buNone/>
             </a:pPr>
             <a:r>
-              <a:rPr lang="ko-KR" altLang="en-US" sz="2400" b="1" dirty="0" smtClean="0"/>
+              <a:rPr lang="ko-KR" altLang="en-US" sz="2400" b="1" dirty="0"/>
               <a:t>만약 </a:t>
             </a:r>
             <a:r>
-              <a:rPr lang="en-US" altLang="ko-KR" sz="2400" b="1" dirty="0" smtClean="0"/>
+              <a:rPr lang="en-US" altLang="ko-KR" sz="2400" b="1" dirty="0"/>
               <a:t>parent[u][k] != parent[v][k] </a:t>
             </a:r>
             <a:r>
-              <a:rPr lang="ko-KR" altLang="en-US" sz="2400" b="1" dirty="0" smtClean="0"/>
+              <a:rPr lang="ko-KR" altLang="en-US" sz="2400" b="1" dirty="0"/>
               <a:t>이고</a:t>
             </a:r>
             <a:r>
-              <a:rPr lang="en-US" altLang="ko-KR" sz="2400" b="1" dirty="0" smtClean="0"/>
+              <a:rPr lang="en-US" altLang="ko-KR" sz="2400" b="1" dirty="0"/>
               <a:t>,</a:t>
             </a:r>
           </a:p>
@@ -4483,15 +4430,15 @@
               <a:buNone/>
             </a:pPr>
             <a:r>
-              <a:rPr lang="en-US" altLang="ko-KR" sz="2400" b="1" dirty="0" smtClean="0"/>
+              <a:rPr lang="en-US" altLang="ko-KR" sz="2400" b="1" dirty="0"/>
               <a:t>parent[u][k + 1] == parent[v][k + 1] </a:t>
             </a:r>
             <a:r>
-              <a:rPr lang="ko-KR" altLang="en-US" sz="2400" b="1" dirty="0" smtClean="0"/>
+              <a:rPr lang="ko-KR" altLang="en-US" sz="2400" b="1" dirty="0"/>
               <a:t>이라면</a:t>
             </a:r>
             <a:r>
-              <a:rPr lang="en-US" altLang="ko-KR" sz="2400" b="1" dirty="0" smtClean="0"/>
+              <a:rPr lang="en-US" altLang="ko-KR" sz="2400" b="1" dirty="0"/>
               <a:t>, </a:t>
             </a:r>
           </a:p>
@@ -4506,35 +4453,35 @@
               <a:buNone/>
             </a:pPr>
             <a:r>
-              <a:rPr lang="ko-KR" altLang="en-US" sz="2400" b="1" dirty="0" smtClean="0"/>
+              <a:rPr lang="ko-KR" altLang="en-US" sz="2400" b="1" dirty="0"/>
               <a:t>둘의 </a:t>
             </a:r>
             <a:r>
-              <a:rPr lang="en-US" altLang="ko-KR" sz="2400" b="1" dirty="0" smtClean="0"/>
+              <a:rPr lang="en-US" altLang="ko-KR" sz="2400" b="1" dirty="0"/>
               <a:t>LCA</a:t>
             </a:r>
             <a:r>
-              <a:rPr lang="ko-KR" altLang="en-US" sz="2400" b="1" dirty="0" smtClean="0"/>
+              <a:rPr lang="ko-KR" altLang="en-US" sz="2400" b="1" dirty="0"/>
               <a:t>는 </a:t>
             </a:r>
             <a:r>
-              <a:rPr lang="en-US" altLang="ko-KR" sz="2400" b="1" dirty="0" smtClean="0"/>
+              <a:rPr lang="en-US" altLang="ko-KR" sz="2400" b="1" dirty="0"/>
               <a:t>k</a:t>
             </a:r>
             <a:r>
-              <a:rPr lang="ko-KR" altLang="en-US" sz="2400" b="1" dirty="0" smtClean="0"/>
+              <a:rPr lang="ko-KR" altLang="en-US" sz="2400" b="1" dirty="0"/>
               <a:t>와 </a:t>
             </a:r>
             <a:r>
-              <a:rPr lang="en-US" altLang="ko-KR" sz="2400" b="1" dirty="0" smtClean="0"/>
+              <a:rPr lang="en-US" altLang="ko-KR" sz="2400" b="1" dirty="0"/>
               <a:t>k + 1</a:t>
             </a:r>
             <a:r>
-              <a:rPr lang="ko-KR" altLang="en-US" sz="2400" b="1" dirty="0" smtClean="0"/>
+              <a:rPr lang="ko-KR" altLang="en-US" sz="2400" b="1" dirty="0"/>
               <a:t>번째 사이에 반드시 존재한다</a:t>
             </a:r>
             <a:r>
-              <a:rPr lang="en-US" altLang="ko-KR" sz="2400" b="1" dirty="0" smtClean="0"/>
+              <a:rPr lang="en-US" altLang="ko-KR" sz="2400" b="1" dirty="0"/>
               <a:t>. </a:t>
             </a:r>
           </a:p>
@@ -4549,10 +4496,10 @@
               <a:buNone/>
             </a:pPr>
             <a:r>
-              <a:rPr lang="ko-KR" altLang="en-US" sz="2400" b="1" dirty="0" smtClean="0"/>
+              <a:rPr lang="ko-KR" altLang="en-US" sz="2400" b="1" dirty="0"/>
               <a:t>코드 구경</a:t>
             </a:r>
-            <a:endParaRPr lang="en-US" altLang="ko-KR" sz="2400" b="1" dirty="0" smtClean="0"/>
+            <a:endParaRPr lang="en-US" altLang="ko-KR" sz="2400" b="1" dirty="0"/>
           </a:p>
         </p:txBody>
       </p:sp>
@@ -4566,13 +4513,6 @@
   <p:clrMapOvr>
     <a:masterClrMapping/>
   </p:clrMapOvr>
-  <p:timing>
-    <p:tnLst>
-      <p:par>
-        <p:cTn id="1" dur="indefinite" restart="never" nodeType="tmRoot"/>
-      </p:par>
-    </p:tnLst>
-  </p:timing>
 </p:sld>
 </file>
 
@@ -4635,19 +4575,19 @@
               <a:buNone/>
             </a:pPr>
             <a:r>
-              <a:rPr lang="en-US" altLang="ko-KR" dirty="0" smtClean="0"/>
+              <a:rPr lang="en-US" altLang="ko-KR" dirty="0"/>
               <a:t>Q. </a:t>
             </a:r>
             <a:r>
-              <a:rPr lang="en-US" altLang="ko-KR" dirty="0" err="1" smtClean="0"/>
+              <a:rPr lang="en-US" altLang="ko-KR" dirty="0" err="1"/>
               <a:t>makeTree</a:t>
             </a:r>
             <a:r>
-              <a:rPr lang="ko-KR" altLang="en-US" dirty="0" smtClean="0"/>
+              <a:rPr lang="ko-KR" altLang="en-US" dirty="0"/>
               <a:t>에서 하는 역할은 무엇이죠</a:t>
             </a:r>
             <a:r>
-              <a:rPr lang="en-US" altLang="ko-KR" dirty="0" smtClean="0"/>
+              <a:rPr lang="en-US" altLang="ko-KR" dirty="0"/>
               <a:t>?</a:t>
             </a:r>
           </a:p>
@@ -4662,15 +4602,15 @@
               <a:buNone/>
             </a:pPr>
             <a:r>
-              <a:rPr lang="en-US" altLang="ko-KR" dirty="0" smtClean="0"/>
+              <a:rPr lang="en-US" altLang="ko-KR" dirty="0"/>
               <a:t>Q. 17</a:t>
             </a:r>
             <a:r>
-              <a:rPr lang="ko-KR" altLang="en-US" dirty="0" smtClean="0"/>
+              <a:rPr lang="ko-KR" altLang="en-US" dirty="0"/>
               <a:t>은 무엇을 의미합니까</a:t>
             </a:r>
             <a:r>
-              <a:rPr lang="en-US" altLang="ko-KR" dirty="0" smtClean="0"/>
+              <a:rPr lang="en-US" altLang="ko-KR" dirty="0"/>
               <a:t>?</a:t>
             </a:r>
           </a:p>
@@ -4685,15 +4625,15 @@
               <a:buNone/>
             </a:pPr>
             <a:r>
-              <a:rPr lang="en-US" altLang="ko-KR" dirty="0" smtClean="0"/>
+              <a:rPr lang="en-US" altLang="ko-KR" dirty="0"/>
               <a:t>Q. parent[u][j] == -1</a:t>
             </a:r>
             <a:r>
-              <a:rPr lang="ko-KR" altLang="en-US" dirty="0" smtClean="0"/>
+              <a:rPr lang="ko-KR" altLang="en-US" dirty="0"/>
               <a:t>이라는 것의 의미는 무엇이죠</a:t>
             </a:r>
             <a:r>
-              <a:rPr lang="en-US" altLang="ko-KR" dirty="0" smtClean="0"/>
+              <a:rPr lang="en-US" altLang="ko-KR" dirty="0"/>
               <a:t>?</a:t>
             </a:r>
           </a:p>
@@ -4708,27 +4648,27 @@
               <a:buNone/>
             </a:pPr>
             <a:r>
-              <a:rPr lang="en-US" altLang="ko-KR" dirty="0" smtClean="0"/>
+              <a:rPr lang="en-US" altLang="ko-KR" dirty="0"/>
               <a:t>Q. </a:t>
             </a:r>
             <a:r>
-              <a:rPr lang="ko-KR" altLang="en-US" dirty="0" smtClean="0"/>
+              <a:rPr lang="ko-KR" altLang="en-US" dirty="0"/>
               <a:t>왜 마지막에 </a:t>
             </a:r>
             <a:r>
-              <a:rPr lang="en-US" altLang="ko-KR" dirty="0" smtClean="0"/>
+              <a:rPr lang="en-US" altLang="ko-KR" dirty="0"/>
               <a:t>u = parent[u][0]</a:t>
             </a:r>
             <a:r>
-              <a:rPr lang="ko-KR" altLang="en-US" dirty="0" smtClean="0"/>
+              <a:rPr lang="ko-KR" altLang="en-US" dirty="0"/>
               <a:t>을 </a:t>
             </a:r>
             <a:r>
-              <a:rPr lang="ko-KR" altLang="en-US" dirty="0" err="1" smtClean="0"/>
+              <a:rPr lang="ko-KR" altLang="en-US" dirty="0" err="1"/>
               <a:t>올려주나요</a:t>
             </a:r>
             <a:r>
-              <a:rPr lang="en-US" altLang="ko-KR" dirty="0" smtClean="0"/>
+              <a:rPr lang="en-US" altLang="ko-KR" dirty="0"/>
               <a:t>?</a:t>
             </a:r>
             <a:endParaRPr lang="ko-KR" altLang="en-US" dirty="0"/>
@@ -4745,13 +4685,6 @@
   <p:clrMapOvr>
     <a:masterClrMapping/>
   </p:clrMapOvr>
-  <p:timing>
-    <p:tnLst>
-      <p:par>
-        <p:cTn id="1" dur="indefinite" restart="never" nodeType="tmRoot"/>
-      </p:par>
-    </p:tnLst>
-  </p:timing>
 </p:sld>
 </file>
 
@@ -4788,10 +4721,9 @@
           <a:lstStyle/>
           <a:p>
             <a:r>
-              <a:rPr lang="ko-KR" altLang="en-US" dirty="0" smtClean="0"/>
+              <a:rPr lang="ko-KR" altLang="en-US" dirty="0"/>
               <a:t>숙제</a:t>
             </a:r>
-            <a:endParaRPr lang="ko-KR" altLang="en-US" dirty="0"/>
           </a:p>
         </p:txBody>
       </p:sp>
@@ -4811,18 +4743,12 @@
           <a:lstStyle/>
           <a:p>
             <a:r>
-              <a:rPr lang="en-US" altLang="ko-KR" dirty="0" smtClean="0">
+              <a:rPr lang="en-US" altLang="ko-KR" dirty="0">
                 <a:hlinkClick r:id="rId2"/>
               </a:rPr>
-              <a:t>https://</a:t>
-            </a:r>
-            <a:r>
-              <a:rPr lang="en-US" altLang="ko-KR" dirty="0" smtClean="0">
-                <a:hlinkClick r:id="rId2"/>
-              </a:rPr>
-              <a:t>www.acmicpc.net/problem/1395</a:t>
-            </a:r>
-            <a:endParaRPr lang="en-US" altLang="ko-KR" dirty="0" smtClean="0"/>
+              <a:t>https://www.acmicpc.net/problem/1395</a:t>
+            </a:r>
+            <a:endParaRPr lang="en-US" altLang="ko-KR" dirty="0"/>
           </a:p>
           <a:p>
             <a:r>
@@ -4848,13 +4774,6 @@
   <p:clrMapOvr>
     <a:masterClrMapping/>
   </p:clrMapOvr>
-  <p:timing>
-    <p:tnLst>
-      <p:par>
-        <p:cTn id="1" dur="indefinite" restart="never" nodeType="tmRoot"/>
-      </p:par>
-    </p:tnLst>
-  </p:timing>
 </p:sld>
 </file>
 
@@ -4891,15 +4810,15 @@
           <a:lstStyle/>
           <a:p>
             <a:r>
-              <a:rPr lang="en-US" altLang="ko-KR" dirty="0" smtClean="0"/>
+              <a:rPr lang="en-US" altLang="ko-KR" dirty="0"/>
               <a:t>Lazy Propagation</a:t>
             </a:r>
             <a:r>
-              <a:rPr lang="ko-KR" altLang="en-US" dirty="0" smtClean="0"/>
+              <a:rPr lang="ko-KR" altLang="en-US" dirty="0"/>
               <a:t>란</a:t>
             </a:r>
             <a:r>
-              <a:rPr lang="en-US" altLang="ko-KR" dirty="0" smtClean="0"/>
+              <a:rPr lang="en-US" altLang="ko-KR" dirty="0"/>
               <a:t>?</a:t>
             </a:r>
             <a:endParaRPr lang="ko-KR" altLang="en-US" dirty="0"/>
@@ -4922,7 +4841,7 @@
           <a:lstStyle/>
           <a:p>
             <a:r>
-              <a:rPr lang="en-US" altLang="ko-KR" dirty="0" smtClean="0"/>
+              <a:rPr lang="en-US" altLang="ko-KR" dirty="0"/>
               <a:t>lazy :</a:t>
             </a:r>
           </a:p>
@@ -4931,15 +4850,15 @@
           </a:p>
           <a:p>
             <a:r>
-              <a:rPr lang="en-US" altLang="ko-KR" dirty="0" smtClean="0"/>
+              <a:rPr lang="en-US" altLang="ko-KR" dirty="0"/>
               <a:t>Propagation</a:t>
             </a:r>
             <a:r>
-              <a:rPr lang="ko-KR" altLang="en-US" dirty="0" smtClean="0"/>
+              <a:rPr lang="ko-KR" altLang="en-US" dirty="0"/>
               <a:t> </a:t>
             </a:r>
             <a:r>
-              <a:rPr lang="en-US" altLang="ko-KR" dirty="0" smtClean="0"/>
+              <a:rPr lang="en-US" altLang="ko-KR" dirty="0"/>
               <a:t>: </a:t>
             </a:r>
           </a:p>
@@ -4947,18 +4866,18 @@
             <a:endParaRPr lang="en-US" altLang="ko-KR" dirty="0"/>
           </a:p>
           <a:p>
-            <a:endParaRPr lang="en-US" altLang="ko-KR" dirty="0" smtClean="0"/>
+            <a:endParaRPr lang="en-US" altLang="ko-KR" dirty="0"/>
           </a:p>
           <a:p>
             <a:pPr marL="0" indent="0" algn="ctr">
               <a:buNone/>
             </a:pPr>
             <a:r>
-              <a:rPr lang="ko-KR" altLang="en-US" b="1" dirty="0" smtClean="0"/>
+              <a:rPr lang="ko-KR" altLang="en-US" b="1" dirty="0"/>
               <a:t>늦게 전파 한 다는 뜻</a:t>
             </a:r>
             <a:r>
-              <a:rPr lang="en-US" altLang="ko-KR" b="1" dirty="0" smtClean="0"/>
+              <a:rPr lang="en-US" altLang="ko-KR" b="1" dirty="0"/>
               <a:t>!</a:t>
             </a:r>
           </a:p>
@@ -5089,15 +5008,15 @@
           <a:lstStyle/>
           <a:p>
             <a:r>
-              <a:rPr lang="en-US" altLang="ko-KR" dirty="0" smtClean="0"/>
+              <a:rPr lang="en-US" altLang="ko-KR" dirty="0"/>
               <a:t>Lazy Propagation</a:t>
             </a:r>
             <a:r>
-              <a:rPr lang="ko-KR" altLang="en-US" dirty="0" smtClean="0"/>
+              <a:rPr lang="ko-KR" altLang="en-US" dirty="0"/>
               <a:t>란</a:t>
             </a:r>
             <a:r>
-              <a:rPr lang="en-US" altLang="ko-KR" dirty="0" smtClean="0"/>
+              <a:rPr lang="en-US" altLang="ko-KR" dirty="0"/>
               <a:t>?</a:t>
             </a:r>
             <a:endParaRPr lang="ko-KR" altLang="en-US" dirty="0"/>
@@ -5120,12 +5039,12 @@
           <a:lstStyle/>
           <a:p>
             <a:r>
-              <a:rPr lang="en-US" altLang="ko-KR" b="1" dirty="0" smtClean="0">
+              <a:rPr lang="en-US" altLang="ko-KR" b="1" dirty="0">
                 <a:hlinkClick r:id="rId2"/>
               </a:rPr>
               <a:t>https://www.acmicpc.net/problem/10999</a:t>
             </a:r>
-            <a:endParaRPr lang="en-US" altLang="ko-KR" b="1" dirty="0" smtClean="0"/>
+            <a:endParaRPr lang="en-US" altLang="ko-KR" b="1" dirty="0"/>
           </a:p>
         </p:txBody>
       </p:sp>
@@ -5139,13 +5058,6 @@
   <p:clrMapOvr>
     <a:masterClrMapping/>
   </p:clrMapOvr>
-  <p:timing>
-    <p:tnLst>
-      <p:par>
-        <p:cTn id="1" dur="indefinite" restart="never" nodeType="tmRoot"/>
-      </p:par>
-    </p:tnLst>
-  </p:timing>
 </p:sld>
 </file>
 
@@ -5182,7 +5094,7 @@
           <a:lstStyle/>
           <a:p>
             <a:r>
-              <a:rPr lang="en-US" altLang="ko-KR" dirty="0" smtClean="0"/>
+              <a:rPr lang="en-US" altLang="ko-KR" dirty="0"/>
               <a:t>Lazy Propagation</a:t>
             </a:r>
             <a:endParaRPr lang="ko-KR" altLang="en-US" dirty="0"/>
@@ -5205,10 +5117,10 @@
           <a:lstStyle/>
           <a:p>
             <a:r>
-              <a:rPr lang="ko-KR" altLang="en-US" dirty="0" smtClean="0"/>
+              <a:rPr lang="ko-KR" altLang="en-US" dirty="0"/>
               <a:t>코드를 살펴보죠</a:t>
             </a:r>
-            <a:endParaRPr lang="en-US" altLang="ko-KR" dirty="0" smtClean="0"/>
+            <a:endParaRPr lang="en-US" altLang="ko-KR" dirty="0"/>
           </a:p>
           <a:p>
             <a:endParaRPr lang="en-US" altLang="ko-KR" dirty="0"/>
@@ -5231,13 +5143,6 @@
   <p:clrMapOvr>
     <a:masterClrMapping/>
   </p:clrMapOvr>
-  <p:timing>
-    <p:tnLst>
-      <p:par>
-        <p:cTn id="1" dur="indefinite" restart="never" nodeType="tmRoot"/>
-      </p:par>
-    </p:tnLst>
-  </p:timing>
 </p:sld>
 </file>
 
@@ -5274,7 +5179,7 @@
           <a:lstStyle/>
           <a:p>
             <a:r>
-              <a:rPr lang="en-US" altLang="ko-KR" dirty="0" smtClean="0"/>
+              <a:rPr lang="en-US" altLang="ko-KR" dirty="0"/>
               <a:t>LCA(Lowest Common Ancestor)</a:t>
             </a:r>
             <a:endParaRPr lang="ko-KR" altLang="en-US" dirty="0"/>
@@ -5300,62 +5205,61 @@
               <a:buNone/>
             </a:pPr>
             <a:r>
-              <a:rPr lang="en-US" altLang="ko-KR" dirty="0" smtClean="0"/>
+              <a:rPr lang="en-US" altLang="ko-KR" dirty="0"/>
               <a:t>Tree</a:t>
             </a:r>
             <a:r>
-              <a:rPr lang="ko-KR" altLang="en-US" dirty="0" smtClean="0"/>
+              <a:rPr lang="ko-KR" altLang="en-US" dirty="0"/>
               <a:t>상에서 어떤 두 정점  </a:t>
             </a:r>
             <a:r>
-              <a:rPr lang="en-US" altLang="ko-KR" dirty="0" smtClean="0"/>
+              <a:rPr lang="en-US" altLang="ko-KR" dirty="0"/>
               <a:t>u, v</a:t>
             </a:r>
             <a:r>
-              <a:rPr lang="ko-KR" altLang="en-US" dirty="0" smtClean="0"/>
+              <a:rPr lang="ko-KR" altLang="en-US" dirty="0"/>
               <a:t>가 있을 때</a:t>
             </a:r>
             <a:r>
-              <a:rPr lang="en-US" altLang="ko-KR" dirty="0" smtClean="0"/>
+              <a:rPr lang="en-US" altLang="ko-KR" dirty="0"/>
               <a:t>, u</a:t>
             </a:r>
             <a:r>
-              <a:rPr lang="ko-KR" altLang="en-US" dirty="0" smtClean="0"/>
+              <a:rPr lang="ko-KR" altLang="en-US" dirty="0"/>
               <a:t>이거나 </a:t>
             </a:r>
             <a:r>
-              <a:rPr lang="en-US" altLang="ko-KR" dirty="0" smtClean="0"/>
+              <a:rPr lang="en-US" altLang="ko-KR" dirty="0"/>
               <a:t>u</a:t>
             </a:r>
             <a:r>
-              <a:rPr lang="ko-KR" altLang="en-US" dirty="0" smtClean="0"/>
+              <a:rPr lang="ko-KR" altLang="en-US" dirty="0"/>
               <a:t>의</a:t>
             </a:r>
             <a:r>
-              <a:rPr lang="en-US" altLang="ko-KR" dirty="0" smtClean="0"/>
+              <a:rPr lang="en-US" altLang="ko-KR" dirty="0"/>
               <a:t> </a:t>
             </a:r>
             <a:r>
-              <a:rPr lang="ko-KR" altLang="en-US" dirty="0" smtClean="0"/>
+              <a:rPr lang="ko-KR" altLang="en-US" dirty="0"/>
               <a:t>조상이면서 동시에 </a:t>
             </a:r>
             <a:r>
-              <a:rPr lang="en-US" altLang="ko-KR" dirty="0" smtClean="0"/>
+              <a:rPr lang="en-US" altLang="ko-KR" dirty="0"/>
               <a:t>v</a:t>
             </a:r>
             <a:r>
-              <a:rPr lang="ko-KR" altLang="en-US" dirty="0" smtClean="0"/>
+              <a:rPr lang="ko-KR" altLang="en-US" dirty="0"/>
               <a:t>이거나 </a:t>
             </a:r>
             <a:r>
-              <a:rPr lang="en-US" altLang="ko-KR" dirty="0" smtClean="0"/>
+              <a:rPr lang="en-US" altLang="ko-KR" dirty="0"/>
               <a:t>v</a:t>
             </a:r>
             <a:r>
-              <a:rPr lang="ko-KR" altLang="en-US" dirty="0" smtClean="0"/>
+              <a:rPr lang="ko-KR" altLang="en-US" dirty="0"/>
               <a:t>의 조상인 노드들 중 가장 깊은 노드</a:t>
             </a:r>
-            <a:endParaRPr lang="ko-KR" altLang="en-US" dirty="0"/>
           </a:p>
         </p:txBody>
       </p:sp>
@@ -5369,13 +5273,6 @@
   <p:clrMapOvr>
     <a:masterClrMapping/>
   </p:clrMapOvr>
-  <p:timing>
-    <p:tnLst>
-      <p:par>
-        <p:cTn id="1" dur="indefinite" restart="never" nodeType="tmRoot"/>
-      </p:par>
-    </p:tnLst>
-  </p:timing>
 </p:sld>
 </file>
 
@@ -5412,7 +5309,7 @@
           <a:lstStyle/>
           <a:p>
             <a:r>
-              <a:rPr lang="en-US" altLang="ko-KR" dirty="0" smtClean="0"/>
+              <a:rPr lang="en-US" altLang="ko-KR" dirty="0"/>
               <a:t>LCA(Lowest Common Ancestor)</a:t>
             </a:r>
             <a:endParaRPr lang="ko-KR" altLang="en-US" dirty="0"/>
@@ -5439,30 +5336,30 @@
             <a:pPr marL="0" indent="0">
               <a:buNone/>
             </a:pPr>
-            <a:endParaRPr lang="en-US" altLang="ko-KR" sz="4000" dirty="0" smtClean="0"/>
+            <a:endParaRPr lang="en-US" altLang="ko-KR" sz="4000" dirty="0"/>
           </a:p>
           <a:p>
             <a:pPr marL="0" indent="0">
               <a:buNone/>
             </a:pPr>
             <a:r>
-              <a:rPr lang="en-US" altLang="ko-KR" sz="4000" dirty="0" smtClean="0"/>
+              <a:rPr lang="en-US" altLang="ko-KR" sz="4000" dirty="0"/>
               <a:t>Tree</a:t>
             </a:r>
             <a:r>
-              <a:rPr lang="ko-KR" altLang="en-US" sz="4000" dirty="0" smtClean="0"/>
+              <a:rPr lang="ko-KR" altLang="en-US" sz="4000" dirty="0"/>
               <a:t>상에서 어떤 두 정점  </a:t>
             </a:r>
             <a:r>
-              <a:rPr lang="en-US" altLang="ko-KR" sz="4000" dirty="0" smtClean="0"/>
+              <a:rPr lang="en-US" altLang="ko-KR" sz="4000" dirty="0"/>
               <a:t>u, v</a:t>
             </a:r>
             <a:r>
-              <a:rPr lang="ko-KR" altLang="en-US" sz="4000" dirty="0" smtClean="0"/>
+              <a:rPr lang="ko-KR" altLang="en-US" sz="4000" dirty="0"/>
               <a:t>가 있을 때</a:t>
             </a:r>
             <a:r>
-              <a:rPr lang="en-US" altLang="ko-KR" sz="4000" dirty="0" smtClean="0"/>
+              <a:rPr lang="en-US" altLang="ko-KR" sz="4000" dirty="0"/>
               <a:t>, </a:t>
             </a:r>
           </a:p>
@@ -5477,38 +5374,38 @@
               <a:buNone/>
             </a:pPr>
             <a:r>
-              <a:rPr lang="en-US" altLang="ko-KR" sz="4000" dirty="0" smtClean="0"/>
+              <a:rPr lang="en-US" altLang="ko-KR" sz="4000" dirty="0"/>
               <a:t>u</a:t>
             </a:r>
             <a:r>
-              <a:rPr lang="ko-KR" altLang="en-US" sz="4000" dirty="0" smtClean="0"/>
+              <a:rPr lang="ko-KR" altLang="en-US" sz="4000" dirty="0"/>
               <a:t>이거나 </a:t>
             </a:r>
             <a:r>
-              <a:rPr lang="en-US" altLang="ko-KR" sz="4000" dirty="0" smtClean="0"/>
+              <a:rPr lang="en-US" altLang="ko-KR" sz="4000" dirty="0"/>
               <a:t>u</a:t>
             </a:r>
             <a:r>
-              <a:rPr lang="ko-KR" altLang="en-US" sz="4000" dirty="0" smtClean="0"/>
+              <a:rPr lang="ko-KR" altLang="en-US" sz="4000" dirty="0"/>
               <a:t>의</a:t>
             </a:r>
             <a:r>
-              <a:rPr lang="en-US" altLang="ko-KR" sz="4000" dirty="0" smtClean="0"/>
+              <a:rPr lang="en-US" altLang="ko-KR" sz="4000" dirty="0"/>
               <a:t> </a:t>
             </a:r>
             <a:r>
-              <a:rPr lang="ko-KR" altLang="en-US" sz="4000" dirty="0" smtClean="0"/>
+              <a:rPr lang="ko-KR" altLang="en-US" sz="4000" dirty="0"/>
               <a:t>조상이면서 동시에 </a:t>
             </a:r>
             <a:r>
-              <a:rPr lang="en-US" altLang="ko-KR" sz="4000" dirty="0" smtClean="0"/>
+              <a:rPr lang="en-US" altLang="ko-KR" sz="4000" dirty="0"/>
               <a:t>v</a:t>
             </a:r>
             <a:r>
-              <a:rPr lang="ko-KR" altLang="en-US" sz="4000" dirty="0" smtClean="0"/>
+              <a:rPr lang="ko-KR" altLang="en-US" sz="4000" dirty="0"/>
               <a:t>이거나 </a:t>
             </a:r>
-            <a:endParaRPr lang="en-US" altLang="ko-KR" sz="4000" dirty="0" smtClean="0"/>
+            <a:endParaRPr lang="en-US" altLang="ko-KR" sz="4000" dirty="0"/>
           </a:p>
           <a:p>
             <a:pPr marL="0" indent="0">
@@ -5521,14 +5418,13 @@
               <a:buNone/>
             </a:pPr>
             <a:r>
-              <a:rPr lang="en-US" altLang="ko-KR" sz="4000" dirty="0" smtClean="0"/>
+              <a:rPr lang="en-US" altLang="ko-KR" sz="4000" dirty="0"/>
               <a:t>v</a:t>
             </a:r>
             <a:r>
-              <a:rPr lang="ko-KR" altLang="en-US" sz="4000" dirty="0" smtClean="0"/>
+              <a:rPr lang="ko-KR" altLang="en-US" sz="4000" dirty="0"/>
               <a:t>의 조상인 노드들 중 가장 깊은 노드</a:t>
             </a:r>
-            <a:endParaRPr lang="ko-KR" altLang="en-US" sz="4000" dirty="0"/>
           </a:p>
         </p:txBody>
       </p:sp>
@@ -5542,13 +5438,6 @@
   <p:clrMapOvr>
     <a:masterClrMapping/>
   </p:clrMapOvr>
-  <p:timing>
-    <p:tnLst>
-      <p:par>
-        <p:cTn id="1" dur="indefinite" restart="never" nodeType="tmRoot"/>
-      </p:par>
-    </p:tnLst>
-  </p:timing>
 </p:sld>
 </file>
 
@@ -5585,7 +5474,7 @@
           <a:lstStyle/>
           <a:p>
             <a:r>
-              <a:rPr lang="en-US" altLang="ko-KR" dirty="0" smtClean="0"/>
+              <a:rPr lang="en-US" altLang="ko-KR" dirty="0"/>
               <a:t>LCA(Lowest Common Ancestor)</a:t>
             </a:r>
             <a:endParaRPr lang="ko-KR" altLang="en-US" dirty="0"/>
@@ -5653,13 +5542,6 @@
   <p:clrMapOvr>
     <a:masterClrMapping/>
   </p:clrMapOvr>
-  <p:timing>
-    <p:tnLst>
-      <p:par>
-        <p:cTn id="1" dur="indefinite" restart="never" nodeType="tmRoot"/>
-      </p:par>
-    </p:tnLst>
-  </p:timing>
 </p:sld>
 </file>
 
@@ -5696,7 +5578,7 @@
           <a:lstStyle/>
           <a:p>
             <a:r>
-              <a:rPr lang="en-US" altLang="ko-KR" dirty="0" smtClean="0"/>
+              <a:rPr lang="en-US" altLang="ko-KR" dirty="0"/>
               <a:t>LCA(Lowest Common Ancestor)</a:t>
             </a:r>
             <a:endParaRPr lang="ko-KR" altLang="en-US" dirty="0"/>
@@ -5741,13 +5623,6 @@
   <p:clrMapOvr>
     <a:masterClrMapping/>
   </p:clrMapOvr>
-  <p:timing>
-    <p:tnLst>
-      <p:par>
-        <p:cTn id="1" dur="indefinite" restart="never" nodeType="tmRoot"/>
-      </p:par>
-    </p:tnLst>
-  </p:timing>
 </p:sld>
 </file>
 
@@ -5784,7 +5659,7 @@
           <a:lstStyle/>
           <a:p>
             <a:r>
-              <a:rPr lang="en-US" altLang="ko-KR" dirty="0" smtClean="0"/>
+              <a:rPr lang="en-US" altLang="ko-KR" dirty="0"/>
               <a:t>LCA(Lowest Common Ancestor)</a:t>
             </a:r>
             <a:endParaRPr lang="ko-KR" altLang="en-US" dirty="0"/>
@@ -5812,39 +5687,33 @@
               <a:buNone/>
             </a:pPr>
             <a:r>
-              <a:rPr lang="en-US" altLang="ko-KR" sz="4000" dirty="0" smtClean="0"/>
+              <a:rPr lang="en-US" altLang="ko-KR" sz="4000" dirty="0"/>
               <a:t>LCA</a:t>
             </a:r>
             <a:r>
-              <a:rPr lang="ko-KR" altLang="en-US" sz="4000" dirty="0" smtClean="0"/>
+              <a:rPr lang="ko-KR" altLang="en-US" sz="4000" dirty="0"/>
               <a:t>를 찾으면</a:t>
             </a:r>
             <a:r>
-              <a:rPr lang="en-US" altLang="ko-KR" sz="4000" dirty="0" smtClean="0"/>
+              <a:rPr lang="en-US" altLang="ko-KR" sz="4000" dirty="0"/>
               <a:t>? </a:t>
             </a:r>
             <a:r>
-              <a:rPr lang="ko-KR" altLang="en-US" sz="4000" dirty="0" smtClean="0"/>
+              <a:rPr lang="ko-KR" altLang="en-US" sz="4000" dirty="0"/>
               <a:t>두 </a:t>
             </a:r>
             <a:r>
-              <a:rPr lang="en-US" altLang="ko-KR" sz="4000" dirty="0" smtClean="0"/>
+              <a:rPr lang="en-US" altLang="ko-KR" sz="4000" dirty="0"/>
               <a:t>NODE </a:t>
             </a:r>
             <a:r>
-              <a:rPr lang="ko-KR" altLang="en-US" sz="4000" dirty="0" smtClean="0"/>
+              <a:rPr lang="ko-KR" altLang="en-US" sz="4000" dirty="0"/>
               <a:t>사이의 최단 경로를 구할 수 있다</a:t>
             </a:r>
             <a:r>
-              <a:rPr lang="en-US" altLang="ko-KR" sz="4000" dirty="0" smtClean="0"/>
+              <a:rPr lang="en-US" altLang="ko-KR" sz="4000" dirty="0"/>
               <a:t>.</a:t>
             </a:r>
-          </a:p>
-          <a:p>
-            <a:pPr marL="0" indent="0">
-              <a:buNone/>
-            </a:pPr>
-            <a:endParaRPr lang="en-US" altLang="ko-KR" sz="4000" dirty="0" smtClean="0"/>
           </a:p>
           <a:p>
             <a:pPr marL="0" indent="0">
@@ -5856,32 +5725,38 @@
             <a:pPr marL="0" indent="0">
               <a:buNone/>
             </a:pPr>
-            <a:r>
-              <a:rPr lang="ko-KR" altLang="en-US" sz="4000" dirty="0" smtClean="0"/>
+            <a:endParaRPr lang="en-US" altLang="ko-KR" sz="4000" dirty="0"/>
+          </a:p>
+          <a:p>
+            <a:pPr marL="0" indent="0">
+              <a:buNone/>
+            </a:pPr>
+            <a:r>
+              <a:rPr lang="ko-KR" altLang="en-US" sz="4000" dirty="0"/>
               <a:t>잠깐</a:t>
             </a:r>
             <a:r>
-              <a:rPr lang="en-US" altLang="ko-KR" sz="4000" dirty="0" smtClean="0"/>
+              <a:rPr lang="en-US" altLang="ko-KR" sz="4000" dirty="0"/>
               <a:t>!! TREE</a:t>
             </a:r>
             <a:r>
-              <a:rPr lang="ko-KR" altLang="en-US" sz="4000" dirty="0" smtClean="0"/>
+              <a:rPr lang="ko-KR" altLang="en-US" sz="4000" dirty="0"/>
               <a:t>상에서 </a:t>
             </a:r>
             <a:r>
-              <a:rPr lang="en-US" altLang="ko-KR" sz="4000" dirty="0" smtClean="0"/>
+              <a:rPr lang="en-US" altLang="ko-KR" sz="4000" dirty="0"/>
               <a:t>diameter</a:t>
             </a:r>
             <a:r>
-              <a:rPr lang="ko-KR" altLang="en-US" sz="4000" dirty="0" smtClean="0"/>
+              <a:rPr lang="ko-KR" altLang="en-US" sz="4000" dirty="0"/>
               <a:t>를 구하는 방법은 </a:t>
             </a:r>
             <a:r>
-              <a:rPr lang="ko-KR" altLang="en-US" sz="4000" dirty="0" err="1" smtClean="0"/>
+              <a:rPr lang="ko-KR" altLang="en-US" sz="4000" dirty="0" err="1"/>
               <a:t>뭐였죠</a:t>
             </a:r>
             <a:r>
-              <a:rPr lang="en-US" altLang="ko-KR" sz="4000" dirty="0" smtClean="0"/>
+              <a:rPr lang="en-US" altLang="ko-KR" sz="4000" dirty="0"/>
               <a:t>??</a:t>
             </a:r>
             <a:endParaRPr lang="ko-KR" altLang="en-US" sz="4000" dirty="0"/>
